--- a/Domain driven design_1_en.pptx
+++ b/Domain driven design_1_en.pptx
@@ -4,28 +4,27 @@
   <p:sldMasterIdLst>
     <p:sldMasterId id="2147483648" r:id="rId2"/>
     <p:sldMasterId id="2147483661" r:id="rId3"/>
-    <p:sldMasterId id="2147483674" r:id="rId4"/>
   </p:sldMasterIdLst>
   <p:notesMasterIdLst>
-    <p:notesMasterId r:id="rId5"/>
+    <p:notesMasterId r:id="rId4"/>
   </p:notesMasterIdLst>
   <p:sldIdLst>
-    <p:sldId id="256" r:id="rId6"/>
-    <p:sldId id="257" r:id="rId7"/>
-    <p:sldId id="258" r:id="rId8"/>
-    <p:sldId id="259" r:id="rId9"/>
-    <p:sldId id="260" r:id="rId10"/>
-    <p:sldId id="261" r:id="rId11"/>
-    <p:sldId id="262" r:id="rId12"/>
-    <p:sldId id="263" r:id="rId13"/>
-    <p:sldId id="264" r:id="rId14"/>
-    <p:sldId id="265" r:id="rId15"/>
-    <p:sldId id="266" r:id="rId16"/>
-    <p:sldId id="267" r:id="rId17"/>
-    <p:sldId id="268" r:id="rId18"/>
-    <p:sldId id="269" r:id="rId19"/>
-    <p:sldId id="270" r:id="rId20"/>
-    <p:sldId id="271" r:id="rId21"/>
+    <p:sldId id="256" r:id="rId5"/>
+    <p:sldId id="257" r:id="rId6"/>
+    <p:sldId id="258" r:id="rId7"/>
+    <p:sldId id="259" r:id="rId8"/>
+    <p:sldId id="260" r:id="rId9"/>
+    <p:sldId id="261" r:id="rId10"/>
+    <p:sldId id="262" r:id="rId11"/>
+    <p:sldId id="263" r:id="rId12"/>
+    <p:sldId id="264" r:id="rId13"/>
+    <p:sldId id="265" r:id="rId14"/>
+    <p:sldId id="266" r:id="rId15"/>
+    <p:sldId id="267" r:id="rId16"/>
+    <p:sldId id="268" r:id="rId17"/>
+    <p:sldId id="269" r:id="rId18"/>
+    <p:sldId id="270" r:id="rId19"/>
+    <p:sldId id="271" r:id="rId20"/>
   </p:sldIdLst>
   <p:sldSz cx="9144000" cy="6858000"/>
   <p:notesSz cx="6797675" cy="9874250"/>
@@ -51,7 +50,7 @@
       </p:grpSpPr>
       <p:sp>
         <p:nvSpPr>
-          <p:cNvPr id="137" name="PlaceHolder 1"/>
+          <p:cNvPr id="74" name="PlaceHolder 1"/>
           <p:cNvSpPr>
             <a:spLocks noGrp="1"/>
           </p:cNvSpPr>
@@ -61,8 +60,8 @@
         </p:nvSpPr>
         <p:spPr>
           <a:xfrm>
-            <a:off x="647280" y="4321800"/>
-            <a:ext cx="5502600" cy="4654440"/>
+            <a:off x="756000" y="5078520"/>
+            <a:ext cx="6047640" cy="4811040"/>
           </a:xfrm>
           <a:prstGeom prst="rect">
             <a:avLst/>
@@ -81,7 +80,7 @@
       </p:sp>
       <p:sp>
         <p:nvSpPr>
-          <p:cNvPr id="138" name="PlaceHolder 2"/>
+          <p:cNvPr id="75" name="PlaceHolder 2"/>
           <p:cNvSpPr>
             <a:spLocks noGrp="1"/>
           </p:cNvSpPr>
@@ -92,7 +91,7 @@
         <p:spPr>
           <a:xfrm>
             <a:off x="0" y="0"/>
-            <a:ext cx="2949480" cy="493200"/>
+            <a:ext cx="3280680" cy="534240"/>
           </a:xfrm>
           <a:prstGeom prst="rect">
             <a:avLst/>
@@ -102,7 +101,7 @@
           <a:bodyPr wrap="none" lIns="0" rIns="0" tIns="0" bIns="0"/>
           <a:p>
             <a:r>
-              <a:rPr lang="pl-PL" sz="1400"/>
+              <a:rPr lang="pl-PL"/>
               <a:t>&lt;główka&gt;</a:t>
             </a:r>
             <a:endParaRPr/>
@@ -111,7 +110,7 @@
       </p:sp>
       <p:sp>
         <p:nvSpPr>
-          <p:cNvPr id="139" name="PlaceHolder 3"/>
+          <p:cNvPr id="76" name="PlaceHolder 3"/>
           <p:cNvSpPr>
             <a:spLocks noGrp="1"/>
           </p:cNvSpPr>
@@ -121,8 +120,8 @@
         </p:nvSpPr>
         <p:spPr>
           <a:xfrm>
-            <a:off x="3847680" y="0"/>
-            <a:ext cx="2949480" cy="493200"/>
+            <a:off x="4278960" y="0"/>
+            <a:ext cx="3280680" cy="534240"/>
           </a:xfrm>
           <a:prstGeom prst="rect">
             <a:avLst/>
@@ -133,7 +132,7 @@
           <a:p>
             <a:pPr algn="r"/>
             <a:r>
-              <a:rPr lang="pl-PL" sz="1400"/>
+              <a:rPr lang="pl-PL"/>
               <a:t>&lt;data/godzina&gt;</a:t>
             </a:r>
             <a:endParaRPr/>
@@ -142,7 +141,7 @@
       </p:sp>
       <p:sp>
         <p:nvSpPr>
-          <p:cNvPr id="140" name="PlaceHolder 4"/>
+          <p:cNvPr id="77" name="PlaceHolder 4"/>
           <p:cNvSpPr>
             <a:spLocks noGrp="1"/>
           </p:cNvSpPr>
@@ -152,8 +151,8 @@
         </p:nvSpPr>
         <p:spPr>
           <a:xfrm>
-            <a:off x="0" y="9380160"/>
-            <a:ext cx="2949480" cy="493200"/>
+            <a:off x="0" y="10157400"/>
+            <a:ext cx="3280680" cy="534240"/>
           </a:xfrm>
           <a:prstGeom prst="rect">
             <a:avLst/>
@@ -163,7 +162,7 @@
           <a:bodyPr wrap="none" lIns="0" rIns="0" tIns="0" bIns="0" anchor="b"/>
           <a:p>
             <a:r>
-              <a:rPr lang="pl-PL" sz="1400"/>
+              <a:rPr lang="pl-PL"/>
               <a:t>&lt;stopka&gt;</a:t>
             </a:r>
             <a:endParaRPr/>
@@ -172,7 +171,7 @@
       </p:sp>
       <p:sp>
         <p:nvSpPr>
-          <p:cNvPr id="141" name="PlaceHolder 5"/>
+          <p:cNvPr id="78" name="PlaceHolder 5"/>
           <p:cNvSpPr>
             <a:spLocks noGrp="1"/>
           </p:cNvSpPr>
@@ -182,8 +181,8 @@
         </p:nvSpPr>
         <p:spPr>
           <a:xfrm>
-            <a:off x="3847680" y="9380160"/>
-            <a:ext cx="2949480" cy="493200"/>
+            <a:off x="4278960" y="10157400"/>
+            <a:ext cx="3280680" cy="534240"/>
           </a:xfrm>
           <a:prstGeom prst="rect">
             <a:avLst/>
@@ -193,8 +192,8 @@
           <a:bodyPr wrap="none" lIns="0" rIns="0" tIns="0" bIns="0" anchor="b"/>
           <a:p>
             <a:pPr algn="r"/>
-            <a:fld id="{48131C56-BCD7-47DC-9E6E-EF10C755B975}" type="slidenum">
-              <a:rPr lang="pl-PL" sz="1400"/>
+            <a:fld id="{EB68A4B2-8055-4164-817E-37B648DC82F2}" type="slidenum">
+              <a:rPr lang="pl-PL"/>
               <a:t>&lt;numer&gt;</a:t>
             </a:fld>
             <a:endParaRPr/>
@@ -226,7 +225,7 @@
       </p:grpSpPr>
       <p:sp>
         <p:nvSpPr>
-          <p:cNvPr id="236" name="PlaceHolder 1"/>
+          <p:cNvPr id="173" name="PlaceHolder 1"/>
           <p:cNvSpPr>
             <a:spLocks noGrp="1"/>
           </p:cNvSpPr>
@@ -237,7 +236,7 @@
         <p:spPr>
           <a:xfrm>
             <a:off x="679320" y="4691160"/>
-            <a:ext cx="5438160" cy="4442760"/>
+            <a:ext cx="5437800" cy="4442400"/>
           </a:xfrm>
           <a:prstGeom prst="rect">
             <a:avLst/>
@@ -252,14 +251,14 @@
       </p:sp>
       <p:sp>
         <p:nvSpPr>
-          <p:cNvPr id="237" name="CustomShape 2"/>
+          <p:cNvPr id="174" name="CustomShape 2"/>
           <p:cNvSpPr/>
           <p:nvPr/>
         </p:nvSpPr>
         <p:spPr>
           <a:xfrm>
             <a:off x="3849840" y="9379080"/>
-            <a:ext cx="2945520" cy="492840"/>
+            <a:ext cx="2945160" cy="492480"/>
           </a:xfrm>
           <a:prstGeom prst="rect">
             <a:avLst/>
@@ -277,7 +276,7 @@
                 <a:spcPct val="100000"/>
               </a:lnSpc>
             </a:pPr>
-            <a:fld id="{EA7DA44A-D004-45B1-B4D0-E32B90F4BDD7}" type="slidenum">
+            <a:fld id="{DB97C6EE-5CA6-4996-80BD-764FE844C4C4}" type="slidenum">
               <a:rPr lang="pl-PL" sz="1200">
                 <a:latin typeface="+mn-lt"/>
               </a:rPr>
@@ -333,7 +332,7 @@
       </p:grpSpPr>
       <p:sp>
         <p:nvSpPr>
-          <p:cNvPr id="35" name="PlaceHolder 1"/>
+          <p:cNvPr id="24" name="PlaceHolder 1"/>
           <p:cNvSpPr>
             <a:spLocks noGrp="1"/>
           </p:cNvSpPr>
@@ -343,8 +342,8 @@
         </p:nvSpPr>
         <p:spPr>
           <a:xfrm>
-            <a:off x="457200" y="522360"/>
-            <a:ext cx="6531480" cy="653400"/>
+            <a:off x="457200" y="273600"/>
+            <a:ext cx="8229240" cy="1145160"/>
           </a:xfrm>
           <a:prstGeom prst="rect">
             <a:avLst/>
@@ -353,13 +352,14 @@
         <p:txBody>
           <a:bodyPr wrap="none" lIns="0" rIns="0" tIns="0" bIns="0" anchor="ctr"/>
           <a:p>
-            <a:endParaRPr/>
-          </a:p>
-        </p:txBody>
-      </p:sp>
-      <p:sp>
-        <p:nvSpPr>
-          <p:cNvPr id="36" name="PlaceHolder 2"/>
+            <a:pPr algn="ctr"/>
+            <a:endParaRPr/>
+          </a:p>
+        </p:txBody>
+      </p:sp>
+      <p:sp>
+        <p:nvSpPr>
+          <p:cNvPr id="25" name="PlaceHolder 2"/>
           <p:cNvSpPr>
             <a:spLocks noGrp="1"/>
           </p:cNvSpPr>
@@ -369,8 +369,8 @@
         </p:nvSpPr>
         <p:spPr>
           <a:xfrm>
-            <a:off x="457200" y="1632600"/>
-            <a:ext cx="8229600" cy="1896840"/>
+            <a:off x="457200" y="1604520"/>
+            <a:ext cx="8229240" cy="1896840"/>
           </a:xfrm>
           <a:prstGeom prst="rect">
             <a:avLst/>
@@ -385,7 +385,7 @@
       </p:sp>
       <p:sp>
         <p:nvSpPr>
-          <p:cNvPr id="37" name="PlaceHolder 3"/>
+          <p:cNvPr id="26" name="PlaceHolder 3"/>
           <p:cNvSpPr>
             <a:spLocks noGrp="1"/>
           </p:cNvSpPr>
@@ -395,8 +395,8 @@
         </p:nvSpPr>
         <p:spPr>
           <a:xfrm>
-            <a:off x="457200" y="3710160"/>
-            <a:ext cx="8229600" cy="1896840"/>
+            <a:off x="457200" y="3682080"/>
+            <a:ext cx="8229240" cy="1896840"/>
           </a:xfrm>
           <a:prstGeom prst="rect">
             <a:avLst/>
@@ -433,7 +433,7 @@
       </p:grpSpPr>
       <p:sp>
         <p:nvSpPr>
-          <p:cNvPr id="38" name="PlaceHolder 1"/>
+          <p:cNvPr id="27" name="PlaceHolder 1"/>
           <p:cNvSpPr>
             <a:spLocks noGrp="1"/>
           </p:cNvSpPr>
@@ -443,8 +443,8 @@
         </p:nvSpPr>
         <p:spPr>
           <a:xfrm>
-            <a:off x="457200" y="522360"/>
-            <a:ext cx="6531480" cy="653400"/>
+            <a:off x="457200" y="273600"/>
+            <a:ext cx="8229240" cy="1145160"/>
           </a:xfrm>
           <a:prstGeom prst="rect">
             <a:avLst/>
@@ -453,13 +453,14 @@
         <p:txBody>
           <a:bodyPr wrap="none" lIns="0" rIns="0" tIns="0" bIns="0" anchor="ctr"/>
           <a:p>
-            <a:endParaRPr/>
-          </a:p>
-        </p:txBody>
-      </p:sp>
-      <p:sp>
-        <p:nvSpPr>
-          <p:cNvPr id="39" name="PlaceHolder 2"/>
+            <a:pPr algn="ctr"/>
+            <a:endParaRPr/>
+          </a:p>
+        </p:txBody>
+      </p:sp>
+      <p:sp>
+        <p:nvSpPr>
+          <p:cNvPr id="28" name="PlaceHolder 2"/>
           <p:cNvSpPr>
             <a:spLocks noGrp="1"/>
           </p:cNvSpPr>
@@ -469,7 +470,7 @@
         </p:nvSpPr>
         <p:spPr>
           <a:xfrm>
-            <a:off x="457200" y="1632600"/>
+            <a:off x="457200" y="1604520"/>
             <a:ext cx="4015800" cy="1896840"/>
           </a:xfrm>
           <a:prstGeom prst="rect">
@@ -485,7 +486,7 @@
       </p:sp>
       <p:sp>
         <p:nvSpPr>
-          <p:cNvPr id="40" name="PlaceHolder 3"/>
+          <p:cNvPr id="29" name="PlaceHolder 3"/>
           <p:cNvSpPr>
             <a:spLocks noGrp="1"/>
           </p:cNvSpPr>
@@ -495,7 +496,7 @@
         </p:nvSpPr>
         <p:spPr>
           <a:xfrm>
-            <a:off x="4674240" y="1632600"/>
+            <a:off x="4674240" y="1604520"/>
             <a:ext cx="4015800" cy="1896840"/>
           </a:xfrm>
           <a:prstGeom prst="rect">
@@ -511,7 +512,7 @@
       </p:sp>
       <p:sp>
         <p:nvSpPr>
-          <p:cNvPr id="41" name="PlaceHolder 4"/>
+          <p:cNvPr id="30" name="PlaceHolder 4"/>
           <p:cNvSpPr>
             <a:spLocks noGrp="1"/>
           </p:cNvSpPr>
@@ -521,7 +522,7 @@
         </p:nvSpPr>
         <p:spPr>
           <a:xfrm>
-            <a:off x="4674240" y="3710160"/>
+            <a:off x="4674240" y="3682080"/>
             <a:ext cx="4015800" cy="1896840"/>
           </a:xfrm>
           <a:prstGeom prst="rect">
@@ -537,7 +538,7 @@
       </p:sp>
       <p:sp>
         <p:nvSpPr>
-          <p:cNvPr id="42" name="PlaceHolder 5"/>
+          <p:cNvPr id="31" name="PlaceHolder 5"/>
           <p:cNvSpPr>
             <a:spLocks noGrp="1"/>
           </p:cNvSpPr>
@@ -547,7 +548,7 @@
         </p:nvSpPr>
         <p:spPr>
           <a:xfrm>
-            <a:off x="457200" y="3710160"/>
+            <a:off x="457200" y="3682080"/>
             <a:ext cx="4015800" cy="1896840"/>
           </a:xfrm>
           <a:prstGeom prst="rect">
@@ -585,7 +586,7 @@
       </p:grpSpPr>
       <p:sp>
         <p:nvSpPr>
-          <p:cNvPr id="43" name="PlaceHolder 1"/>
+          <p:cNvPr id="32" name="PlaceHolder 1"/>
           <p:cNvSpPr>
             <a:spLocks noGrp="1"/>
           </p:cNvSpPr>
@@ -595,8 +596,8 @@
         </p:nvSpPr>
         <p:spPr>
           <a:xfrm>
-            <a:off x="457200" y="522360"/>
-            <a:ext cx="6531480" cy="653400"/>
+            <a:off x="457200" y="273600"/>
+            <a:ext cx="8229240" cy="1145160"/>
           </a:xfrm>
           <a:prstGeom prst="rect">
             <a:avLst/>
@@ -605,13 +606,14 @@
         <p:txBody>
           <a:bodyPr wrap="none" lIns="0" rIns="0" tIns="0" bIns="0" anchor="ctr"/>
           <a:p>
-            <a:endParaRPr/>
-          </a:p>
-        </p:txBody>
-      </p:sp>
-      <p:sp>
-        <p:nvSpPr>
-          <p:cNvPr id="44" name="PlaceHolder 2"/>
+            <a:pPr algn="ctr"/>
+            <a:endParaRPr/>
+          </a:p>
+        </p:txBody>
+      </p:sp>
+      <p:sp>
+        <p:nvSpPr>
+          <p:cNvPr id="33" name="PlaceHolder 2"/>
           <p:cNvSpPr>
             <a:spLocks noGrp="1"/>
           </p:cNvSpPr>
@@ -621,8 +623,8 @@
         </p:nvSpPr>
         <p:spPr>
           <a:xfrm>
-            <a:off x="457200" y="1632600"/>
-            <a:ext cx="8229600" cy="3977280"/>
+            <a:off x="457200" y="1604520"/>
+            <a:ext cx="8229240" cy="3977280"/>
           </a:xfrm>
           <a:prstGeom prst="rect">
             <a:avLst/>
@@ -637,7 +639,7 @@
       </p:sp>
       <p:sp>
         <p:nvSpPr>
-          <p:cNvPr id="45" name="PlaceHolder 3"/>
+          <p:cNvPr id="34" name="PlaceHolder 3"/>
           <p:cNvSpPr>
             <a:spLocks noGrp="1"/>
           </p:cNvSpPr>
@@ -647,8 +649,8 @@
         </p:nvSpPr>
         <p:spPr>
           <a:xfrm>
-            <a:off x="457200" y="1632600"/>
-            <a:ext cx="8229600" cy="3977280"/>
+            <a:off x="457200" y="1604520"/>
+            <a:ext cx="8229240" cy="3977280"/>
           </a:xfrm>
           <a:prstGeom prst="rect">
             <a:avLst/>
@@ -663,7 +665,7 @@
       </p:sp>
       <p:pic>
         <p:nvPicPr>
-          <p:cNvPr id="46" name="" descr=""/>
+          <p:cNvPr id="35" name="" descr=""/>
           <p:cNvPicPr/>
           <p:nvPr/>
         </p:nvPicPr>
@@ -675,7 +677,7 @@
         </p:blipFill>
         <p:spPr>
           <a:xfrm>
-            <a:off x="2079360" y="1632600"/>
+            <a:off x="2079000" y="1604520"/>
             <a:ext cx="4984920" cy="3977280"/>
           </a:xfrm>
           <a:prstGeom prst="rect">
@@ -688,7 +690,7 @@
       </p:pic>
       <p:pic>
         <p:nvPicPr>
-          <p:cNvPr id="47" name="" descr=""/>
+          <p:cNvPr id="36" name="" descr=""/>
           <p:cNvPicPr/>
           <p:nvPr/>
         </p:nvPicPr>
@@ -700,7 +702,7 @@
         </p:blipFill>
         <p:spPr>
           <a:xfrm>
-            <a:off x="2079360" y="1632600"/>
+            <a:off x="2079000" y="1604520"/>
             <a:ext cx="4984920" cy="3977280"/>
           </a:xfrm>
           <a:prstGeom prst="rect">
@@ -757,7 +759,7 @@
       </p:grpSpPr>
       <p:sp>
         <p:nvSpPr>
-          <p:cNvPr id="63" name="PlaceHolder 1"/>
+          <p:cNvPr id="40" name="PlaceHolder 1"/>
           <p:cNvSpPr>
             <a:spLocks noGrp="1"/>
           </p:cNvSpPr>
@@ -767,8 +769,8 @@
         </p:nvSpPr>
         <p:spPr>
           <a:xfrm>
-            <a:off x="457200" y="522360"/>
-            <a:ext cx="6531480" cy="653400"/>
+            <a:off x="457200" y="273600"/>
+            <a:ext cx="8229240" cy="1145160"/>
           </a:xfrm>
           <a:prstGeom prst="rect">
             <a:avLst/>
@@ -777,13 +779,14 @@
         <p:txBody>
           <a:bodyPr wrap="none" lIns="0" rIns="0" tIns="0" bIns="0" anchor="ctr"/>
           <a:p>
-            <a:endParaRPr/>
-          </a:p>
-        </p:txBody>
-      </p:sp>
-      <p:sp>
-        <p:nvSpPr>
-          <p:cNvPr id="64" name="PlaceHolder 2"/>
+            <a:pPr algn="ctr"/>
+            <a:endParaRPr/>
+          </a:p>
+        </p:txBody>
+      </p:sp>
+      <p:sp>
+        <p:nvSpPr>
+          <p:cNvPr id="41" name="PlaceHolder 2"/>
           <p:cNvSpPr>
             <a:spLocks noGrp="1"/>
           </p:cNvSpPr>
@@ -793,8 +796,8 @@
         </p:nvSpPr>
         <p:spPr>
           <a:xfrm>
-            <a:off x="457200" y="1632600"/>
-            <a:ext cx="8229600" cy="3977640"/>
+            <a:off x="457200" y="1604520"/>
+            <a:ext cx="8229240" cy="3977640"/>
           </a:xfrm>
           <a:prstGeom prst="rect">
             <a:avLst/>
@@ -832,7 +835,7 @@
       </p:grpSpPr>
       <p:sp>
         <p:nvSpPr>
-          <p:cNvPr id="65" name="PlaceHolder 1"/>
+          <p:cNvPr id="42" name="PlaceHolder 1"/>
           <p:cNvSpPr>
             <a:spLocks noGrp="1"/>
           </p:cNvSpPr>
@@ -842,8 +845,8 @@
         </p:nvSpPr>
         <p:spPr>
           <a:xfrm>
-            <a:off x="457200" y="522360"/>
-            <a:ext cx="6531480" cy="653400"/>
+            <a:off x="457200" y="273600"/>
+            <a:ext cx="8229240" cy="1145160"/>
           </a:xfrm>
           <a:prstGeom prst="rect">
             <a:avLst/>
@@ -852,13 +855,14 @@
         <p:txBody>
           <a:bodyPr wrap="none" lIns="0" rIns="0" tIns="0" bIns="0" anchor="ctr"/>
           <a:p>
-            <a:endParaRPr/>
-          </a:p>
-        </p:txBody>
-      </p:sp>
-      <p:sp>
-        <p:nvSpPr>
-          <p:cNvPr id="66" name="PlaceHolder 2"/>
+            <a:pPr algn="ctr"/>
+            <a:endParaRPr/>
+          </a:p>
+        </p:txBody>
+      </p:sp>
+      <p:sp>
+        <p:nvSpPr>
+          <p:cNvPr id="43" name="PlaceHolder 2"/>
           <p:cNvSpPr>
             <a:spLocks noGrp="1"/>
           </p:cNvSpPr>
@@ -868,8 +872,8 @@
         </p:nvSpPr>
         <p:spPr>
           <a:xfrm>
-            <a:off x="457200" y="1632600"/>
-            <a:ext cx="8229600" cy="3977280"/>
+            <a:off x="457200" y="1604520"/>
+            <a:ext cx="8229240" cy="3977280"/>
           </a:xfrm>
           <a:prstGeom prst="rect">
             <a:avLst/>
@@ -906,7 +910,7 @@
       </p:grpSpPr>
       <p:sp>
         <p:nvSpPr>
-          <p:cNvPr id="67" name="PlaceHolder 1"/>
+          <p:cNvPr id="44" name="PlaceHolder 1"/>
           <p:cNvSpPr>
             <a:spLocks noGrp="1"/>
           </p:cNvSpPr>
@@ -916,8 +920,8 @@
         </p:nvSpPr>
         <p:spPr>
           <a:xfrm>
-            <a:off x="457200" y="522360"/>
-            <a:ext cx="6531480" cy="653400"/>
+            <a:off x="457200" y="273600"/>
+            <a:ext cx="8229240" cy="1145160"/>
           </a:xfrm>
           <a:prstGeom prst="rect">
             <a:avLst/>
@@ -926,13 +930,14 @@
         <p:txBody>
           <a:bodyPr wrap="none" lIns="0" rIns="0" tIns="0" bIns="0" anchor="ctr"/>
           <a:p>
-            <a:endParaRPr/>
-          </a:p>
-        </p:txBody>
-      </p:sp>
-      <p:sp>
-        <p:nvSpPr>
-          <p:cNvPr id="68" name="PlaceHolder 2"/>
+            <a:pPr algn="ctr"/>
+            <a:endParaRPr/>
+          </a:p>
+        </p:txBody>
+      </p:sp>
+      <p:sp>
+        <p:nvSpPr>
+          <p:cNvPr id="45" name="PlaceHolder 2"/>
           <p:cNvSpPr>
             <a:spLocks noGrp="1"/>
           </p:cNvSpPr>
@@ -942,7 +947,7 @@
         </p:nvSpPr>
         <p:spPr>
           <a:xfrm>
-            <a:off x="457200" y="1632600"/>
+            <a:off x="457200" y="1604520"/>
             <a:ext cx="4015800" cy="3977280"/>
           </a:xfrm>
           <a:prstGeom prst="rect">
@@ -958,7 +963,7 @@
       </p:sp>
       <p:sp>
         <p:nvSpPr>
-          <p:cNvPr id="69" name="PlaceHolder 3"/>
+          <p:cNvPr id="46" name="PlaceHolder 3"/>
           <p:cNvSpPr>
             <a:spLocks noGrp="1"/>
           </p:cNvSpPr>
@@ -968,7 +973,7 @@
         </p:nvSpPr>
         <p:spPr>
           <a:xfrm>
-            <a:off x="4674240" y="1632600"/>
+            <a:off x="4674240" y="1604520"/>
             <a:ext cx="4015800" cy="3977280"/>
           </a:xfrm>
           <a:prstGeom prst="rect">
@@ -1006,7 +1011,7 @@
       </p:grpSpPr>
       <p:sp>
         <p:nvSpPr>
-          <p:cNvPr id="70" name="PlaceHolder 1"/>
+          <p:cNvPr id="47" name="PlaceHolder 1"/>
           <p:cNvSpPr>
             <a:spLocks noGrp="1"/>
           </p:cNvSpPr>
@@ -1016,8 +1021,8 @@
         </p:nvSpPr>
         <p:spPr>
           <a:xfrm>
-            <a:off x="457200" y="522360"/>
-            <a:ext cx="6531480" cy="653400"/>
+            <a:off x="457200" y="273600"/>
+            <a:ext cx="8229240" cy="1145160"/>
           </a:xfrm>
           <a:prstGeom prst="rect">
             <a:avLst/>
@@ -1026,6 +1031,7 @@
         <p:txBody>
           <a:bodyPr wrap="none" lIns="0" rIns="0" tIns="0" bIns="0" anchor="ctr"/>
           <a:p>
+            <a:pPr algn="ctr"/>
             <a:endParaRPr/>
           </a:p>
         </p:txBody>
@@ -1054,7 +1060,7 @@
       </p:grpSpPr>
       <p:sp>
         <p:nvSpPr>
-          <p:cNvPr id="71" name="PlaceHolder 1"/>
+          <p:cNvPr id="48" name="PlaceHolder 1"/>
           <p:cNvSpPr>
             <a:spLocks noGrp="1"/>
           </p:cNvSpPr>
@@ -1064,8 +1070,8 @@
         </p:nvSpPr>
         <p:spPr>
           <a:xfrm>
-            <a:off x="457200" y="522360"/>
-            <a:ext cx="6531480" cy="3028680"/>
+            <a:off x="457200" y="273600"/>
+            <a:ext cx="8229240" cy="5308200"/>
           </a:xfrm>
           <a:prstGeom prst="rect">
             <a:avLst/>
@@ -1103,7 +1109,7 @@
       </p:grpSpPr>
       <p:sp>
         <p:nvSpPr>
-          <p:cNvPr id="72" name="PlaceHolder 1"/>
+          <p:cNvPr id="49" name="PlaceHolder 1"/>
           <p:cNvSpPr>
             <a:spLocks noGrp="1"/>
           </p:cNvSpPr>
@@ -1113,8 +1119,8 @@
         </p:nvSpPr>
         <p:spPr>
           <a:xfrm>
-            <a:off x="457200" y="522360"/>
-            <a:ext cx="6531480" cy="653400"/>
+            <a:off x="457200" y="273600"/>
+            <a:ext cx="8229240" cy="1145160"/>
           </a:xfrm>
           <a:prstGeom prst="rect">
             <a:avLst/>
@@ -1123,13 +1129,14 @@
         <p:txBody>
           <a:bodyPr wrap="none" lIns="0" rIns="0" tIns="0" bIns="0" anchor="ctr"/>
           <a:p>
-            <a:endParaRPr/>
-          </a:p>
-        </p:txBody>
-      </p:sp>
-      <p:sp>
-        <p:nvSpPr>
-          <p:cNvPr id="73" name="PlaceHolder 2"/>
+            <a:pPr algn="ctr"/>
+            <a:endParaRPr/>
+          </a:p>
+        </p:txBody>
+      </p:sp>
+      <p:sp>
+        <p:nvSpPr>
+          <p:cNvPr id="50" name="PlaceHolder 2"/>
           <p:cNvSpPr>
             <a:spLocks noGrp="1"/>
           </p:cNvSpPr>
@@ -1139,7 +1146,7 @@
         </p:nvSpPr>
         <p:spPr>
           <a:xfrm>
-            <a:off x="457200" y="1632600"/>
+            <a:off x="457200" y="1604520"/>
             <a:ext cx="4015800" cy="1896840"/>
           </a:xfrm>
           <a:prstGeom prst="rect">
@@ -1155,7 +1162,7 @@
       </p:sp>
       <p:sp>
         <p:nvSpPr>
-          <p:cNvPr id="74" name="PlaceHolder 3"/>
+          <p:cNvPr id="51" name="PlaceHolder 3"/>
           <p:cNvSpPr>
             <a:spLocks noGrp="1"/>
           </p:cNvSpPr>
@@ -1165,7 +1172,7 @@
         </p:nvSpPr>
         <p:spPr>
           <a:xfrm>
-            <a:off x="457200" y="3710160"/>
+            <a:off x="457200" y="3682080"/>
             <a:ext cx="4015800" cy="1896840"/>
           </a:xfrm>
           <a:prstGeom prst="rect">
@@ -1181,7 +1188,7 @@
       </p:sp>
       <p:sp>
         <p:nvSpPr>
-          <p:cNvPr id="75" name="PlaceHolder 4"/>
+          <p:cNvPr id="52" name="PlaceHolder 4"/>
           <p:cNvSpPr>
             <a:spLocks noGrp="1"/>
           </p:cNvSpPr>
@@ -1191,7 +1198,7 @@
         </p:nvSpPr>
         <p:spPr>
           <a:xfrm>
-            <a:off x="4674240" y="1632600"/>
+            <a:off x="4674240" y="1604520"/>
             <a:ext cx="4015800" cy="3977280"/>
           </a:xfrm>
           <a:prstGeom prst="rect">
@@ -1229,7 +1236,7 @@
       </p:grpSpPr>
       <p:sp>
         <p:nvSpPr>
-          <p:cNvPr id="14" name="PlaceHolder 1"/>
+          <p:cNvPr id="3" name="PlaceHolder 1"/>
           <p:cNvSpPr>
             <a:spLocks noGrp="1"/>
           </p:cNvSpPr>
@@ -1239,8 +1246,8 @@
         </p:nvSpPr>
         <p:spPr>
           <a:xfrm>
-            <a:off x="457200" y="522360"/>
-            <a:ext cx="6531480" cy="653400"/>
+            <a:off x="457200" y="273600"/>
+            <a:ext cx="8229240" cy="1145160"/>
           </a:xfrm>
           <a:prstGeom prst="rect">
             <a:avLst/>
@@ -1249,13 +1256,14 @@
         <p:txBody>
           <a:bodyPr wrap="none" lIns="0" rIns="0" tIns="0" bIns="0" anchor="ctr"/>
           <a:p>
-            <a:endParaRPr/>
-          </a:p>
-        </p:txBody>
-      </p:sp>
-      <p:sp>
-        <p:nvSpPr>
-          <p:cNvPr id="15" name="PlaceHolder 2"/>
+            <a:pPr algn="ctr"/>
+            <a:endParaRPr/>
+          </a:p>
+        </p:txBody>
+      </p:sp>
+      <p:sp>
+        <p:nvSpPr>
+          <p:cNvPr id="4" name="PlaceHolder 2"/>
           <p:cNvSpPr>
             <a:spLocks noGrp="1"/>
           </p:cNvSpPr>
@@ -1265,8 +1273,8 @@
         </p:nvSpPr>
         <p:spPr>
           <a:xfrm>
-            <a:off x="457200" y="1632600"/>
-            <a:ext cx="8229600" cy="3977640"/>
+            <a:off x="457200" y="1604520"/>
+            <a:ext cx="8229240" cy="3977640"/>
           </a:xfrm>
           <a:prstGeom prst="rect">
             <a:avLst/>
@@ -1304,7 +1312,7 @@
       </p:grpSpPr>
       <p:sp>
         <p:nvSpPr>
-          <p:cNvPr id="76" name="PlaceHolder 1"/>
+          <p:cNvPr id="53" name="PlaceHolder 1"/>
           <p:cNvSpPr>
             <a:spLocks noGrp="1"/>
           </p:cNvSpPr>
@@ -1314,8 +1322,8 @@
         </p:nvSpPr>
         <p:spPr>
           <a:xfrm>
-            <a:off x="457200" y="522360"/>
-            <a:ext cx="6531480" cy="653400"/>
+            <a:off x="457200" y="273600"/>
+            <a:ext cx="8229240" cy="1145160"/>
           </a:xfrm>
           <a:prstGeom prst="rect">
             <a:avLst/>
@@ -1324,13 +1332,14 @@
         <p:txBody>
           <a:bodyPr wrap="none" lIns="0" rIns="0" tIns="0" bIns="0" anchor="ctr"/>
           <a:p>
-            <a:endParaRPr/>
-          </a:p>
-        </p:txBody>
-      </p:sp>
-      <p:sp>
-        <p:nvSpPr>
-          <p:cNvPr id="77" name="PlaceHolder 2"/>
+            <a:pPr algn="ctr"/>
+            <a:endParaRPr/>
+          </a:p>
+        </p:txBody>
+      </p:sp>
+      <p:sp>
+        <p:nvSpPr>
+          <p:cNvPr id="54" name="PlaceHolder 2"/>
           <p:cNvSpPr>
             <a:spLocks noGrp="1"/>
           </p:cNvSpPr>
@@ -1340,7 +1349,7 @@
         </p:nvSpPr>
         <p:spPr>
           <a:xfrm>
-            <a:off x="457200" y="1632600"/>
+            <a:off x="457200" y="1604520"/>
             <a:ext cx="4015800" cy="3977280"/>
           </a:xfrm>
           <a:prstGeom prst="rect">
@@ -1356,7 +1365,7 @@
       </p:sp>
       <p:sp>
         <p:nvSpPr>
-          <p:cNvPr id="78" name="PlaceHolder 3"/>
+          <p:cNvPr id="55" name="PlaceHolder 3"/>
           <p:cNvSpPr>
             <a:spLocks noGrp="1"/>
           </p:cNvSpPr>
@@ -1366,7 +1375,7 @@
         </p:nvSpPr>
         <p:spPr>
           <a:xfrm>
-            <a:off x="4674240" y="1632600"/>
+            <a:off x="4674240" y="1604520"/>
             <a:ext cx="4015800" cy="1896840"/>
           </a:xfrm>
           <a:prstGeom prst="rect">
@@ -1382,7 +1391,7 @@
       </p:sp>
       <p:sp>
         <p:nvSpPr>
-          <p:cNvPr id="79" name="PlaceHolder 4"/>
+          <p:cNvPr id="56" name="PlaceHolder 4"/>
           <p:cNvSpPr>
             <a:spLocks noGrp="1"/>
           </p:cNvSpPr>
@@ -1392,7 +1401,7 @@
         </p:nvSpPr>
         <p:spPr>
           <a:xfrm>
-            <a:off x="4674240" y="3710160"/>
+            <a:off x="4674240" y="3682080"/>
             <a:ext cx="4015800" cy="1896840"/>
           </a:xfrm>
           <a:prstGeom prst="rect">
@@ -1430,7 +1439,7 @@
       </p:grpSpPr>
       <p:sp>
         <p:nvSpPr>
-          <p:cNvPr id="80" name="PlaceHolder 1"/>
+          <p:cNvPr id="57" name="PlaceHolder 1"/>
           <p:cNvSpPr>
             <a:spLocks noGrp="1"/>
           </p:cNvSpPr>
@@ -1440,8 +1449,8 @@
         </p:nvSpPr>
         <p:spPr>
           <a:xfrm>
-            <a:off x="457200" y="522360"/>
-            <a:ext cx="6531480" cy="653400"/>
+            <a:off x="457200" y="273600"/>
+            <a:ext cx="8229240" cy="1145160"/>
           </a:xfrm>
           <a:prstGeom prst="rect">
             <a:avLst/>
@@ -1450,13 +1459,14 @@
         <p:txBody>
           <a:bodyPr wrap="none" lIns="0" rIns="0" tIns="0" bIns="0" anchor="ctr"/>
           <a:p>
-            <a:endParaRPr/>
-          </a:p>
-        </p:txBody>
-      </p:sp>
-      <p:sp>
-        <p:nvSpPr>
-          <p:cNvPr id="81" name="PlaceHolder 2"/>
+            <a:pPr algn="ctr"/>
+            <a:endParaRPr/>
+          </a:p>
+        </p:txBody>
+      </p:sp>
+      <p:sp>
+        <p:nvSpPr>
+          <p:cNvPr id="58" name="PlaceHolder 2"/>
           <p:cNvSpPr>
             <a:spLocks noGrp="1"/>
           </p:cNvSpPr>
@@ -1466,7 +1476,7 @@
         </p:nvSpPr>
         <p:spPr>
           <a:xfrm>
-            <a:off x="457200" y="1632600"/>
+            <a:off x="457200" y="1604520"/>
             <a:ext cx="4015800" cy="1896840"/>
           </a:xfrm>
           <a:prstGeom prst="rect">
@@ -1482,7 +1492,7 @@
       </p:sp>
       <p:sp>
         <p:nvSpPr>
-          <p:cNvPr id="82" name="PlaceHolder 3"/>
+          <p:cNvPr id="59" name="PlaceHolder 3"/>
           <p:cNvSpPr>
             <a:spLocks noGrp="1"/>
           </p:cNvSpPr>
@@ -1492,7 +1502,7 @@
         </p:nvSpPr>
         <p:spPr>
           <a:xfrm>
-            <a:off x="4674240" y="1632600"/>
+            <a:off x="4674240" y="1604520"/>
             <a:ext cx="4015800" cy="1896840"/>
           </a:xfrm>
           <a:prstGeom prst="rect">
@@ -1508,7 +1518,7 @@
       </p:sp>
       <p:sp>
         <p:nvSpPr>
-          <p:cNvPr id="83" name="PlaceHolder 4"/>
+          <p:cNvPr id="60" name="PlaceHolder 4"/>
           <p:cNvSpPr>
             <a:spLocks noGrp="1"/>
           </p:cNvSpPr>
@@ -1518,8 +1528,8 @@
         </p:nvSpPr>
         <p:spPr>
           <a:xfrm>
-            <a:off x="457200" y="3710160"/>
-            <a:ext cx="8229600" cy="1896840"/>
+            <a:off x="457200" y="3682080"/>
+            <a:ext cx="8229240" cy="1896840"/>
           </a:xfrm>
           <a:prstGeom prst="rect">
             <a:avLst/>
@@ -1556,7 +1566,7 @@
       </p:grpSpPr>
       <p:sp>
         <p:nvSpPr>
-          <p:cNvPr id="84" name="PlaceHolder 1"/>
+          <p:cNvPr id="61" name="PlaceHolder 1"/>
           <p:cNvSpPr>
             <a:spLocks noGrp="1"/>
           </p:cNvSpPr>
@@ -1566,8 +1576,8 @@
         </p:nvSpPr>
         <p:spPr>
           <a:xfrm>
-            <a:off x="457200" y="522360"/>
-            <a:ext cx="6531480" cy="653400"/>
+            <a:off x="457200" y="273600"/>
+            <a:ext cx="8229240" cy="1145160"/>
           </a:xfrm>
           <a:prstGeom prst="rect">
             <a:avLst/>
@@ -1576,13 +1586,14 @@
         <p:txBody>
           <a:bodyPr wrap="none" lIns="0" rIns="0" tIns="0" bIns="0" anchor="ctr"/>
           <a:p>
-            <a:endParaRPr/>
-          </a:p>
-        </p:txBody>
-      </p:sp>
-      <p:sp>
-        <p:nvSpPr>
-          <p:cNvPr id="85" name="PlaceHolder 2"/>
+            <a:pPr algn="ctr"/>
+            <a:endParaRPr/>
+          </a:p>
+        </p:txBody>
+      </p:sp>
+      <p:sp>
+        <p:nvSpPr>
+          <p:cNvPr id="62" name="PlaceHolder 2"/>
           <p:cNvSpPr>
             <a:spLocks noGrp="1"/>
           </p:cNvSpPr>
@@ -1592,8 +1603,8 @@
         </p:nvSpPr>
         <p:spPr>
           <a:xfrm>
-            <a:off x="457200" y="1632600"/>
-            <a:ext cx="8229600" cy="1896840"/>
+            <a:off x="457200" y="1604520"/>
+            <a:ext cx="8229240" cy="1896840"/>
           </a:xfrm>
           <a:prstGeom prst="rect">
             <a:avLst/>
@@ -1608,7 +1619,7 @@
       </p:sp>
       <p:sp>
         <p:nvSpPr>
-          <p:cNvPr id="86" name="PlaceHolder 3"/>
+          <p:cNvPr id="63" name="PlaceHolder 3"/>
           <p:cNvSpPr>
             <a:spLocks noGrp="1"/>
           </p:cNvSpPr>
@@ -1618,8 +1629,8 @@
         </p:nvSpPr>
         <p:spPr>
           <a:xfrm>
-            <a:off x="457200" y="3710160"/>
-            <a:ext cx="8229600" cy="1896840"/>
+            <a:off x="457200" y="3682080"/>
+            <a:ext cx="8229240" cy="1896840"/>
           </a:xfrm>
           <a:prstGeom prst="rect">
             <a:avLst/>
@@ -1656,7 +1667,7 @@
       </p:grpSpPr>
       <p:sp>
         <p:nvSpPr>
-          <p:cNvPr id="87" name="PlaceHolder 1"/>
+          <p:cNvPr id="64" name="PlaceHolder 1"/>
           <p:cNvSpPr>
             <a:spLocks noGrp="1"/>
           </p:cNvSpPr>
@@ -1666,8 +1677,8 @@
         </p:nvSpPr>
         <p:spPr>
           <a:xfrm>
-            <a:off x="457200" y="522360"/>
-            <a:ext cx="6531480" cy="653400"/>
+            <a:off x="457200" y="273600"/>
+            <a:ext cx="8229240" cy="1145160"/>
           </a:xfrm>
           <a:prstGeom prst="rect">
             <a:avLst/>
@@ -1676,13 +1687,14 @@
         <p:txBody>
           <a:bodyPr wrap="none" lIns="0" rIns="0" tIns="0" bIns="0" anchor="ctr"/>
           <a:p>
-            <a:endParaRPr/>
-          </a:p>
-        </p:txBody>
-      </p:sp>
-      <p:sp>
-        <p:nvSpPr>
-          <p:cNvPr id="88" name="PlaceHolder 2"/>
+            <a:pPr algn="ctr"/>
+            <a:endParaRPr/>
+          </a:p>
+        </p:txBody>
+      </p:sp>
+      <p:sp>
+        <p:nvSpPr>
+          <p:cNvPr id="65" name="PlaceHolder 2"/>
           <p:cNvSpPr>
             <a:spLocks noGrp="1"/>
           </p:cNvSpPr>
@@ -1692,7 +1704,7 @@
         </p:nvSpPr>
         <p:spPr>
           <a:xfrm>
-            <a:off x="457200" y="1632600"/>
+            <a:off x="457200" y="1604520"/>
             <a:ext cx="4015800" cy="1896840"/>
           </a:xfrm>
           <a:prstGeom prst="rect">
@@ -1708,7 +1720,7 @@
       </p:sp>
       <p:sp>
         <p:nvSpPr>
-          <p:cNvPr id="89" name="PlaceHolder 3"/>
+          <p:cNvPr id="66" name="PlaceHolder 3"/>
           <p:cNvSpPr>
             <a:spLocks noGrp="1"/>
           </p:cNvSpPr>
@@ -1718,7 +1730,7 @@
         </p:nvSpPr>
         <p:spPr>
           <a:xfrm>
-            <a:off x="4674240" y="1632600"/>
+            <a:off x="4674240" y="1604520"/>
             <a:ext cx="4015800" cy="1896840"/>
           </a:xfrm>
           <a:prstGeom prst="rect">
@@ -1734,7 +1746,7 @@
       </p:sp>
       <p:sp>
         <p:nvSpPr>
-          <p:cNvPr id="90" name="PlaceHolder 4"/>
+          <p:cNvPr id="67" name="PlaceHolder 4"/>
           <p:cNvSpPr>
             <a:spLocks noGrp="1"/>
           </p:cNvSpPr>
@@ -1744,7 +1756,7 @@
         </p:nvSpPr>
         <p:spPr>
           <a:xfrm>
-            <a:off x="4674240" y="3710160"/>
+            <a:off x="4674240" y="3682080"/>
             <a:ext cx="4015800" cy="1896840"/>
           </a:xfrm>
           <a:prstGeom prst="rect">
@@ -1760,7 +1772,7 @@
       </p:sp>
       <p:sp>
         <p:nvSpPr>
-          <p:cNvPr id="91" name="PlaceHolder 5"/>
+          <p:cNvPr id="68" name="PlaceHolder 5"/>
           <p:cNvSpPr>
             <a:spLocks noGrp="1"/>
           </p:cNvSpPr>
@@ -1770,7 +1782,7 @@
         </p:nvSpPr>
         <p:spPr>
           <a:xfrm>
-            <a:off x="457200" y="3710160"/>
+            <a:off x="457200" y="3682080"/>
             <a:ext cx="4015800" cy="1896840"/>
           </a:xfrm>
           <a:prstGeom prst="rect">
@@ -1808,7 +1820,7 @@
       </p:grpSpPr>
       <p:sp>
         <p:nvSpPr>
-          <p:cNvPr id="92" name="PlaceHolder 1"/>
+          <p:cNvPr id="69" name="PlaceHolder 1"/>
           <p:cNvSpPr>
             <a:spLocks noGrp="1"/>
           </p:cNvSpPr>
@@ -1818,8 +1830,8 @@
         </p:nvSpPr>
         <p:spPr>
           <a:xfrm>
-            <a:off x="457200" y="522360"/>
-            <a:ext cx="6531480" cy="653400"/>
+            <a:off x="457200" y="273600"/>
+            <a:ext cx="8229240" cy="1145160"/>
           </a:xfrm>
           <a:prstGeom prst="rect">
             <a:avLst/>
@@ -1828,13 +1840,14 @@
         <p:txBody>
           <a:bodyPr wrap="none" lIns="0" rIns="0" tIns="0" bIns="0" anchor="ctr"/>
           <a:p>
-            <a:endParaRPr/>
-          </a:p>
-        </p:txBody>
-      </p:sp>
-      <p:sp>
-        <p:nvSpPr>
-          <p:cNvPr id="93" name="PlaceHolder 2"/>
+            <a:pPr algn="ctr"/>
+            <a:endParaRPr/>
+          </a:p>
+        </p:txBody>
+      </p:sp>
+      <p:sp>
+        <p:nvSpPr>
+          <p:cNvPr id="70" name="PlaceHolder 2"/>
           <p:cNvSpPr>
             <a:spLocks noGrp="1"/>
           </p:cNvSpPr>
@@ -1844,8 +1857,8 @@
         </p:nvSpPr>
         <p:spPr>
           <a:xfrm>
-            <a:off x="457200" y="1632600"/>
-            <a:ext cx="8229600" cy="3977280"/>
+            <a:off x="457200" y="1604520"/>
+            <a:ext cx="8229240" cy="3977280"/>
           </a:xfrm>
           <a:prstGeom prst="rect">
             <a:avLst/>
@@ -1860,7 +1873,7 @@
       </p:sp>
       <p:sp>
         <p:nvSpPr>
-          <p:cNvPr id="94" name="PlaceHolder 3"/>
+          <p:cNvPr id="71" name="PlaceHolder 3"/>
           <p:cNvSpPr>
             <a:spLocks noGrp="1"/>
           </p:cNvSpPr>
@@ -1870,8 +1883,8 @@
         </p:nvSpPr>
         <p:spPr>
           <a:xfrm>
-            <a:off x="457200" y="1632600"/>
-            <a:ext cx="8229600" cy="3977280"/>
+            <a:off x="457200" y="1604520"/>
+            <a:ext cx="8229240" cy="3977280"/>
           </a:xfrm>
           <a:prstGeom prst="rect">
             <a:avLst/>
@@ -1886,7 +1899,7 @@
       </p:sp>
       <p:pic>
         <p:nvPicPr>
-          <p:cNvPr id="95" name="" descr=""/>
+          <p:cNvPr id="72" name="" descr=""/>
           <p:cNvPicPr/>
           <p:nvPr/>
         </p:nvPicPr>
@@ -1898,7 +1911,7 @@
         </p:blipFill>
         <p:spPr>
           <a:xfrm>
-            <a:off x="2079360" y="1632600"/>
+            <a:off x="2079000" y="1604520"/>
             <a:ext cx="4984920" cy="3977280"/>
           </a:xfrm>
           <a:prstGeom prst="rect">
@@ -1911,7 +1924,7 @@
       </p:pic>
       <p:pic>
         <p:nvPicPr>
-          <p:cNvPr id="96" name="" descr=""/>
+          <p:cNvPr id="73" name="" descr=""/>
           <p:cNvPicPr/>
           <p:nvPr/>
         </p:nvPicPr>
@@ -1923,7 +1936,7 @@
         </p:blipFill>
         <p:spPr>
           <a:xfrm>
-            <a:off x="2079360" y="1632600"/>
+            <a:off x="2079000" y="1604520"/>
             <a:ext cx="4984920" cy="3977280"/>
           </a:xfrm>
           <a:prstGeom prst="rect">
@@ -1934,325 +1947,6 @@
           </a:ln>
         </p:spPr>
       </p:pic>
-    </p:spTree>
-  </p:cSld>
-</p:sldLayout>
-</file>
-
-<file path=ppt/slideLayouts/slideLayout25.xml><?xml version="1.0" encoding="utf-8"?>
-<p:sldLayout xmlns:a="http://schemas.openxmlformats.org/drawingml/2006/main" xmlns:p="http://schemas.openxmlformats.org/presentationml/2006/main" xmlns:r="http://schemas.openxmlformats.org/officeDocument/2006/relationships" type="blank" preserve="1">
-  <p:cSld name="Blank Slide">
-    <p:spTree>
-      <p:nvGrpSpPr>
-        <p:cNvPr id="1" name=""/>
-        <p:cNvGrpSpPr/>
-        <p:nvPr/>
-      </p:nvGrpSpPr>
-      <p:grpSpPr>
-        <a:xfrm>
-          <a:off x="0" y="0"/>
-          <a:ext cx="0" cy="0"/>
-          <a:chOff x="0" y="0"/>
-          <a:chExt cx="0" cy="0"/>
-        </a:xfrm>
-      </p:grpSpPr>
-    </p:spTree>
-  </p:cSld>
-</p:sldLayout>
-</file>
-
-<file path=ppt/slideLayouts/slideLayout26.xml><?xml version="1.0" encoding="utf-8"?>
-<p:sldLayout xmlns:a="http://schemas.openxmlformats.org/drawingml/2006/main" xmlns:p="http://schemas.openxmlformats.org/presentationml/2006/main" xmlns:r="http://schemas.openxmlformats.org/officeDocument/2006/relationships" type="tx" preserve="1">
-  <p:cSld name="Title Slide">
-    <p:spTree>
-      <p:nvGrpSpPr>
-        <p:cNvPr id="1" name=""/>
-        <p:cNvGrpSpPr/>
-        <p:nvPr/>
-      </p:nvGrpSpPr>
-      <p:grpSpPr>
-        <a:xfrm>
-          <a:off x="0" y="0"/>
-          <a:ext cx="0" cy="0"/>
-          <a:chOff x="0" y="0"/>
-          <a:chExt cx="0" cy="0"/>
-        </a:xfrm>
-      </p:grpSpPr>
-      <p:sp>
-        <p:nvSpPr>
-          <p:cNvPr id="103" name="PlaceHolder 1"/>
-          <p:cNvSpPr>
-            <a:spLocks noGrp="1"/>
-          </p:cNvSpPr>
-          <p:nvPr>
-            <p:ph type="title"/>
-          </p:nvPr>
-        </p:nvSpPr>
-        <p:spPr>
-          <a:xfrm>
-            <a:off x="457200" y="522360"/>
-            <a:ext cx="6531480" cy="653400"/>
-          </a:xfrm>
-          <a:prstGeom prst="rect">
-            <a:avLst/>
-          </a:prstGeom>
-        </p:spPr>
-        <p:txBody>
-          <a:bodyPr wrap="none" lIns="0" rIns="0" tIns="0" bIns="0" anchor="ctr"/>
-          <a:p>
-            <a:endParaRPr/>
-          </a:p>
-        </p:txBody>
-      </p:sp>
-      <p:sp>
-        <p:nvSpPr>
-          <p:cNvPr id="104" name="PlaceHolder 2"/>
-          <p:cNvSpPr>
-            <a:spLocks noGrp="1"/>
-          </p:cNvSpPr>
-          <p:nvPr>
-            <p:ph type="subTitle"/>
-          </p:nvPr>
-        </p:nvSpPr>
-        <p:spPr>
-          <a:xfrm>
-            <a:off x="457200" y="1632600"/>
-            <a:ext cx="8229600" cy="3977640"/>
-          </a:xfrm>
-          <a:prstGeom prst="rect">
-            <a:avLst/>
-          </a:prstGeom>
-        </p:spPr>
-        <p:txBody>
-          <a:bodyPr wrap="none" lIns="0" rIns="0" tIns="0" bIns="0" anchor="ctr"/>
-          <a:p>
-            <a:pPr algn="ctr"/>
-            <a:endParaRPr/>
-          </a:p>
-        </p:txBody>
-      </p:sp>
-    </p:spTree>
-  </p:cSld>
-</p:sldLayout>
-</file>
-
-<file path=ppt/slideLayouts/slideLayout27.xml><?xml version="1.0" encoding="utf-8"?>
-<p:sldLayout xmlns:a="http://schemas.openxmlformats.org/drawingml/2006/main" xmlns:p="http://schemas.openxmlformats.org/presentationml/2006/main" xmlns:r="http://schemas.openxmlformats.org/officeDocument/2006/relationships" type="obj" preserve="1">
-  <p:cSld name="Title, Content">
-    <p:spTree>
-      <p:nvGrpSpPr>
-        <p:cNvPr id="1" name=""/>
-        <p:cNvGrpSpPr/>
-        <p:nvPr/>
-      </p:nvGrpSpPr>
-      <p:grpSpPr>
-        <a:xfrm>
-          <a:off x="0" y="0"/>
-          <a:ext cx="0" cy="0"/>
-          <a:chOff x="0" y="0"/>
-          <a:chExt cx="0" cy="0"/>
-        </a:xfrm>
-      </p:grpSpPr>
-      <p:sp>
-        <p:nvSpPr>
-          <p:cNvPr id="105" name="PlaceHolder 1"/>
-          <p:cNvSpPr>
-            <a:spLocks noGrp="1"/>
-          </p:cNvSpPr>
-          <p:nvPr>
-            <p:ph type="title"/>
-          </p:nvPr>
-        </p:nvSpPr>
-        <p:spPr>
-          <a:xfrm>
-            <a:off x="457200" y="522360"/>
-            <a:ext cx="6531480" cy="653400"/>
-          </a:xfrm>
-          <a:prstGeom prst="rect">
-            <a:avLst/>
-          </a:prstGeom>
-        </p:spPr>
-        <p:txBody>
-          <a:bodyPr wrap="none" lIns="0" rIns="0" tIns="0" bIns="0" anchor="ctr"/>
-          <a:p>
-            <a:endParaRPr/>
-          </a:p>
-        </p:txBody>
-      </p:sp>
-      <p:sp>
-        <p:nvSpPr>
-          <p:cNvPr id="106" name="PlaceHolder 2"/>
-          <p:cNvSpPr>
-            <a:spLocks noGrp="1"/>
-          </p:cNvSpPr>
-          <p:nvPr>
-            <p:ph type="body"/>
-          </p:nvPr>
-        </p:nvSpPr>
-        <p:spPr>
-          <a:xfrm>
-            <a:off x="457200" y="1632600"/>
-            <a:ext cx="8229600" cy="3977280"/>
-          </a:xfrm>
-          <a:prstGeom prst="rect">
-            <a:avLst/>
-          </a:prstGeom>
-        </p:spPr>
-        <p:txBody>
-          <a:bodyPr wrap="none" lIns="0" rIns="0" tIns="0" bIns="0"/>
-          <a:p>
-            <a:endParaRPr/>
-          </a:p>
-        </p:txBody>
-      </p:sp>
-    </p:spTree>
-  </p:cSld>
-</p:sldLayout>
-</file>
-
-<file path=ppt/slideLayouts/slideLayout28.xml><?xml version="1.0" encoding="utf-8"?>
-<p:sldLayout xmlns:a="http://schemas.openxmlformats.org/drawingml/2006/main" xmlns:p="http://schemas.openxmlformats.org/presentationml/2006/main" xmlns:r="http://schemas.openxmlformats.org/officeDocument/2006/relationships" type="twoObj" preserve="1">
-  <p:cSld name="Title, 2 Content">
-    <p:spTree>
-      <p:nvGrpSpPr>
-        <p:cNvPr id="1" name=""/>
-        <p:cNvGrpSpPr/>
-        <p:nvPr/>
-      </p:nvGrpSpPr>
-      <p:grpSpPr>
-        <a:xfrm>
-          <a:off x="0" y="0"/>
-          <a:ext cx="0" cy="0"/>
-          <a:chOff x="0" y="0"/>
-          <a:chExt cx="0" cy="0"/>
-        </a:xfrm>
-      </p:grpSpPr>
-      <p:sp>
-        <p:nvSpPr>
-          <p:cNvPr id="107" name="PlaceHolder 1"/>
-          <p:cNvSpPr>
-            <a:spLocks noGrp="1"/>
-          </p:cNvSpPr>
-          <p:nvPr>
-            <p:ph type="title"/>
-          </p:nvPr>
-        </p:nvSpPr>
-        <p:spPr>
-          <a:xfrm>
-            <a:off x="457200" y="522360"/>
-            <a:ext cx="6531480" cy="653400"/>
-          </a:xfrm>
-          <a:prstGeom prst="rect">
-            <a:avLst/>
-          </a:prstGeom>
-        </p:spPr>
-        <p:txBody>
-          <a:bodyPr wrap="none" lIns="0" rIns="0" tIns="0" bIns="0" anchor="ctr"/>
-          <a:p>
-            <a:endParaRPr/>
-          </a:p>
-        </p:txBody>
-      </p:sp>
-      <p:sp>
-        <p:nvSpPr>
-          <p:cNvPr id="108" name="PlaceHolder 2"/>
-          <p:cNvSpPr>
-            <a:spLocks noGrp="1"/>
-          </p:cNvSpPr>
-          <p:nvPr>
-            <p:ph type="body"/>
-          </p:nvPr>
-        </p:nvSpPr>
-        <p:spPr>
-          <a:xfrm>
-            <a:off x="457200" y="1632600"/>
-            <a:ext cx="4015800" cy="3977280"/>
-          </a:xfrm>
-          <a:prstGeom prst="rect">
-            <a:avLst/>
-          </a:prstGeom>
-        </p:spPr>
-        <p:txBody>
-          <a:bodyPr wrap="none" lIns="0" rIns="0" tIns="0" bIns="0"/>
-          <a:p>
-            <a:endParaRPr/>
-          </a:p>
-        </p:txBody>
-      </p:sp>
-      <p:sp>
-        <p:nvSpPr>
-          <p:cNvPr id="109" name="PlaceHolder 3"/>
-          <p:cNvSpPr>
-            <a:spLocks noGrp="1"/>
-          </p:cNvSpPr>
-          <p:nvPr>
-            <p:ph type="body"/>
-          </p:nvPr>
-        </p:nvSpPr>
-        <p:spPr>
-          <a:xfrm>
-            <a:off x="4674240" y="1632600"/>
-            <a:ext cx="4015800" cy="3977280"/>
-          </a:xfrm>
-          <a:prstGeom prst="rect">
-            <a:avLst/>
-          </a:prstGeom>
-        </p:spPr>
-        <p:txBody>
-          <a:bodyPr wrap="none" lIns="0" rIns="0" tIns="0" bIns="0"/>
-          <a:p>
-            <a:endParaRPr/>
-          </a:p>
-        </p:txBody>
-      </p:sp>
-    </p:spTree>
-  </p:cSld>
-</p:sldLayout>
-</file>
-
-<file path=ppt/slideLayouts/slideLayout29.xml><?xml version="1.0" encoding="utf-8"?>
-<p:sldLayout xmlns:a="http://schemas.openxmlformats.org/drawingml/2006/main" xmlns:p="http://schemas.openxmlformats.org/presentationml/2006/main" xmlns:r="http://schemas.openxmlformats.org/officeDocument/2006/relationships" type="titleOnly" preserve="1">
-  <p:cSld name="Title Only">
-    <p:spTree>
-      <p:nvGrpSpPr>
-        <p:cNvPr id="1" name=""/>
-        <p:cNvGrpSpPr/>
-        <p:nvPr/>
-      </p:nvGrpSpPr>
-      <p:grpSpPr>
-        <a:xfrm>
-          <a:off x="0" y="0"/>
-          <a:ext cx="0" cy="0"/>
-          <a:chOff x="0" y="0"/>
-          <a:chExt cx="0" cy="0"/>
-        </a:xfrm>
-      </p:grpSpPr>
-      <p:sp>
-        <p:nvSpPr>
-          <p:cNvPr id="110" name="PlaceHolder 1"/>
-          <p:cNvSpPr>
-            <a:spLocks noGrp="1"/>
-          </p:cNvSpPr>
-          <p:nvPr>
-            <p:ph type="title"/>
-          </p:nvPr>
-        </p:nvSpPr>
-        <p:spPr>
-          <a:xfrm>
-            <a:off x="457200" y="522360"/>
-            <a:ext cx="6531480" cy="653400"/>
-          </a:xfrm>
-          <a:prstGeom prst="rect">
-            <a:avLst/>
-          </a:prstGeom>
-        </p:spPr>
-        <p:txBody>
-          <a:bodyPr wrap="none" lIns="0" rIns="0" tIns="0" bIns="0" anchor="ctr"/>
-          <a:p>
-            <a:endParaRPr/>
-          </a:p>
-        </p:txBody>
-      </p:sp>
     </p:spTree>
   </p:cSld>
 </p:sldLayout>
@@ -2277,7 +1971,7 @@
       </p:grpSpPr>
       <p:sp>
         <p:nvSpPr>
-          <p:cNvPr id="16" name="PlaceHolder 1"/>
+          <p:cNvPr id="5" name="PlaceHolder 1"/>
           <p:cNvSpPr>
             <a:spLocks noGrp="1"/>
           </p:cNvSpPr>
@@ -2287,8 +1981,8 @@
         </p:nvSpPr>
         <p:spPr>
           <a:xfrm>
-            <a:off x="457200" y="522360"/>
-            <a:ext cx="6531480" cy="653400"/>
+            <a:off x="457200" y="273600"/>
+            <a:ext cx="8229240" cy="1145160"/>
           </a:xfrm>
           <a:prstGeom prst="rect">
             <a:avLst/>
@@ -2297,13 +1991,14 @@
         <p:txBody>
           <a:bodyPr wrap="none" lIns="0" rIns="0" tIns="0" bIns="0" anchor="ctr"/>
           <a:p>
-            <a:endParaRPr/>
-          </a:p>
-        </p:txBody>
-      </p:sp>
-      <p:sp>
-        <p:nvSpPr>
-          <p:cNvPr id="17" name="PlaceHolder 2"/>
+            <a:pPr algn="ctr"/>
+            <a:endParaRPr/>
+          </a:p>
+        </p:txBody>
+      </p:sp>
+      <p:sp>
+        <p:nvSpPr>
+          <p:cNvPr id="6" name="PlaceHolder 2"/>
           <p:cNvSpPr>
             <a:spLocks noGrp="1"/>
           </p:cNvSpPr>
@@ -2313,8 +2008,8 @@
         </p:nvSpPr>
         <p:spPr>
           <a:xfrm>
-            <a:off x="457200" y="1632600"/>
-            <a:ext cx="8229600" cy="3977280"/>
+            <a:off x="457200" y="1604520"/>
+            <a:ext cx="8229240" cy="3977280"/>
           </a:xfrm>
           <a:prstGeom prst="rect">
             <a:avLst/>
@@ -2327,835 +2022,6 @@
           </a:p>
         </p:txBody>
       </p:sp>
-    </p:spTree>
-  </p:cSld>
-</p:sldLayout>
-</file>
-
-<file path=ppt/slideLayouts/slideLayout30.xml><?xml version="1.0" encoding="utf-8"?>
-<p:sldLayout xmlns:a="http://schemas.openxmlformats.org/drawingml/2006/main" xmlns:p="http://schemas.openxmlformats.org/presentationml/2006/main" xmlns:r="http://schemas.openxmlformats.org/officeDocument/2006/relationships" type="objOnly" preserve="1">
-  <p:cSld name="Centered Text">
-    <p:spTree>
-      <p:nvGrpSpPr>
-        <p:cNvPr id="1" name=""/>
-        <p:cNvGrpSpPr/>
-        <p:nvPr/>
-      </p:nvGrpSpPr>
-      <p:grpSpPr>
-        <a:xfrm>
-          <a:off x="0" y="0"/>
-          <a:ext cx="0" cy="0"/>
-          <a:chOff x="0" y="0"/>
-          <a:chExt cx="0" cy="0"/>
-        </a:xfrm>
-      </p:grpSpPr>
-      <p:sp>
-        <p:nvSpPr>
-          <p:cNvPr id="111" name="PlaceHolder 1"/>
-          <p:cNvSpPr>
-            <a:spLocks noGrp="1"/>
-          </p:cNvSpPr>
-          <p:nvPr>
-            <p:ph type="subTitle"/>
-          </p:nvPr>
-        </p:nvSpPr>
-        <p:spPr>
-          <a:xfrm>
-            <a:off x="457200" y="522360"/>
-            <a:ext cx="6531480" cy="3028680"/>
-          </a:xfrm>
-          <a:prstGeom prst="rect">
-            <a:avLst/>
-          </a:prstGeom>
-        </p:spPr>
-        <p:txBody>
-          <a:bodyPr wrap="none" lIns="0" rIns="0" tIns="0" bIns="0" anchor="ctr"/>
-          <a:p>
-            <a:pPr algn="ctr"/>
-            <a:endParaRPr/>
-          </a:p>
-        </p:txBody>
-      </p:sp>
-    </p:spTree>
-  </p:cSld>
-</p:sldLayout>
-</file>
-
-<file path=ppt/slideLayouts/slideLayout31.xml><?xml version="1.0" encoding="utf-8"?>
-<p:sldLayout xmlns:a="http://schemas.openxmlformats.org/drawingml/2006/main" xmlns:p="http://schemas.openxmlformats.org/presentationml/2006/main" xmlns:r="http://schemas.openxmlformats.org/officeDocument/2006/relationships" type="twoObjAndObj" preserve="1">
-  <p:cSld name="Title, 2 Content and Content">
-    <p:spTree>
-      <p:nvGrpSpPr>
-        <p:cNvPr id="1" name=""/>
-        <p:cNvGrpSpPr/>
-        <p:nvPr/>
-      </p:nvGrpSpPr>
-      <p:grpSpPr>
-        <a:xfrm>
-          <a:off x="0" y="0"/>
-          <a:ext cx="0" cy="0"/>
-          <a:chOff x="0" y="0"/>
-          <a:chExt cx="0" cy="0"/>
-        </a:xfrm>
-      </p:grpSpPr>
-      <p:sp>
-        <p:nvSpPr>
-          <p:cNvPr id="112" name="PlaceHolder 1"/>
-          <p:cNvSpPr>
-            <a:spLocks noGrp="1"/>
-          </p:cNvSpPr>
-          <p:nvPr>
-            <p:ph type="title"/>
-          </p:nvPr>
-        </p:nvSpPr>
-        <p:spPr>
-          <a:xfrm>
-            <a:off x="457200" y="522360"/>
-            <a:ext cx="6531480" cy="653400"/>
-          </a:xfrm>
-          <a:prstGeom prst="rect">
-            <a:avLst/>
-          </a:prstGeom>
-        </p:spPr>
-        <p:txBody>
-          <a:bodyPr wrap="none" lIns="0" rIns="0" tIns="0" bIns="0" anchor="ctr"/>
-          <a:p>
-            <a:endParaRPr/>
-          </a:p>
-        </p:txBody>
-      </p:sp>
-      <p:sp>
-        <p:nvSpPr>
-          <p:cNvPr id="113" name="PlaceHolder 2"/>
-          <p:cNvSpPr>
-            <a:spLocks noGrp="1"/>
-          </p:cNvSpPr>
-          <p:nvPr>
-            <p:ph type="body"/>
-          </p:nvPr>
-        </p:nvSpPr>
-        <p:spPr>
-          <a:xfrm>
-            <a:off x="457200" y="1632600"/>
-            <a:ext cx="4015800" cy="1896840"/>
-          </a:xfrm>
-          <a:prstGeom prst="rect">
-            <a:avLst/>
-          </a:prstGeom>
-        </p:spPr>
-        <p:txBody>
-          <a:bodyPr wrap="none" lIns="0" rIns="0" tIns="0" bIns="0"/>
-          <a:p>
-            <a:endParaRPr/>
-          </a:p>
-        </p:txBody>
-      </p:sp>
-      <p:sp>
-        <p:nvSpPr>
-          <p:cNvPr id="114" name="PlaceHolder 3"/>
-          <p:cNvSpPr>
-            <a:spLocks noGrp="1"/>
-          </p:cNvSpPr>
-          <p:nvPr>
-            <p:ph type="body"/>
-          </p:nvPr>
-        </p:nvSpPr>
-        <p:spPr>
-          <a:xfrm>
-            <a:off x="457200" y="3710160"/>
-            <a:ext cx="4015800" cy="1896840"/>
-          </a:xfrm>
-          <a:prstGeom prst="rect">
-            <a:avLst/>
-          </a:prstGeom>
-        </p:spPr>
-        <p:txBody>
-          <a:bodyPr wrap="none" lIns="0" rIns="0" tIns="0" bIns="0"/>
-          <a:p>
-            <a:endParaRPr/>
-          </a:p>
-        </p:txBody>
-      </p:sp>
-      <p:sp>
-        <p:nvSpPr>
-          <p:cNvPr id="115" name="PlaceHolder 4"/>
-          <p:cNvSpPr>
-            <a:spLocks noGrp="1"/>
-          </p:cNvSpPr>
-          <p:nvPr>
-            <p:ph type="body"/>
-          </p:nvPr>
-        </p:nvSpPr>
-        <p:spPr>
-          <a:xfrm>
-            <a:off x="4674240" y="1632600"/>
-            <a:ext cx="4015800" cy="3977280"/>
-          </a:xfrm>
-          <a:prstGeom prst="rect">
-            <a:avLst/>
-          </a:prstGeom>
-        </p:spPr>
-        <p:txBody>
-          <a:bodyPr wrap="none" lIns="0" rIns="0" tIns="0" bIns="0"/>
-          <a:p>
-            <a:endParaRPr/>
-          </a:p>
-        </p:txBody>
-      </p:sp>
-    </p:spTree>
-  </p:cSld>
-</p:sldLayout>
-</file>
-
-<file path=ppt/slideLayouts/slideLayout32.xml><?xml version="1.0" encoding="utf-8"?>
-<p:sldLayout xmlns:a="http://schemas.openxmlformats.org/drawingml/2006/main" xmlns:p="http://schemas.openxmlformats.org/presentationml/2006/main" xmlns:r="http://schemas.openxmlformats.org/officeDocument/2006/relationships" type="objAndTwoObj" preserve="1">
-  <p:cSld name="Title Content and 2 Content">
-    <p:spTree>
-      <p:nvGrpSpPr>
-        <p:cNvPr id="1" name=""/>
-        <p:cNvGrpSpPr/>
-        <p:nvPr/>
-      </p:nvGrpSpPr>
-      <p:grpSpPr>
-        <a:xfrm>
-          <a:off x="0" y="0"/>
-          <a:ext cx="0" cy="0"/>
-          <a:chOff x="0" y="0"/>
-          <a:chExt cx="0" cy="0"/>
-        </a:xfrm>
-      </p:grpSpPr>
-      <p:sp>
-        <p:nvSpPr>
-          <p:cNvPr id="116" name="PlaceHolder 1"/>
-          <p:cNvSpPr>
-            <a:spLocks noGrp="1"/>
-          </p:cNvSpPr>
-          <p:nvPr>
-            <p:ph type="title"/>
-          </p:nvPr>
-        </p:nvSpPr>
-        <p:spPr>
-          <a:xfrm>
-            <a:off x="457200" y="522360"/>
-            <a:ext cx="6531480" cy="653400"/>
-          </a:xfrm>
-          <a:prstGeom prst="rect">
-            <a:avLst/>
-          </a:prstGeom>
-        </p:spPr>
-        <p:txBody>
-          <a:bodyPr wrap="none" lIns="0" rIns="0" tIns="0" bIns="0" anchor="ctr"/>
-          <a:p>
-            <a:endParaRPr/>
-          </a:p>
-        </p:txBody>
-      </p:sp>
-      <p:sp>
-        <p:nvSpPr>
-          <p:cNvPr id="117" name="PlaceHolder 2"/>
-          <p:cNvSpPr>
-            <a:spLocks noGrp="1"/>
-          </p:cNvSpPr>
-          <p:nvPr>
-            <p:ph type="body"/>
-          </p:nvPr>
-        </p:nvSpPr>
-        <p:spPr>
-          <a:xfrm>
-            <a:off x="457200" y="1632600"/>
-            <a:ext cx="4015800" cy="3977280"/>
-          </a:xfrm>
-          <a:prstGeom prst="rect">
-            <a:avLst/>
-          </a:prstGeom>
-        </p:spPr>
-        <p:txBody>
-          <a:bodyPr wrap="none" lIns="0" rIns="0" tIns="0" bIns="0"/>
-          <a:p>
-            <a:endParaRPr/>
-          </a:p>
-        </p:txBody>
-      </p:sp>
-      <p:sp>
-        <p:nvSpPr>
-          <p:cNvPr id="118" name="PlaceHolder 3"/>
-          <p:cNvSpPr>
-            <a:spLocks noGrp="1"/>
-          </p:cNvSpPr>
-          <p:nvPr>
-            <p:ph type="body"/>
-          </p:nvPr>
-        </p:nvSpPr>
-        <p:spPr>
-          <a:xfrm>
-            <a:off x="4674240" y="1632600"/>
-            <a:ext cx="4015800" cy="1896840"/>
-          </a:xfrm>
-          <a:prstGeom prst="rect">
-            <a:avLst/>
-          </a:prstGeom>
-        </p:spPr>
-        <p:txBody>
-          <a:bodyPr wrap="none" lIns="0" rIns="0" tIns="0" bIns="0"/>
-          <a:p>
-            <a:endParaRPr/>
-          </a:p>
-        </p:txBody>
-      </p:sp>
-      <p:sp>
-        <p:nvSpPr>
-          <p:cNvPr id="119" name="PlaceHolder 4"/>
-          <p:cNvSpPr>
-            <a:spLocks noGrp="1"/>
-          </p:cNvSpPr>
-          <p:nvPr>
-            <p:ph type="body"/>
-          </p:nvPr>
-        </p:nvSpPr>
-        <p:spPr>
-          <a:xfrm>
-            <a:off x="4674240" y="3710160"/>
-            <a:ext cx="4015800" cy="1896840"/>
-          </a:xfrm>
-          <a:prstGeom prst="rect">
-            <a:avLst/>
-          </a:prstGeom>
-        </p:spPr>
-        <p:txBody>
-          <a:bodyPr wrap="none" lIns="0" rIns="0" tIns="0" bIns="0"/>
-          <a:p>
-            <a:endParaRPr/>
-          </a:p>
-        </p:txBody>
-      </p:sp>
-    </p:spTree>
-  </p:cSld>
-</p:sldLayout>
-</file>
-
-<file path=ppt/slideLayouts/slideLayout33.xml><?xml version="1.0" encoding="utf-8"?>
-<p:sldLayout xmlns:a="http://schemas.openxmlformats.org/drawingml/2006/main" xmlns:p="http://schemas.openxmlformats.org/presentationml/2006/main" xmlns:r="http://schemas.openxmlformats.org/officeDocument/2006/relationships" type="twoObjOverTx" preserve="1">
-  <p:cSld name="Title, 2 Content over Content">
-    <p:spTree>
-      <p:nvGrpSpPr>
-        <p:cNvPr id="1" name=""/>
-        <p:cNvGrpSpPr/>
-        <p:nvPr/>
-      </p:nvGrpSpPr>
-      <p:grpSpPr>
-        <a:xfrm>
-          <a:off x="0" y="0"/>
-          <a:ext cx="0" cy="0"/>
-          <a:chOff x="0" y="0"/>
-          <a:chExt cx="0" cy="0"/>
-        </a:xfrm>
-      </p:grpSpPr>
-      <p:sp>
-        <p:nvSpPr>
-          <p:cNvPr id="120" name="PlaceHolder 1"/>
-          <p:cNvSpPr>
-            <a:spLocks noGrp="1"/>
-          </p:cNvSpPr>
-          <p:nvPr>
-            <p:ph type="title"/>
-          </p:nvPr>
-        </p:nvSpPr>
-        <p:spPr>
-          <a:xfrm>
-            <a:off x="457200" y="522360"/>
-            <a:ext cx="6531480" cy="653400"/>
-          </a:xfrm>
-          <a:prstGeom prst="rect">
-            <a:avLst/>
-          </a:prstGeom>
-        </p:spPr>
-        <p:txBody>
-          <a:bodyPr wrap="none" lIns="0" rIns="0" tIns="0" bIns="0" anchor="ctr"/>
-          <a:p>
-            <a:endParaRPr/>
-          </a:p>
-        </p:txBody>
-      </p:sp>
-      <p:sp>
-        <p:nvSpPr>
-          <p:cNvPr id="121" name="PlaceHolder 2"/>
-          <p:cNvSpPr>
-            <a:spLocks noGrp="1"/>
-          </p:cNvSpPr>
-          <p:nvPr>
-            <p:ph type="body"/>
-          </p:nvPr>
-        </p:nvSpPr>
-        <p:spPr>
-          <a:xfrm>
-            <a:off x="457200" y="1632600"/>
-            <a:ext cx="4015800" cy="1896840"/>
-          </a:xfrm>
-          <a:prstGeom prst="rect">
-            <a:avLst/>
-          </a:prstGeom>
-        </p:spPr>
-        <p:txBody>
-          <a:bodyPr wrap="none" lIns="0" rIns="0" tIns="0" bIns="0"/>
-          <a:p>
-            <a:endParaRPr/>
-          </a:p>
-        </p:txBody>
-      </p:sp>
-      <p:sp>
-        <p:nvSpPr>
-          <p:cNvPr id="122" name="PlaceHolder 3"/>
-          <p:cNvSpPr>
-            <a:spLocks noGrp="1"/>
-          </p:cNvSpPr>
-          <p:nvPr>
-            <p:ph type="body"/>
-          </p:nvPr>
-        </p:nvSpPr>
-        <p:spPr>
-          <a:xfrm>
-            <a:off x="4674240" y="1632600"/>
-            <a:ext cx="4015800" cy="1896840"/>
-          </a:xfrm>
-          <a:prstGeom prst="rect">
-            <a:avLst/>
-          </a:prstGeom>
-        </p:spPr>
-        <p:txBody>
-          <a:bodyPr wrap="none" lIns="0" rIns="0" tIns="0" bIns="0"/>
-          <a:p>
-            <a:endParaRPr/>
-          </a:p>
-        </p:txBody>
-      </p:sp>
-      <p:sp>
-        <p:nvSpPr>
-          <p:cNvPr id="123" name="PlaceHolder 4"/>
-          <p:cNvSpPr>
-            <a:spLocks noGrp="1"/>
-          </p:cNvSpPr>
-          <p:nvPr>
-            <p:ph type="body"/>
-          </p:nvPr>
-        </p:nvSpPr>
-        <p:spPr>
-          <a:xfrm>
-            <a:off x="457200" y="3710160"/>
-            <a:ext cx="8229600" cy="1896840"/>
-          </a:xfrm>
-          <a:prstGeom prst="rect">
-            <a:avLst/>
-          </a:prstGeom>
-        </p:spPr>
-        <p:txBody>
-          <a:bodyPr wrap="none" lIns="0" rIns="0" tIns="0" bIns="0"/>
-          <a:p>
-            <a:endParaRPr/>
-          </a:p>
-        </p:txBody>
-      </p:sp>
-    </p:spTree>
-  </p:cSld>
-</p:sldLayout>
-</file>
-
-<file path=ppt/slideLayouts/slideLayout34.xml><?xml version="1.0" encoding="utf-8"?>
-<p:sldLayout xmlns:a="http://schemas.openxmlformats.org/drawingml/2006/main" xmlns:p="http://schemas.openxmlformats.org/presentationml/2006/main" xmlns:r="http://schemas.openxmlformats.org/officeDocument/2006/relationships" type="objOverTx" preserve="1">
-  <p:cSld name="Title, Content over Content">
-    <p:spTree>
-      <p:nvGrpSpPr>
-        <p:cNvPr id="1" name=""/>
-        <p:cNvGrpSpPr/>
-        <p:nvPr/>
-      </p:nvGrpSpPr>
-      <p:grpSpPr>
-        <a:xfrm>
-          <a:off x="0" y="0"/>
-          <a:ext cx="0" cy="0"/>
-          <a:chOff x="0" y="0"/>
-          <a:chExt cx="0" cy="0"/>
-        </a:xfrm>
-      </p:grpSpPr>
-      <p:sp>
-        <p:nvSpPr>
-          <p:cNvPr id="124" name="PlaceHolder 1"/>
-          <p:cNvSpPr>
-            <a:spLocks noGrp="1"/>
-          </p:cNvSpPr>
-          <p:nvPr>
-            <p:ph type="title"/>
-          </p:nvPr>
-        </p:nvSpPr>
-        <p:spPr>
-          <a:xfrm>
-            <a:off x="457200" y="522360"/>
-            <a:ext cx="6531480" cy="653400"/>
-          </a:xfrm>
-          <a:prstGeom prst="rect">
-            <a:avLst/>
-          </a:prstGeom>
-        </p:spPr>
-        <p:txBody>
-          <a:bodyPr wrap="none" lIns="0" rIns="0" tIns="0" bIns="0" anchor="ctr"/>
-          <a:p>
-            <a:endParaRPr/>
-          </a:p>
-        </p:txBody>
-      </p:sp>
-      <p:sp>
-        <p:nvSpPr>
-          <p:cNvPr id="125" name="PlaceHolder 2"/>
-          <p:cNvSpPr>
-            <a:spLocks noGrp="1"/>
-          </p:cNvSpPr>
-          <p:nvPr>
-            <p:ph type="body"/>
-          </p:nvPr>
-        </p:nvSpPr>
-        <p:spPr>
-          <a:xfrm>
-            <a:off x="457200" y="1632600"/>
-            <a:ext cx="8229600" cy="1896840"/>
-          </a:xfrm>
-          <a:prstGeom prst="rect">
-            <a:avLst/>
-          </a:prstGeom>
-        </p:spPr>
-        <p:txBody>
-          <a:bodyPr wrap="none" lIns="0" rIns="0" tIns="0" bIns="0"/>
-          <a:p>
-            <a:endParaRPr/>
-          </a:p>
-        </p:txBody>
-      </p:sp>
-      <p:sp>
-        <p:nvSpPr>
-          <p:cNvPr id="126" name="PlaceHolder 3"/>
-          <p:cNvSpPr>
-            <a:spLocks noGrp="1"/>
-          </p:cNvSpPr>
-          <p:nvPr>
-            <p:ph type="body"/>
-          </p:nvPr>
-        </p:nvSpPr>
-        <p:spPr>
-          <a:xfrm>
-            <a:off x="457200" y="3710160"/>
-            <a:ext cx="8229600" cy="1896840"/>
-          </a:xfrm>
-          <a:prstGeom prst="rect">
-            <a:avLst/>
-          </a:prstGeom>
-        </p:spPr>
-        <p:txBody>
-          <a:bodyPr wrap="none" lIns="0" rIns="0" tIns="0" bIns="0"/>
-          <a:p>
-            <a:endParaRPr/>
-          </a:p>
-        </p:txBody>
-      </p:sp>
-    </p:spTree>
-  </p:cSld>
-</p:sldLayout>
-</file>
-
-<file path=ppt/slideLayouts/slideLayout35.xml><?xml version="1.0" encoding="utf-8"?>
-<p:sldLayout xmlns:a="http://schemas.openxmlformats.org/drawingml/2006/main" xmlns:p="http://schemas.openxmlformats.org/presentationml/2006/main" xmlns:r="http://schemas.openxmlformats.org/officeDocument/2006/relationships" type="fourObj" preserve="1">
-  <p:cSld name="Title, 4 Content">
-    <p:spTree>
-      <p:nvGrpSpPr>
-        <p:cNvPr id="1" name=""/>
-        <p:cNvGrpSpPr/>
-        <p:nvPr/>
-      </p:nvGrpSpPr>
-      <p:grpSpPr>
-        <a:xfrm>
-          <a:off x="0" y="0"/>
-          <a:ext cx="0" cy="0"/>
-          <a:chOff x="0" y="0"/>
-          <a:chExt cx="0" cy="0"/>
-        </a:xfrm>
-      </p:grpSpPr>
-      <p:sp>
-        <p:nvSpPr>
-          <p:cNvPr id="127" name="PlaceHolder 1"/>
-          <p:cNvSpPr>
-            <a:spLocks noGrp="1"/>
-          </p:cNvSpPr>
-          <p:nvPr>
-            <p:ph type="title"/>
-          </p:nvPr>
-        </p:nvSpPr>
-        <p:spPr>
-          <a:xfrm>
-            <a:off x="457200" y="522360"/>
-            <a:ext cx="6531480" cy="653400"/>
-          </a:xfrm>
-          <a:prstGeom prst="rect">
-            <a:avLst/>
-          </a:prstGeom>
-        </p:spPr>
-        <p:txBody>
-          <a:bodyPr wrap="none" lIns="0" rIns="0" tIns="0" bIns="0" anchor="ctr"/>
-          <a:p>
-            <a:endParaRPr/>
-          </a:p>
-        </p:txBody>
-      </p:sp>
-      <p:sp>
-        <p:nvSpPr>
-          <p:cNvPr id="128" name="PlaceHolder 2"/>
-          <p:cNvSpPr>
-            <a:spLocks noGrp="1"/>
-          </p:cNvSpPr>
-          <p:nvPr>
-            <p:ph type="body"/>
-          </p:nvPr>
-        </p:nvSpPr>
-        <p:spPr>
-          <a:xfrm>
-            <a:off x="457200" y="1632600"/>
-            <a:ext cx="4015800" cy="1896840"/>
-          </a:xfrm>
-          <a:prstGeom prst="rect">
-            <a:avLst/>
-          </a:prstGeom>
-        </p:spPr>
-        <p:txBody>
-          <a:bodyPr wrap="none" lIns="0" rIns="0" tIns="0" bIns="0"/>
-          <a:p>
-            <a:endParaRPr/>
-          </a:p>
-        </p:txBody>
-      </p:sp>
-      <p:sp>
-        <p:nvSpPr>
-          <p:cNvPr id="129" name="PlaceHolder 3"/>
-          <p:cNvSpPr>
-            <a:spLocks noGrp="1"/>
-          </p:cNvSpPr>
-          <p:nvPr>
-            <p:ph type="body"/>
-          </p:nvPr>
-        </p:nvSpPr>
-        <p:spPr>
-          <a:xfrm>
-            <a:off x="4674240" y="1632600"/>
-            <a:ext cx="4015800" cy="1896840"/>
-          </a:xfrm>
-          <a:prstGeom prst="rect">
-            <a:avLst/>
-          </a:prstGeom>
-        </p:spPr>
-        <p:txBody>
-          <a:bodyPr wrap="none" lIns="0" rIns="0" tIns="0" bIns="0"/>
-          <a:p>
-            <a:endParaRPr/>
-          </a:p>
-        </p:txBody>
-      </p:sp>
-      <p:sp>
-        <p:nvSpPr>
-          <p:cNvPr id="130" name="PlaceHolder 4"/>
-          <p:cNvSpPr>
-            <a:spLocks noGrp="1"/>
-          </p:cNvSpPr>
-          <p:nvPr>
-            <p:ph type="body"/>
-          </p:nvPr>
-        </p:nvSpPr>
-        <p:spPr>
-          <a:xfrm>
-            <a:off x="4674240" y="3710160"/>
-            <a:ext cx="4015800" cy="1896840"/>
-          </a:xfrm>
-          <a:prstGeom prst="rect">
-            <a:avLst/>
-          </a:prstGeom>
-        </p:spPr>
-        <p:txBody>
-          <a:bodyPr wrap="none" lIns="0" rIns="0" tIns="0" bIns="0"/>
-          <a:p>
-            <a:endParaRPr/>
-          </a:p>
-        </p:txBody>
-      </p:sp>
-      <p:sp>
-        <p:nvSpPr>
-          <p:cNvPr id="131" name="PlaceHolder 5"/>
-          <p:cNvSpPr>
-            <a:spLocks noGrp="1"/>
-          </p:cNvSpPr>
-          <p:nvPr>
-            <p:ph type="body"/>
-          </p:nvPr>
-        </p:nvSpPr>
-        <p:spPr>
-          <a:xfrm>
-            <a:off x="457200" y="3710160"/>
-            <a:ext cx="4015800" cy="1896840"/>
-          </a:xfrm>
-          <a:prstGeom prst="rect">
-            <a:avLst/>
-          </a:prstGeom>
-        </p:spPr>
-        <p:txBody>
-          <a:bodyPr wrap="none" lIns="0" rIns="0" tIns="0" bIns="0"/>
-          <a:p>
-            <a:endParaRPr/>
-          </a:p>
-        </p:txBody>
-      </p:sp>
-    </p:spTree>
-  </p:cSld>
-</p:sldLayout>
-</file>
-
-<file path=ppt/slideLayouts/slideLayout36.xml><?xml version="1.0" encoding="utf-8"?>
-<p:sldLayout xmlns:a="http://schemas.openxmlformats.org/drawingml/2006/main" xmlns:p="http://schemas.openxmlformats.org/presentationml/2006/main" xmlns:r="http://schemas.openxmlformats.org/officeDocument/2006/relationships" type="blank" preserve="1">
-  <p:cSld name="Title, 6 Content">
-    <p:spTree>
-      <p:nvGrpSpPr>
-        <p:cNvPr id="1" name=""/>
-        <p:cNvGrpSpPr/>
-        <p:nvPr/>
-      </p:nvGrpSpPr>
-      <p:grpSpPr>
-        <a:xfrm>
-          <a:off x="0" y="0"/>
-          <a:ext cx="0" cy="0"/>
-          <a:chOff x="0" y="0"/>
-          <a:chExt cx="0" cy="0"/>
-        </a:xfrm>
-      </p:grpSpPr>
-      <p:sp>
-        <p:nvSpPr>
-          <p:cNvPr id="132" name="PlaceHolder 1"/>
-          <p:cNvSpPr>
-            <a:spLocks noGrp="1"/>
-          </p:cNvSpPr>
-          <p:nvPr>
-            <p:ph type="title"/>
-          </p:nvPr>
-        </p:nvSpPr>
-        <p:spPr>
-          <a:xfrm>
-            <a:off x="457200" y="522360"/>
-            <a:ext cx="6531480" cy="653400"/>
-          </a:xfrm>
-          <a:prstGeom prst="rect">
-            <a:avLst/>
-          </a:prstGeom>
-        </p:spPr>
-        <p:txBody>
-          <a:bodyPr wrap="none" lIns="0" rIns="0" tIns="0" bIns="0" anchor="ctr"/>
-          <a:p>
-            <a:endParaRPr/>
-          </a:p>
-        </p:txBody>
-      </p:sp>
-      <p:sp>
-        <p:nvSpPr>
-          <p:cNvPr id="133" name="PlaceHolder 2"/>
-          <p:cNvSpPr>
-            <a:spLocks noGrp="1"/>
-          </p:cNvSpPr>
-          <p:nvPr>
-            <p:ph type="body"/>
-          </p:nvPr>
-        </p:nvSpPr>
-        <p:spPr>
-          <a:xfrm>
-            <a:off x="457200" y="1632600"/>
-            <a:ext cx="8229600" cy="3977280"/>
-          </a:xfrm>
-          <a:prstGeom prst="rect">
-            <a:avLst/>
-          </a:prstGeom>
-        </p:spPr>
-        <p:txBody>
-          <a:bodyPr wrap="none" lIns="0" rIns="0" tIns="0" bIns="0"/>
-          <a:p>
-            <a:endParaRPr/>
-          </a:p>
-        </p:txBody>
-      </p:sp>
-      <p:sp>
-        <p:nvSpPr>
-          <p:cNvPr id="134" name="PlaceHolder 3"/>
-          <p:cNvSpPr>
-            <a:spLocks noGrp="1"/>
-          </p:cNvSpPr>
-          <p:nvPr>
-            <p:ph type="body"/>
-          </p:nvPr>
-        </p:nvSpPr>
-        <p:spPr>
-          <a:xfrm>
-            <a:off x="457200" y="1632600"/>
-            <a:ext cx="8229600" cy="3977280"/>
-          </a:xfrm>
-          <a:prstGeom prst="rect">
-            <a:avLst/>
-          </a:prstGeom>
-        </p:spPr>
-        <p:txBody>
-          <a:bodyPr wrap="none" lIns="0" rIns="0" tIns="0" bIns="0"/>
-          <a:p>
-            <a:endParaRPr/>
-          </a:p>
-        </p:txBody>
-      </p:sp>
-      <p:pic>
-        <p:nvPicPr>
-          <p:cNvPr id="135" name="" descr=""/>
-          <p:cNvPicPr/>
-          <p:nvPr/>
-        </p:nvPicPr>
-        <p:blipFill>
-          <a:blip r:embed="rId2"/>
-          <a:stretch>
-            <a:fillRect/>
-          </a:stretch>
-        </p:blipFill>
-        <p:spPr>
-          <a:xfrm>
-            <a:off x="2079360" y="1632600"/>
-            <a:ext cx="4984920" cy="3977280"/>
-          </a:xfrm>
-          <a:prstGeom prst="rect">
-            <a:avLst/>
-          </a:prstGeom>
-          <a:ln>
-            <a:noFill/>
-          </a:ln>
-        </p:spPr>
-      </p:pic>
-      <p:pic>
-        <p:nvPicPr>
-          <p:cNvPr id="136" name="" descr=""/>
-          <p:cNvPicPr/>
-          <p:nvPr/>
-        </p:nvPicPr>
-        <p:blipFill>
-          <a:blip r:embed="rId3"/>
-          <a:stretch>
-            <a:fillRect/>
-          </a:stretch>
-        </p:blipFill>
-        <p:spPr>
-          <a:xfrm>
-            <a:off x="2079360" y="1632600"/>
-            <a:ext cx="4984920" cy="3977280"/>
-          </a:xfrm>
-          <a:prstGeom prst="rect">
-            <a:avLst/>
-          </a:prstGeom>
-          <a:ln>
-            <a:noFill/>
-          </a:ln>
-        </p:spPr>
-      </p:pic>
     </p:spTree>
   </p:cSld>
 </p:sldLayout>
@@ -3180,7 +2046,7 @@
       </p:grpSpPr>
       <p:sp>
         <p:nvSpPr>
-          <p:cNvPr id="18" name="PlaceHolder 1"/>
+          <p:cNvPr id="7" name="PlaceHolder 1"/>
           <p:cNvSpPr>
             <a:spLocks noGrp="1"/>
           </p:cNvSpPr>
@@ -3190,8 +2056,8 @@
         </p:nvSpPr>
         <p:spPr>
           <a:xfrm>
-            <a:off x="457200" y="522360"/>
-            <a:ext cx="6531480" cy="653400"/>
+            <a:off x="457200" y="273600"/>
+            <a:ext cx="8229240" cy="1145160"/>
           </a:xfrm>
           <a:prstGeom prst="rect">
             <a:avLst/>
@@ -3200,13 +2066,14 @@
         <p:txBody>
           <a:bodyPr wrap="none" lIns="0" rIns="0" tIns="0" bIns="0" anchor="ctr"/>
           <a:p>
-            <a:endParaRPr/>
-          </a:p>
-        </p:txBody>
-      </p:sp>
-      <p:sp>
-        <p:nvSpPr>
-          <p:cNvPr id="19" name="PlaceHolder 2"/>
+            <a:pPr algn="ctr"/>
+            <a:endParaRPr/>
+          </a:p>
+        </p:txBody>
+      </p:sp>
+      <p:sp>
+        <p:nvSpPr>
+          <p:cNvPr id="8" name="PlaceHolder 2"/>
           <p:cNvSpPr>
             <a:spLocks noGrp="1"/>
           </p:cNvSpPr>
@@ -3216,7 +2083,7 @@
         </p:nvSpPr>
         <p:spPr>
           <a:xfrm>
-            <a:off x="457200" y="1632600"/>
+            <a:off x="457200" y="1604520"/>
             <a:ext cx="4015800" cy="3977280"/>
           </a:xfrm>
           <a:prstGeom prst="rect">
@@ -3232,7 +2099,7 @@
       </p:sp>
       <p:sp>
         <p:nvSpPr>
-          <p:cNvPr id="20" name="PlaceHolder 3"/>
+          <p:cNvPr id="9" name="PlaceHolder 3"/>
           <p:cNvSpPr>
             <a:spLocks noGrp="1"/>
           </p:cNvSpPr>
@@ -3242,7 +2109,7 @@
         </p:nvSpPr>
         <p:spPr>
           <a:xfrm>
-            <a:off x="4674240" y="1632600"/>
+            <a:off x="4674240" y="1604520"/>
             <a:ext cx="4015800" cy="3977280"/>
           </a:xfrm>
           <a:prstGeom prst="rect">
@@ -3280,7 +2147,7 @@
       </p:grpSpPr>
       <p:sp>
         <p:nvSpPr>
-          <p:cNvPr id="21" name="PlaceHolder 1"/>
+          <p:cNvPr id="10" name="PlaceHolder 1"/>
           <p:cNvSpPr>
             <a:spLocks noGrp="1"/>
           </p:cNvSpPr>
@@ -3290,8 +2157,8 @@
         </p:nvSpPr>
         <p:spPr>
           <a:xfrm>
-            <a:off x="457200" y="522360"/>
-            <a:ext cx="6531480" cy="653400"/>
+            <a:off x="457200" y="273600"/>
+            <a:ext cx="8229240" cy="1145160"/>
           </a:xfrm>
           <a:prstGeom prst="rect">
             <a:avLst/>
@@ -3300,6 +2167,7 @@
         <p:txBody>
           <a:bodyPr wrap="none" lIns="0" rIns="0" tIns="0" bIns="0" anchor="ctr"/>
           <a:p>
+            <a:pPr algn="ctr"/>
             <a:endParaRPr/>
           </a:p>
         </p:txBody>
@@ -3328,7 +2196,7 @@
       </p:grpSpPr>
       <p:sp>
         <p:nvSpPr>
-          <p:cNvPr id="22" name="PlaceHolder 1"/>
+          <p:cNvPr id="11" name="PlaceHolder 1"/>
           <p:cNvSpPr>
             <a:spLocks noGrp="1"/>
           </p:cNvSpPr>
@@ -3338,8 +2206,8 @@
         </p:nvSpPr>
         <p:spPr>
           <a:xfrm>
-            <a:off x="457200" y="522360"/>
-            <a:ext cx="6531480" cy="3028680"/>
+            <a:off x="457200" y="273600"/>
+            <a:ext cx="8229240" cy="5308200"/>
           </a:xfrm>
           <a:prstGeom prst="rect">
             <a:avLst/>
@@ -3377,7 +2245,7 @@
       </p:grpSpPr>
       <p:sp>
         <p:nvSpPr>
-          <p:cNvPr id="23" name="PlaceHolder 1"/>
+          <p:cNvPr id="12" name="PlaceHolder 1"/>
           <p:cNvSpPr>
             <a:spLocks noGrp="1"/>
           </p:cNvSpPr>
@@ -3387,8 +2255,8 @@
         </p:nvSpPr>
         <p:spPr>
           <a:xfrm>
-            <a:off x="457200" y="522360"/>
-            <a:ext cx="6531480" cy="653400"/>
+            <a:off x="457200" y="273600"/>
+            <a:ext cx="8229240" cy="1145160"/>
           </a:xfrm>
           <a:prstGeom prst="rect">
             <a:avLst/>
@@ -3397,13 +2265,14 @@
         <p:txBody>
           <a:bodyPr wrap="none" lIns="0" rIns="0" tIns="0" bIns="0" anchor="ctr"/>
           <a:p>
-            <a:endParaRPr/>
-          </a:p>
-        </p:txBody>
-      </p:sp>
-      <p:sp>
-        <p:nvSpPr>
-          <p:cNvPr id="24" name="PlaceHolder 2"/>
+            <a:pPr algn="ctr"/>
+            <a:endParaRPr/>
+          </a:p>
+        </p:txBody>
+      </p:sp>
+      <p:sp>
+        <p:nvSpPr>
+          <p:cNvPr id="13" name="PlaceHolder 2"/>
           <p:cNvSpPr>
             <a:spLocks noGrp="1"/>
           </p:cNvSpPr>
@@ -3413,7 +2282,7 @@
         </p:nvSpPr>
         <p:spPr>
           <a:xfrm>
-            <a:off x="457200" y="1632600"/>
+            <a:off x="457200" y="1604520"/>
             <a:ext cx="4015800" cy="1896840"/>
           </a:xfrm>
           <a:prstGeom prst="rect">
@@ -3429,7 +2298,7 @@
       </p:sp>
       <p:sp>
         <p:nvSpPr>
-          <p:cNvPr id="25" name="PlaceHolder 3"/>
+          <p:cNvPr id="14" name="PlaceHolder 3"/>
           <p:cNvSpPr>
             <a:spLocks noGrp="1"/>
           </p:cNvSpPr>
@@ -3439,7 +2308,7 @@
         </p:nvSpPr>
         <p:spPr>
           <a:xfrm>
-            <a:off x="457200" y="3710160"/>
+            <a:off x="457200" y="3682080"/>
             <a:ext cx="4015800" cy="1896840"/>
           </a:xfrm>
           <a:prstGeom prst="rect">
@@ -3455,7 +2324,7 @@
       </p:sp>
       <p:sp>
         <p:nvSpPr>
-          <p:cNvPr id="26" name="PlaceHolder 4"/>
+          <p:cNvPr id="15" name="PlaceHolder 4"/>
           <p:cNvSpPr>
             <a:spLocks noGrp="1"/>
           </p:cNvSpPr>
@@ -3465,7 +2334,7 @@
         </p:nvSpPr>
         <p:spPr>
           <a:xfrm>
-            <a:off x="4674240" y="1632600"/>
+            <a:off x="4674240" y="1604520"/>
             <a:ext cx="4015800" cy="3977280"/>
           </a:xfrm>
           <a:prstGeom prst="rect">
@@ -3503,7 +2372,7 @@
       </p:grpSpPr>
       <p:sp>
         <p:nvSpPr>
-          <p:cNvPr id="27" name="PlaceHolder 1"/>
+          <p:cNvPr id="16" name="PlaceHolder 1"/>
           <p:cNvSpPr>
             <a:spLocks noGrp="1"/>
           </p:cNvSpPr>
@@ -3513,8 +2382,8 @@
         </p:nvSpPr>
         <p:spPr>
           <a:xfrm>
-            <a:off x="457200" y="522360"/>
-            <a:ext cx="6531480" cy="653400"/>
+            <a:off x="457200" y="273600"/>
+            <a:ext cx="8229240" cy="1145160"/>
           </a:xfrm>
           <a:prstGeom prst="rect">
             <a:avLst/>
@@ -3523,13 +2392,14 @@
         <p:txBody>
           <a:bodyPr wrap="none" lIns="0" rIns="0" tIns="0" bIns="0" anchor="ctr"/>
           <a:p>
-            <a:endParaRPr/>
-          </a:p>
-        </p:txBody>
-      </p:sp>
-      <p:sp>
-        <p:nvSpPr>
-          <p:cNvPr id="28" name="PlaceHolder 2"/>
+            <a:pPr algn="ctr"/>
+            <a:endParaRPr/>
+          </a:p>
+        </p:txBody>
+      </p:sp>
+      <p:sp>
+        <p:nvSpPr>
+          <p:cNvPr id="17" name="PlaceHolder 2"/>
           <p:cNvSpPr>
             <a:spLocks noGrp="1"/>
           </p:cNvSpPr>
@@ -3539,7 +2409,7 @@
         </p:nvSpPr>
         <p:spPr>
           <a:xfrm>
-            <a:off x="457200" y="1632600"/>
+            <a:off x="457200" y="1604520"/>
             <a:ext cx="4015800" cy="3977280"/>
           </a:xfrm>
           <a:prstGeom prst="rect">
@@ -3555,7 +2425,7 @@
       </p:sp>
       <p:sp>
         <p:nvSpPr>
-          <p:cNvPr id="29" name="PlaceHolder 3"/>
+          <p:cNvPr id="18" name="PlaceHolder 3"/>
           <p:cNvSpPr>
             <a:spLocks noGrp="1"/>
           </p:cNvSpPr>
@@ -3565,7 +2435,7 @@
         </p:nvSpPr>
         <p:spPr>
           <a:xfrm>
-            <a:off x="4674240" y="1632600"/>
+            <a:off x="4674240" y="1604520"/>
             <a:ext cx="4015800" cy="1896840"/>
           </a:xfrm>
           <a:prstGeom prst="rect">
@@ -3581,7 +2451,7 @@
       </p:sp>
       <p:sp>
         <p:nvSpPr>
-          <p:cNvPr id="30" name="PlaceHolder 4"/>
+          <p:cNvPr id="19" name="PlaceHolder 4"/>
           <p:cNvSpPr>
             <a:spLocks noGrp="1"/>
           </p:cNvSpPr>
@@ -3591,7 +2461,7 @@
         </p:nvSpPr>
         <p:spPr>
           <a:xfrm>
-            <a:off x="4674240" y="3710160"/>
+            <a:off x="4674240" y="3682080"/>
             <a:ext cx="4015800" cy="1896840"/>
           </a:xfrm>
           <a:prstGeom prst="rect">
@@ -3629,7 +2499,7 @@
       </p:grpSpPr>
       <p:sp>
         <p:nvSpPr>
-          <p:cNvPr id="31" name="PlaceHolder 1"/>
+          <p:cNvPr id="20" name="PlaceHolder 1"/>
           <p:cNvSpPr>
             <a:spLocks noGrp="1"/>
           </p:cNvSpPr>
@@ -3639,8 +2509,8 @@
         </p:nvSpPr>
         <p:spPr>
           <a:xfrm>
-            <a:off x="457200" y="522360"/>
-            <a:ext cx="6531480" cy="653400"/>
+            <a:off x="457200" y="273600"/>
+            <a:ext cx="8229240" cy="1145160"/>
           </a:xfrm>
           <a:prstGeom prst="rect">
             <a:avLst/>
@@ -3649,13 +2519,14 @@
         <p:txBody>
           <a:bodyPr wrap="none" lIns="0" rIns="0" tIns="0" bIns="0" anchor="ctr"/>
           <a:p>
-            <a:endParaRPr/>
-          </a:p>
-        </p:txBody>
-      </p:sp>
-      <p:sp>
-        <p:nvSpPr>
-          <p:cNvPr id="32" name="PlaceHolder 2"/>
+            <a:pPr algn="ctr"/>
+            <a:endParaRPr/>
+          </a:p>
+        </p:txBody>
+      </p:sp>
+      <p:sp>
+        <p:nvSpPr>
+          <p:cNvPr id="21" name="PlaceHolder 2"/>
           <p:cNvSpPr>
             <a:spLocks noGrp="1"/>
           </p:cNvSpPr>
@@ -3665,7 +2536,7 @@
         </p:nvSpPr>
         <p:spPr>
           <a:xfrm>
-            <a:off x="457200" y="1632600"/>
+            <a:off x="457200" y="1604520"/>
             <a:ext cx="4015800" cy="1896840"/>
           </a:xfrm>
           <a:prstGeom prst="rect">
@@ -3681,7 +2552,7 @@
       </p:sp>
       <p:sp>
         <p:nvSpPr>
-          <p:cNvPr id="33" name="PlaceHolder 3"/>
+          <p:cNvPr id="22" name="PlaceHolder 3"/>
           <p:cNvSpPr>
             <a:spLocks noGrp="1"/>
           </p:cNvSpPr>
@@ -3691,7 +2562,7 @@
         </p:nvSpPr>
         <p:spPr>
           <a:xfrm>
-            <a:off x="4674240" y="1632600"/>
+            <a:off x="4674240" y="1604520"/>
             <a:ext cx="4015800" cy="1896840"/>
           </a:xfrm>
           <a:prstGeom prst="rect">
@@ -3707,7 +2578,7 @@
       </p:sp>
       <p:sp>
         <p:nvSpPr>
-          <p:cNvPr id="34" name="PlaceHolder 4"/>
+          <p:cNvPr id="23" name="PlaceHolder 4"/>
           <p:cNvSpPr>
             <a:spLocks noGrp="1"/>
           </p:cNvSpPr>
@@ -3717,8 +2588,8 @@
         </p:nvSpPr>
         <p:spPr>
           <a:xfrm>
-            <a:off x="457200" y="3710160"/>
-            <a:ext cx="8229600" cy="1896840"/>
+            <a:off x="457200" y="3682080"/>
+            <a:ext cx="8229240" cy="1896840"/>
           </a:xfrm>
           <a:prstGeom prst="rect">
             <a:avLst/>
@@ -3737,1034 +2608,6 @@
 </file>
 
 <file path=ppt/slideMasters/slideMaster1.xml><?xml version="1.0" encoding="utf-8"?>
-<p:sldMaster xmlns:a="http://schemas.openxmlformats.org/drawingml/2006/main" xmlns:p="http://schemas.openxmlformats.org/presentationml/2006/main" xmlns:r="http://schemas.openxmlformats.org/officeDocument/2006/relationships">
-  <p:cSld>
-    <p:bg>
-      <p:bgPr>
-        <a:blipFill>
-          <a:blip r:embed="rId2"/>
-          <a:stretch>
-            <a:fillRect/>
-          </a:stretch>
-        </a:blipFill>
-      </p:bgPr>
-    </p:bg>
-    <p:spTree>
-      <p:nvGrpSpPr>
-        <p:cNvPr id="1" name=""/>
-        <p:cNvGrpSpPr/>
-        <p:nvPr/>
-      </p:nvGrpSpPr>
-      <p:grpSpPr>
-        <a:xfrm>
-          <a:off x="0" y="0"/>
-          <a:ext cx="0" cy="0"/>
-          <a:chOff x="0" y="0"/>
-          <a:chExt cx="0" cy="0"/>
-        </a:xfrm>
-      </p:grpSpPr>
-      <p:sp>
-        <p:nvSpPr>
-          <p:cNvPr id="0" name="CustomShape 1"/>
-          <p:cNvSpPr/>
-          <p:nvPr/>
-        </p:nvSpPr>
-        <p:spPr>
-          <a:xfrm>
-            <a:off x="0" y="0"/>
-            <a:ext cx="9143280" cy="6857280"/>
-          </a:xfrm>
-          <a:prstGeom prst="rect">
-            <a:avLst/>
-          </a:prstGeom>
-          <a:solidFill>
-            <a:srgbClr val="d9d9d9"/>
-          </a:solidFill>
-          <a:ln w="25560">
-            <a:noFill/>
-          </a:ln>
-        </p:spPr>
-      </p:sp>
-      <p:sp>
-        <p:nvSpPr>
-          <p:cNvPr id="1" name="CustomShape 2"/>
-          <p:cNvSpPr/>
-          <p:nvPr/>
-        </p:nvSpPr>
-        <p:spPr>
-          <a:xfrm>
-            <a:off x="0" y="142920"/>
-            <a:ext cx="213480" cy="6000120"/>
-          </a:xfrm>
-          <a:prstGeom prst="rect">
-            <a:avLst/>
-          </a:prstGeom>
-          <a:solidFill>
-            <a:srgbClr val="004280"/>
-          </a:solidFill>
-          <a:ln w="25560">
-            <a:noFill/>
-          </a:ln>
-        </p:spPr>
-      </p:sp>
-      <p:sp>
-        <p:nvSpPr>
-          <p:cNvPr id="2" name="CustomShape 3"/>
-          <p:cNvSpPr/>
-          <p:nvPr/>
-        </p:nvSpPr>
-        <p:spPr>
-          <a:xfrm>
-            <a:off x="285840" y="142920"/>
-            <a:ext cx="8857440" cy="785160"/>
-          </a:xfrm>
-          <a:prstGeom prst="rect">
-            <a:avLst/>
-          </a:prstGeom>
-          <a:solidFill>
-            <a:srgbClr val="f2f2f2"/>
-          </a:solidFill>
-          <a:ln w="25560">
-            <a:noFill/>
-          </a:ln>
-        </p:spPr>
-      </p:sp>
-      <p:sp>
-        <p:nvSpPr>
-          <p:cNvPr id="3" name="CustomShape 4"/>
-          <p:cNvSpPr/>
-          <p:nvPr/>
-        </p:nvSpPr>
-        <p:spPr>
-          <a:xfrm>
-            <a:off x="8244000" y="6264360"/>
-            <a:ext cx="731160" cy="259560"/>
-          </a:xfrm>
-          <a:prstGeom prst="rect">
-            <a:avLst/>
-          </a:prstGeom>
-          <a:noFill/>
-          <a:ln w="9360">
-            <a:noFill/>
-          </a:ln>
-        </p:spPr>
-        <p:txBody>
-          <a:bodyPr wrap="none" lIns="0" rIns="0" tIns="0" bIns="0"/>
-          <a:p>
-            <a:pPr algn="r">
-              <a:lnSpc>
-                <a:spcPct val="100000"/>
-              </a:lnSpc>
-            </a:pPr>
-            <a:fld id="{87DC2BC7-60D0-4937-89E2-9C247CF6E0EE}" type="slidenum">
-              <a:rPr lang="pl-PL" sz="2000">
-                <a:solidFill>
-                  <a:srgbClr val="000000"/>
-                </a:solidFill>
-                <a:latin typeface="Myriad Pro"/>
-              </a:rPr>
-              <a:t>&lt;numer&gt;</a:t>
-            </a:fld>
-            <a:endParaRPr/>
-          </a:p>
-        </p:txBody>
-      </p:sp>
-      <p:sp>
-        <p:nvSpPr>
-          <p:cNvPr id="4" name="CustomShape 5"/>
-          <p:cNvSpPr/>
-          <p:nvPr/>
-        </p:nvSpPr>
-        <p:spPr>
-          <a:xfrm>
-            <a:off x="285840" y="1001880"/>
-            <a:ext cx="8857440" cy="5142960"/>
-          </a:xfrm>
-          <a:prstGeom prst="rect">
-            <a:avLst/>
-          </a:prstGeom>
-          <a:solidFill>
-            <a:srgbClr val="f2f2f2"/>
-          </a:solidFill>
-          <a:ln w="25560">
-            <a:noFill/>
-          </a:ln>
-        </p:spPr>
-      </p:sp>
-      <p:pic>
-        <p:nvPicPr>
-          <p:cNvPr id="5" name="Picture 2" descr=""/>
-          <p:cNvPicPr/>
-          <p:nvPr/>
-        </p:nvPicPr>
-        <p:blipFill>
-          <a:blip r:embed="rId3"/>
-          <a:stretch>
-            <a:fillRect/>
-          </a:stretch>
-        </p:blipFill>
-        <p:spPr>
-          <a:xfrm>
-            <a:off x="7956720" y="162000"/>
-            <a:ext cx="686520" cy="751680"/>
-          </a:xfrm>
-          <a:prstGeom prst="rect">
-            <a:avLst/>
-          </a:prstGeom>
-          <a:ln w="9360">
-            <a:noFill/>
-          </a:ln>
-        </p:spPr>
-      </p:pic>
-      <p:sp>
-        <p:nvSpPr>
-          <p:cNvPr id="6" name="CustomShape 6"/>
-          <p:cNvSpPr/>
-          <p:nvPr/>
-        </p:nvSpPr>
-        <p:spPr>
-          <a:xfrm>
-            <a:off x="0" y="6715080"/>
-            <a:ext cx="9143280" cy="142200"/>
-          </a:xfrm>
-          <a:prstGeom prst="rect">
-            <a:avLst/>
-          </a:prstGeom>
-          <a:solidFill>
-            <a:srgbClr val="ffffff"/>
-          </a:solidFill>
-          <a:ln w="25560">
-            <a:noFill/>
-          </a:ln>
-        </p:spPr>
-      </p:sp>
-      <p:sp>
-        <p:nvSpPr>
-          <p:cNvPr id="7" name="CustomShape 7"/>
-          <p:cNvSpPr/>
-          <p:nvPr/>
-        </p:nvSpPr>
-        <p:spPr>
-          <a:xfrm>
-            <a:off x="0" y="6686640"/>
-            <a:ext cx="1856520" cy="213480"/>
-          </a:xfrm>
-          <a:prstGeom prst="rect">
-            <a:avLst/>
-          </a:prstGeom>
-          <a:noFill/>
-          <a:ln>
-            <a:noFill/>
-          </a:ln>
-        </p:spPr>
-        <p:txBody>
-          <a:bodyPr lIns="90000" rIns="90000" tIns="45000" bIns="45000"/>
-          <a:p>
-            <a:pPr>
-              <a:lnSpc>
-                <a:spcPct val="100000"/>
-              </a:lnSpc>
-            </a:pPr>
-            <a:r>
-              <a:rPr lang="pl-PL" sz="800">
-                <a:solidFill>
-                  <a:srgbClr val="a6a6a6"/>
-                </a:solidFill>
-                <a:latin typeface="Arial"/>
-              </a:rPr>
-              <a:t>January 2012</a:t>
-            </a:r>
-            <a:endParaRPr/>
-          </a:p>
-        </p:txBody>
-      </p:sp>
-      <p:pic>
-        <p:nvPicPr>
-          <p:cNvPr id="8" name="Picture 2" descr=""/>
-          <p:cNvPicPr/>
-          <p:nvPr/>
-        </p:nvPicPr>
-        <p:blipFill>
-          <a:blip r:embed="rId4"/>
-          <a:stretch>
-            <a:fillRect/>
-          </a:stretch>
-        </p:blipFill>
-        <p:spPr>
-          <a:xfrm>
-            <a:off x="214200" y="1571760"/>
-            <a:ext cx="3752280" cy="5419080"/>
-          </a:xfrm>
-          <a:prstGeom prst="rect">
-            <a:avLst/>
-          </a:prstGeom>
-          <a:ln w="9360">
-            <a:noFill/>
-          </a:ln>
-        </p:spPr>
-      </p:pic>
-      <p:pic>
-        <p:nvPicPr>
-          <p:cNvPr id="9" name="Picture 3" descr=""/>
-          <p:cNvPicPr/>
-          <p:nvPr/>
-        </p:nvPicPr>
-        <p:blipFill>
-          <a:blip r:embed="rId5"/>
-          <a:stretch>
-            <a:fillRect/>
-          </a:stretch>
-        </p:blipFill>
-        <p:spPr>
-          <a:xfrm>
-            <a:off x="7143840" y="357120"/>
-            <a:ext cx="1313640" cy="1323360"/>
-          </a:xfrm>
-          <a:prstGeom prst="rect">
-            <a:avLst/>
-          </a:prstGeom>
-          <a:ln w="9360">
-            <a:noFill/>
-          </a:ln>
-        </p:spPr>
-      </p:pic>
-      <p:pic>
-        <p:nvPicPr>
-          <p:cNvPr id="10" name="Picture 5" descr=""/>
-          <p:cNvPicPr/>
-          <p:nvPr/>
-        </p:nvPicPr>
-        <p:blipFill>
-          <a:blip r:embed="rId6"/>
-          <a:stretch>
-            <a:fillRect/>
-          </a:stretch>
-        </p:blipFill>
-        <p:spPr>
-          <a:xfrm>
-            <a:off x="500040" y="285840"/>
-            <a:ext cx="2785320" cy="1017000"/>
-          </a:xfrm>
-          <a:prstGeom prst="rect">
-            <a:avLst/>
-          </a:prstGeom>
-          <a:ln w="9360">
-            <a:noFill/>
-          </a:ln>
-        </p:spPr>
-      </p:pic>
-      <p:sp>
-        <p:nvSpPr>
-          <p:cNvPr id="11" name="CustomShape 8"/>
-          <p:cNvSpPr/>
-          <p:nvPr/>
-        </p:nvSpPr>
-        <p:spPr>
-          <a:xfrm>
-            <a:off x="8715240" y="2643120"/>
-            <a:ext cx="428040" cy="1428120"/>
-          </a:xfrm>
-          <a:prstGeom prst="rect">
-            <a:avLst/>
-          </a:prstGeom>
-          <a:solidFill>
-            <a:srgbClr val="f37021"/>
-          </a:solidFill>
-          <a:ln w="25560">
-            <a:noFill/>
-          </a:ln>
-        </p:spPr>
-      </p:sp>
-      <p:sp>
-        <p:nvSpPr>
-          <p:cNvPr id="12" name="PlaceHolder 9"/>
-          <p:cNvSpPr>
-            <a:spLocks noGrp="1"/>
-          </p:cNvSpPr>
-          <p:nvPr>
-            <p:ph type="title"/>
-          </p:nvPr>
-        </p:nvSpPr>
-        <p:spPr>
-          <a:xfrm>
-            <a:off x="457200" y="273600"/>
-            <a:ext cx="8229240" cy="1144800"/>
-          </a:xfrm>
-          <a:prstGeom prst="rect">
-            <a:avLst/>
-          </a:prstGeom>
-        </p:spPr>
-        <p:txBody>
-          <a:bodyPr wrap="none" lIns="0" rIns="0" tIns="0" bIns="0" anchor="ctr"/>
-          <a:p>
-            <a:pPr algn="ctr"/>
-            <a:r>
-              <a:rPr lang="pl-PL"/>
-              <a:t>Kliknij, aby edytować format tekstu tytułu</a:t>
-            </a:r>
-            <a:endParaRPr/>
-          </a:p>
-        </p:txBody>
-      </p:sp>
-      <p:sp>
-        <p:nvSpPr>
-          <p:cNvPr id="13" name="PlaceHolder 10"/>
-          <p:cNvSpPr>
-            <a:spLocks noGrp="1"/>
-          </p:cNvSpPr>
-          <p:nvPr>
-            <p:ph type="body"/>
-          </p:nvPr>
-        </p:nvSpPr>
-        <p:spPr>
-          <a:xfrm>
-            <a:off x="457200" y="1604520"/>
-            <a:ext cx="8229240" cy="3977280"/>
-          </a:xfrm>
-          <a:prstGeom prst="rect">
-            <a:avLst/>
-          </a:prstGeom>
-        </p:spPr>
-        <p:txBody>
-          <a:bodyPr wrap="none" lIns="0" rIns="0" tIns="0" bIns="0"/>
-          <a:p>
-            <a:pPr>
-              <a:buSzPct val="25000"/>
-              <a:buFont typeface="StarSymbol"/>
-              <a:buChar char=""/>
-            </a:pPr>
-            <a:r>
-              <a:rPr lang="pl-PL"/>
-              <a:t>Kliknij, aby edytować format tekstu konspektu</a:t>
-            </a:r>
-            <a:endParaRPr/>
-          </a:p>
-          <a:p>
-            <a:pPr lvl="1">
-              <a:buSzPct val="25000"/>
-              <a:buFont typeface="StarSymbol"/>
-              <a:buChar char=""/>
-            </a:pPr>
-            <a:r>
-              <a:rPr lang="pl-PL"/>
-              <a:t>Drugi poziom konspektu</a:t>
-            </a:r>
-            <a:endParaRPr/>
-          </a:p>
-          <a:p>
-            <a:pPr lvl="2">
-              <a:buSzPct val="25000"/>
-              <a:buFont typeface="StarSymbol"/>
-              <a:buChar char=""/>
-            </a:pPr>
-            <a:r>
-              <a:rPr lang="pl-PL"/>
-              <a:t>Trzeci poziom konspektu</a:t>
-            </a:r>
-            <a:endParaRPr/>
-          </a:p>
-          <a:p>
-            <a:pPr lvl="3">
-              <a:buSzPct val="25000"/>
-              <a:buFont typeface="StarSymbol"/>
-              <a:buChar char=""/>
-            </a:pPr>
-            <a:r>
-              <a:rPr lang="pl-PL"/>
-              <a:t>Czwarty poziom konspektu</a:t>
-            </a:r>
-            <a:endParaRPr/>
-          </a:p>
-          <a:p>
-            <a:pPr lvl="4">
-              <a:buSzPct val="25000"/>
-              <a:buFont typeface="StarSymbol"/>
-              <a:buChar char=""/>
-            </a:pPr>
-            <a:r>
-              <a:rPr lang="pl-PL"/>
-              <a:t>Piąty poziom konspektu</a:t>
-            </a:r>
-            <a:endParaRPr/>
-          </a:p>
-          <a:p>
-            <a:pPr lvl="5">
-              <a:buSzPct val="25000"/>
-              <a:buFont typeface="StarSymbol"/>
-              <a:buChar char=""/>
-            </a:pPr>
-            <a:r>
-              <a:rPr lang="pl-PL"/>
-              <a:t>Szósty poziom konspektu</a:t>
-            </a:r>
-            <a:endParaRPr/>
-          </a:p>
-          <a:p>
-            <a:pPr lvl="6">
-              <a:buSzPct val="25000"/>
-              <a:buFont typeface="StarSymbol"/>
-              <a:buChar char=""/>
-            </a:pPr>
-            <a:r>
-              <a:rPr lang="pl-PL"/>
-              <a:t>Siódmy poziom konspektu</a:t>
-            </a:r>
-            <a:endParaRPr/>
-          </a:p>
-        </p:txBody>
-      </p:sp>
-    </p:spTree>
-  </p:cSld>
-  <p:clrMap bg1="lt1" bg2="lt2" tx1="dk1" tx2="dk2" accent1="accent1" accent2="accent2" accent3="accent3" accent4="accent4" accent5="accent5" accent6="accent6" hlink="hlink" folHlink="folHlink"/>
-  <p:sldLayoutIdLst>
-    <p:sldLayoutId id="2147483649" r:id="rId7"/>
-    <p:sldLayoutId id="2147483650" r:id="rId8"/>
-    <p:sldLayoutId id="2147483651" r:id="rId9"/>
-    <p:sldLayoutId id="2147483652" r:id="rId10"/>
-    <p:sldLayoutId id="2147483653" r:id="rId11"/>
-    <p:sldLayoutId id="2147483654" r:id="rId12"/>
-    <p:sldLayoutId id="2147483655" r:id="rId13"/>
-    <p:sldLayoutId id="2147483656" r:id="rId14"/>
-    <p:sldLayoutId id="2147483657" r:id="rId15"/>
-    <p:sldLayoutId id="2147483658" r:id="rId16"/>
-    <p:sldLayoutId id="2147483659" r:id="rId17"/>
-    <p:sldLayoutId id="2147483660" r:id="rId18"/>
-  </p:sldLayoutIdLst>
-</p:sldMaster>
-</file>
-
-<file path=ppt/slideMasters/slideMaster2.xml><?xml version="1.0" encoding="utf-8"?>
-<p:sldMaster xmlns:a="http://schemas.openxmlformats.org/drawingml/2006/main" xmlns:p="http://schemas.openxmlformats.org/presentationml/2006/main" xmlns:r="http://schemas.openxmlformats.org/officeDocument/2006/relationships">
-  <p:cSld>
-    <p:bg>
-      <p:bgPr>
-        <a:solidFill>
-          <a:srgbClr val="d9d9d9"/>
-        </a:solidFill>
-      </p:bgPr>
-    </p:bg>
-    <p:spTree>
-      <p:nvGrpSpPr>
-        <p:cNvPr id="1" name=""/>
-        <p:cNvGrpSpPr/>
-        <p:nvPr/>
-      </p:nvGrpSpPr>
-      <p:grpSpPr>
-        <a:xfrm>
-          <a:off x="0" y="0"/>
-          <a:ext cx="0" cy="0"/>
-          <a:chOff x="0" y="0"/>
-          <a:chExt cx="0" cy="0"/>
-        </a:xfrm>
-      </p:grpSpPr>
-      <p:sp>
-        <p:nvSpPr>
-          <p:cNvPr id="48" name="CustomShape 1"/>
-          <p:cNvSpPr/>
-          <p:nvPr/>
-        </p:nvSpPr>
-        <p:spPr>
-          <a:xfrm>
-            <a:off x="0" y="0"/>
-            <a:ext cx="9143280" cy="6857280"/>
-          </a:xfrm>
-          <a:prstGeom prst="rect">
-            <a:avLst/>
-          </a:prstGeom>
-          <a:solidFill>
-            <a:srgbClr val="d9d9d9"/>
-          </a:solidFill>
-          <a:ln w="25560">
-            <a:noFill/>
-          </a:ln>
-        </p:spPr>
-      </p:sp>
-      <p:sp>
-        <p:nvSpPr>
-          <p:cNvPr id="49" name="CustomShape 2"/>
-          <p:cNvSpPr/>
-          <p:nvPr/>
-        </p:nvSpPr>
-        <p:spPr>
-          <a:xfrm>
-            <a:off x="0" y="142920"/>
-            <a:ext cx="213480" cy="6000120"/>
-          </a:xfrm>
-          <a:prstGeom prst="rect">
-            <a:avLst/>
-          </a:prstGeom>
-          <a:solidFill>
-            <a:srgbClr val="004280"/>
-          </a:solidFill>
-          <a:ln w="25560">
-            <a:noFill/>
-          </a:ln>
-        </p:spPr>
-      </p:sp>
-      <p:sp>
-        <p:nvSpPr>
-          <p:cNvPr id="50" name="CustomShape 3"/>
-          <p:cNvSpPr/>
-          <p:nvPr/>
-        </p:nvSpPr>
-        <p:spPr>
-          <a:xfrm>
-            <a:off x="285840" y="142920"/>
-            <a:ext cx="8857440" cy="785160"/>
-          </a:xfrm>
-          <a:prstGeom prst="rect">
-            <a:avLst/>
-          </a:prstGeom>
-          <a:solidFill>
-            <a:srgbClr val="f2f2f2"/>
-          </a:solidFill>
-          <a:ln w="25560">
-            <a:noFill/>
-          </a:ln>
-        </p:spPr>
-      </p:sp>
-      <p:sp>
-        <p:nvSpPr>
-          <p:cNvPr id="51" name="CustomShape 4"/>
-          <p:cNvSpPr/>
-          <p:nvPr/>
-        </p:nvSpPr>
-        <p:spPr>
-          <a:xfrm>
-            <a:off x="8244000" y="6264360"/>
-            <a:ext cx="731160" cy="259560"/>
-          </a:xfrm>
-          <a:prstGeom prst="rect">
-            <a:avLst/>
-          </a:prstGeom>
-          <a:noFill/>
-          <a:ln w="9360">
-            <a:noFill/>
-          </a:ln>
-        </p:spPr>
-        <p:txBody>
-          <a:bodyPr wrap="none" lIns="0" rIns="0" tIns="0" bIns="0"/>
-          <a:p>
-            <a:pPr algn="r">
-              <a:lnSpc>
-                <a:spcPct val="100000"/>
-              </a:lnSpc>
-            </a:pPr>
-            <a:fld id="{C92867C5-3130-4EDC-8223-854B477FF4A8}" type="slidenum">
-              <a:rPr lang="pl-PL" sz="2000">
-                <a:solidFill>
-                  <a:srgbClr val="000000"/>
-                </a:solidFill>
-                <a:latin typeface="Myriad Pro"/>
-              </a:rPr>
-              <a:t>&lt;numer&gt;</a:t>
-            </a:fld>
-            <a:endParaRPr/>
-          </a:p>
-        </p:txBody>
-      </p:sp>
-      <p:sp>
-        <p:nvSpPr>
-          <p:cNvPr id="52" name="CustomShape 5"/>
-          <p:cNvSpPr/>
-          <p:nvPr/>
-        </p:nvSpPr>
-        <p:spPr>
-          <a:xfrm>
-            <a:off x="285840" y="1001880"/>
-            <a:ext cx="8857440" cy="5142960"/>
-          </a:xfrm>
-          <a:prstGeom prst="rect">
-            <a:avLst/>
-          </a:prstGeom>
-          <a:solidFill>
-            <a:srgbClr val="f2f2f2"/>
-          </a:solidFill>
-          <a:ln w="25560">
-            <a:noFill/>
-          </a:ln>
-        </p:spPr>
-      </p:sp>
-      <p:pic>
-        <p:nvPicPr>
-          <p:cNvPr id="53" name="Picture 2" descr=""/>
-          <p:cNvPicPr/>
-          <p:nvPr/>
-        </p:nvPicPr>
-        <p:blipFill>
-          <a:blip r:embed="rId2"/>
-          <a:stretch>
-            <a:fillRect/>
-          </a:stretch>
-        </p:blipFill>
-        <p:spPr>
-          <a:xfrm>
-            <a:off x="7956720" y="162000"/>
-            <a:ext cx="686520" cy="751680"/>
-          </a:xfrm>
-          <a:prstGeom prst="rect">
-            <a:avLst/>
-          </a:prstGeom>
-          <a:ln w="9360">
-            <a:noFill/>
-          </a:ln>
-        </p:spPr>
-      </p:pic>
-      <p:sp>
-        <p:nvSpPr>
-          <p:cNvPr id="54" name="CustomShape 6"/>
-          <p:cNvSpPr/>
-          <p:nvPr/>
-        </p:nvSpPr>
-        <p:spPr>
-          <a:xfrm>
-            <a:off x="0" y="6715080"/>
-            <a:ext cx="9143280" cy="142200"/>
-          </a:xfrm>
-          <a:prstGeom prst="rect">
-            <a:avLst/>
-          </a:prstGeom>
-          <a:solidFill>
-            <a:srgbClr val="ffffff"/>
-          </a:solidFill>
-          <a:ln w="25560">
-            <a:noFill/>
-          </a:ln>
-        </p:spPr>
-      </p:sp>
-      <p:sp>
-        <p:nvSpPr>
-          <p:cNvPr id="55" name="CustomShape 7"/>
-          <p:cNvSpPr/>
-          <p:nvPr/>
-        </p:nvSpPr>
-        <p:spPr>
-          <a:xfrm>
-            <a:off x="0" y="6686640"/>
-            <a:ext cx="1856520" cy="213480"/>
-          </a:xfrm>
-          <a:prstGeom prst="rect">
-            <a:avLst/>
-          </a:prstGeom>
-          <a:noFill/>
-          <a:ln>
-            <a:noFill/>
-          </a:ln>
-        </p:spPr>
-        <p:txBody>
-          <a:bodyPr lIns="90000" rIns="90000" tIns="45000" bIns="45000"/>
-          <a:p>
-            <a:pPr>
-              <a:lnSpc>
-                <a:spcPct val="100000"/>
-              </a:lnSpc>
-            </a:pPr>
-            <a:r>
-              <a:rPr lang="pl-PL" sz="800">
-                <a:solidFill>
-                  <a:srgbClr val="a6a6a6"/>
-                </a:solidFill>
-                <a:latin typeface="Arial"/>
-              </a:rPr>
-              <a:t>January 2012</a:t>
-            </a:r>
-            <a:endParaRPr/>
-          </a:p>
-        </p:txBody>
-      </p:sp>
-      <p:sp>
-        <p:nvSpPr>
-          <p:cNvPr id="56" name="CustomShape 8"/>
-          <p:cNvSpPr/>
-          <p:nvPr/>
-        </p:nvSpPr>
-        <p:spPr>
-          <a:xfrm>
-            <a:off x="0" y="6715080"/>
-            <a:ext cx="9143280" cy="142200"/>
-          </a:xfrm>
-          <a:prstGeom prst="rect">
-            <a:avLst/>
-          </a:prstGeom>
-          <a:solidFill>
-            <a:srgbClr val="ffffff"/>
-          </a:solidFill>
-          <a:ln w="25560">
-            <a:noFill/>
-          </a:ln>
-        </p:spPr>
-      </p:sp>
-      <p:pic>
-        <p:nvPicPr>
-          <p:cNvPr id="57" name="Obraz 16" descr=""/>
-          <p:cNvPicPr/>
-          <p:nvPr/>
-        </p:nvPicPr>
-        <p:blipFill>
-          <a:blip r:embed="rId3"/>
-          <a:stretch>
-            <a:fillRect/>
-          </a:stretch>
-        </p:blipFill>
-        <p:spPr>
-          <a:xfrm>
-            <a:off x="285840" y="142920"/>
-            <a:ext cx="8857440" cy="6000120"/>
-          </a:xfrm>
-          <a:prstGeom prst="rect">
-            <a:avLst/>
-          </a:prstGeom>
-          <a:ln w="9360">
-            <a:noFill/>
-          </a:ln>
-        </p:spPr>
-      </p:pic>
-      <p:sp>
-        <p:nvSpPr>
-          <p:cNvPr id="58" name="CustomShape 9"/>
-          <p:cNvSpPr/>
-          <p:nvPr/>
-        </p:nvSpPr>
-        <p:spPr>
-          <a:xfrm>
-            <a:off x="0" y="142920"/>
-            <a:ext cx="213480" cy="6000120"/>
-          </a:xfrm>
-          <a:prstGeom prst="rect">
-            <a:avLst/>
-          </a:prstGeom>
-          <a:solidFill>
-            <a:srgbClr val="f37021"/>
-          </a:solidFill>
-          <a:ln w="25560">
-            <a:noFill/>
-          </a:ln>
-        </p:spPr>
-      </p:sp>
-      <p:pic>
-        <p:nvPicPr>
-          <p:cNvPr id="59" name="Picture 2" descr=""/>
-          <p:cNvPicPr/>
-          <p:nvPr/>
-        </p:nvPicPr>
-        <p:blipFill>
-          <a:blip r:embed="rId4"/>
-          <a:stretch>
-            <a:fillRect/>
-          </a:stretch>
-        </p:blipFill>
-        <p:spPr>
-          <a:xfrm>
-            <a:off x="7643880" y="285840"/>
-            <a:ext cx="999360" cy="1094760"/>
-          </a:xfrm>
-          <a:prstGeom prst="rect">
-            <a:avLst/>
-          </a:prstGeom>
-          <a:ln w="9360">
-            <a:noFill/>
-          </a:ln>
-        </p:spPr>
-      </p:pic>
-      <p:sp>
-        <p:nvSpPr>
-          <p:cNvPr id="60" name="CustomShape 10"/>
-          <p:cNvSpPr/>
-          <p:nvPr/>
-        </p:nvSpPr>
-        <p:spPr>
-          <a:xfrm>
-            <a:off x="0" y="6686640"/>
-            <a:ext cx="1856520" cy="213480"/>
-          </a:xfrm>
-          <a:prstGeom prst="rect">
-            <a:avLst/>
-          </a:prstGeom>
-          <a:noFill/>
-          <a:ln>
-            <a:noFill/>
-          </a:ln>
-        </p:spPr>
-        <p:txBody>
-          <a:bodyPr lIns="90000" rIns="90000" tIns="45000" bIns="45000"/>
-          <a:p>
-            <a:pPr>
-              <a:lnSpc>
-                <a:spcPct val="100000"/>
-              </a:lnSpc>
-            </a:pPr>
-            <a:r>
-              <a:rPr lang="pl-PL" sz="800">
-                <a:solidFill>
-                  <a:srgbClr val="a6a6a6"/>
-                </a:solidFill>
-                <a:latin typeface="Arial"/>
-              </a:rPr>
-              <a:t>January 2012</a:t>
-            </a:r>
-            <a:endParaRPr/>
-          </a:p>
-        </p:txBody>
-      </p:sp>
-      <p:sp>
-        <p:nvSpPr>
-          <p:cNvPr id="61" name="PlaceHolder 11"/>
-          <p:cNvSpPr>
-            <a:spLocks noGrp="1"/>
-          </p:cNvSpPr>
-          <p:nvPr>
-            <p:ph type="title"/>
-          </p:nvPr>
-        </p:nvSpPr>
-        <p:spPr>
-          <a:xfrm>
-            <a:off x="457200" y="273600"/>
-            <a:ext cx="8229240" cy="1144800"/>
-          </a:xfrm>
-          <a:prstGeom prst="rect">
-            <a:avLst/>
-          </a:prstGeom>
-        </p:spPr>
-        <p:txBody>
-          <a:bodyPr wrap="none" lIns="0" rIns="0" tIns="0" bIns="0" anchor="ctr"/>
-          <a:p>
-            <a:pPr algn="ctr"/>
-            <a:r>
-              <a:rPr lang="pl-PL"/>
-              <a:t>Kliknij, aby edytować format tekstu tytułu</a:t>
-            </a:r>
-            <a:endParaRPr/>
-          </a:p>
-        </p:txBody>
-      </p:sp>
-      <p:sp>
-        <p:nvSpPr>
-          <p:cNvPr id="62" name="PlaceHolder 12"/>
-          <p:cNvSpPr>
-            <a:spLocks noGrp="1"/>
-          </p:cNvSpPr>
-          <p:nvPr>
-            <p:ph type="body"/>
-          </p:nvPr>
-        </p:nvSpPr>
-        <p:spPr>
-          <a:xfrm>
-            <a:off x="457200" y="1604520"/>
-            <a:ext cx="8229240" cy="3977280"/>
-          </a:xfrm>
-          <a:prstGeom prst="rect">
-            <a:avLst/>
-          </a:prstGeom>
-        </p:spPr>
-        <p:txBody>
-          <a:bodyPr wrap="none" lIns="0" rIns="0" tIns="0" bIns="0"/>
-          <a:p>
-            <a:pPr>
-              <a:buSzPct val="25000"/>
-              <a:buFont typeface="StarSymbol"/>
-              <a:buChar char=""/>
-            </a:pPr>
-            <a:r>
-              <a:rPr lang="pl-PL"/>
-              <a:t>Kliknij, aby edytować format tekstu konspektu</a:t>
-            </a:r>
-            <a:endParaRPr/>
-          </a:p>
-          <a:p>
-            <a:pPr lvl="1">
-              <a:buSzPct val="25000"/>
-              <a:buFont typeface="StarSymbol"/>
-              <a:buChar char=""/>
-            </a:pPr>
-            <a:r>
-              <a:rPr lang="pl-PL"/>
-              <a:t>Drugi poziom konspektu</a:t>
-            </a:r>
-            <a:endParaRPr/>
-          </a:p>
-          <a:p>
-            <a:pPr lvl="2">
-              <a:buSzPct val="25000"/>
-              <a:buFont typeface="StarSymbol"/>
-              <a:buChar char=""/>
-            </a:pPr>
-            <a:r>
-              <a:rPr lang="pl-PL"/>
-              <a:t>Trzeci poziom konspektu</a:t>
-            </a:r>
-            <a:endParaRPr/>
-          </a:p>
-          <a:p>
-            <a:pPr lvl="3">
-              <a:buSzPct val="25000"/>
-              <a:buFont typeface="StarSymbol"/>
-              <a:buChar char=""/>
-            </a:pPr>
-            <a:r>
-              <a:rPr lang="pl-PL"/>
-              <a:t>Czwarty poziom konspektu</a:t>
-            </a:r>
-            <a:endParaRPr/>
-          </a:p>
-          <a:p>
-            <a:pPr lvl="4">
-              <a:buSzPct val="25000"/>
-              <a:buFont typeface="StarSymbol"/>
-              <a:buChar char=""/>
-            </a:pPr>
-            <a:r>
-              <a:rPr lang="pl-PL"/>
-              <a:t>Piąty poziom konspektu</a:t>
-            </a:r>
-            <a:endParaRPr/>
-          </a:p>
-          <a:p>
-            <a:pPr lvl="5">
-              <a:buSzPct val="25000"/>
-              <a:buFont typeface="StarSymbol"/>
-              <a:buChar char=""/>
-            </a:pPr>
-            <a:r>
-              <a:rPr lang="pl-PL"/>
-              <a:t>Szósty poziom konspektu</a:t>
-            </a:r>
-            <a:endParaRPr/>
-          </a:p>
-          <a:p>
-            <a:pPr lvl="6">
-              <a:buSzPct val="25000"/>
-              <a:buFont typeface="StarSymbol"/>
-              <a:buChar char=""/>
-            </a:pPr>
-            <a:r>
-              <a:rPr lang="pl-PL"/>
-              <a:t>Siódmy poziom konspektu</a:t>
-            </a:r>
-            <a:endParaRPr/>
-          </a:p>
-        </p:txBody>
-      </p:sp>
-    </p:spTree>
-  </p:cSld>
-  <p:clrMap bg1="lt1" bg2="lt2" tx1="dk1" tx2="dk2" accent1="accent1" accent2="accent2" accent3="accent3" accent4="accent4" accent5="accent5" accent6="accent6" hlink="hlink" folHlink="folHlink"/>
-  <p:sldLayoutIdLst>
-    <p:sldLayoutId id="2147483662" r:id="rId5"/>
-    <p:sldLayoutId id="2147483663" r:id="rId6"/>
-    <p:sldLayoutId id="2147483664" r:id="rId7"/>
-    <p:sldLayoutId id="2147483665" r:id="rId8"/>
-    <p:sldLayoutId id="2147483666" r:id="rId9"/>
-    <p:sldLayoutId id="2147483667" r:id="rId10"/>
-    <p:sldLayoutId id="2147483668" r:id="rId11"/>
-    <p:sldLayoutId id="2147483669" r:id="rId12"/>
-    <p:sldLayoutId id="2147483670" r:id="rId13"/>
-    <p:sldLayoutId id="2147483671" r:id="rId14"/>
-    <p:sldLayoutId id="2147483672" r:id="rId15"/>
-    <p:sldLayoutId id="2147483673" r:id="rId16"/>
-  </p:sldLayoutIdLst>
-</p:sldMaster>
-</file>
-
-<file path=ppt/slideMasters/slideMaster3.xml><?xml version="1.0" encoding="utf-8"?>
 <p:sldMaster xmlns:a="http://schemas.openxmlformats.org/drawingml/2006/main" xmlns:p="http://schemas.openxmlformats.org/presentationml/2006/main" xmlns:r="http://schemas.openxmlformats.org/officeDocument/2006/relationships">
   <p:cSld>
     <p:spTree>
@@ -4783,7 +2626,7 @@
       </p:grpSpPr>
       <p:pic>
         <p:nvPicPr>
-          <p:cNvPr id="97" name="" descr=""/>
+          <p:cNvPr id="0" name="" descr=""/>
           <p:cNvPicPr/>
           <p:nvPr/>
         </p:nvPicPr>
@@ -4796,7 +2639,7 @@
         <p:spPr>
           <a:xfrm>
             <a:off x="360" y="360"/>
-            <a:ext cx="9143640" cy="6857640"/>
+            <a:ext cx="9143280" cy="6857280"/>
           </a:xfrm>
           <a:prstGeom prst="rect">
             <a:avLst/>
@@ -4808,7 +2651,7 @@
       </p:pic>
       <p:sp>
         <p:nvSpPr>
-          <p:cNvPr id="98" name="PlaceHolder 1"/>
+          <p:cNvPr id="1" name="PlaceHolder 1"/>
           <p:cNvSpPr>
             <a:spLocks noGrp="1"/>
           </p:cNvSpPr>
@@ -4819,7 +2662,7 @@
         <p:spPr>
           <a:xfrm>
             <a:off x="457200" y="522360"/>
-            <a:ext cx="6531480" cy="653040"/>
+            <a:ext cx="6531120" cy="653040"/>
           </a:xfrm>
           <a:prstGeom prst="rect">
             <a:avLst/>
@@ -4838,7 +2681,7 @@
       </p:sp>
       <p:sp>
         <p:nvSpPr>
-          <p:cNvPr id="99" name="PlaceHolder 2"/>
+          <p:cNvPr id="2" name="PlaceHolder 2"/>
           <p:cNvSpPr>
             <a:spLocks noGrp="1"/>
           </p:cNvSpPr>
@@ -4848,8 +2691,8 @@
         </p:nvSpPr>
         <p:spPr>
           <a:xfrm>
-            <a:off x="457200" y="1632600"/>
-            <a:ext cx="8229600" cy="3977280"/>
+            <a:off x="457200" y="1604520"/>
+            <a:ext cx="8229240" cy="3977280"/>
           </a:xfrm>
           <a:prstGeom prst="rect">
             <a:avLst/>
@@ -4943,50 +2786,113 @@
           </a:p>
         </p:txBody>
       </p:sp>
-      <p:sp>
-        <p:nvSpPr>
-          <p:cNvPr id="100" name="PlaceHolder 3"/>
+    </p:spTree>
+  </p:cSld>
+  <p:clrMap bg1="lt1" bg2="lt2" tx1="dk1" tx2="dk2" accent1="accent1" accent2="accent2" accent3="accent3" accent4="accent4" accent5="accent5" accent6="accent6" hlink="hlink" folHlink="folHlink"/>
+  <p:sldLayoutIdLst>
+    <p:sldLayoutId id="2147483649" r:id="rId3"/>
+    <p:sldLayoutId id="2147483650" r:id="rId4"/>
+    <p:sldLayoutId id="2147483651" r:id="rId5"/>
+    <p:sldLayoutId id="2147483652" r:id="rId6"/>
+    <p:sldLayoutId id="2147483653" r:id="rId7"/>
+    <p:sldLayoutId id="2147483654" r:id="rId8"/>
+    <p:sldLayoutId id="2147483655" r:id="rId9"/>
+    <p:sldLayoutId id="2147483656" r:id="rId10"/>
+    <p:sldLayoutId id="2147483657" r:id="rId11"/>
+    <p:sldLayoutId id="2147483658" r:id="rId12"/>
+    <p:sldLayoutId id="2147483659" r:id="rId13"/>
+    <p:sldLayoutId id="2147483660" r:id="rId14"/>
+  </p:sldLayoutIdLst>
+</p:sldMaster>
+</file>
+
+<file path=ppt/slideMasters/slideMaster2.xml><?xml version="1.0" encoding="utf-8"?>
+<p:sldMaster xmlns:a="http://schemas.openxmlformats.org/drawingml/2006/main" xmlns:p="http://schemas.openxmlformats.org/presentationml/2006/main" xmlns:r="http://schemas.openxmlformats.org/officeDocument/2006/relationships">
+  <p:cSld>
+    <p:spTree>
+      <p:nvGrpSpPr>
+        <p:cNvPr id="1" name=""/>
+        <p:cNvGrpSpPr/>
+        <p:nvPr/>
+      </p:nvGrpSpPr>
+      <p:grpSpPr>
+        <a:xfrm>
+          <a:off x="0" y="0"/>
+          <a:ext cx="0" cy="0"/>
+          <a:chOff x="0" y="0"/>
+          <a:chExt cx="0" cy="0"/>
+        </a:xfrm>
+      </p:grpSpPr>
+      <p:pic>
+        <p:nvPicPr>
+          <p:cNvPr id="37" name="" descr=""/>
+          <p:cNvPicPr/>
+          <p:nvPr/>
+        </p:nvPicPr>
+        <p:blipFill>
+          <a:blip r:embed="rId2"/>
+          <a:stretch>
+            <a:fillRect/>
+          </a:stretch>
+        </p:blipFill>
+        <p:spPr>
+          <a:xfrm>
+            <a:off x="360" y="360"/>
+            <a:ext cx="9143280" cy="6857280"/>
+          </a:xfrm>
+          <a:prstGeom prst="rect">
+            <a:avLst/>
+          </a:prstGeom>
+          <a:ln>
+            <a:noFill/>
+          </a:ln>
+        </p:spPr>
+      </p:pic>
+      <p:sp>
+        <p:nvSpPr>
+          <p:cNvPr id="38" name="PlaceHolder 1"/>
           <p:cNvSpPr>
             <a:spLocks noGrp="1"/>
           </p:cNvSpPr>
           <p:nvPr>
-            <p:ph type="dt"/>
+            <p:ph type="title"/>
           </p:nvPr>
         </p:nvSpPr>
         <p:spPr>
           <a:xfrm>
-            <a:off x="457200" y="6247440"/>
-            <a:ext cx="2130120" cy="473040"/>
-          </a:xfrm>
-          <a:prstGeom prst="rect">
-            <a:avLst/>
-          </a:prstGeom>
-        </p:spPr>
-        <p:txBody>
-          <a:bodyPr wrap="none" lIns="0" rIns="0" tIns="0" bIns="0"/>
-          <a:p>
-            <a:r>
-              <a:rPr lang="pl-PL" sz="1400"/>
-              <a:t>&lt;data/godzina&gt;</a:t>
-            </a:r>
-            <a:endParaRPr/>
-          </a:p>
-        </p:txBody>
-      </p:sp>
-      <p:sp>
-        <p:nvSpPr>
-          <p:cNvPr id="101" name="PlaceHolder 4"/>
+            <a:off x="457200" y="273600"/>
+            <a:ext cx="8229240" cy="1144800"/>
+          </a:xfrm>
+          <a:prstGeom prst="rect">
+            <a:avLst/>
+          </a:prstGeom>
+        </p:spPr>
+        <p:txBody>
+          <a:bodyPr wrap="none" lIns="0" rIns="0" tIns="0" bIns="0" anchor="ctr"/>
+          <a:p>
+            <a:pPr algn="ctr"/>
+            <a:r>
+              <a:rPr lang="pl-PL"/>
+              <a:t>Kliknij, aby edytować format tekstu tytułu</a:t>
+            </a:r>
+            <a:endParaRPr/>
+          </a:p>
+        </p:txBody>
+      </p:sp>
+      <p:sp>
+        <p:nvSpPr>
+          <p:cNvPr id="39" name="PlaceHolder 2"/>
           <p:cNvSpPr>
             <a:spLocks noGrp="1"/>
           </p:cNvSpPr>
           <p:nvPr>
-            <p:ph type="ftr"/>
+            <p:ph type="body"/>
           </p:nvPr>
         </p:nvSpPr>
         <p:spPr>
           <a:xfrm>
-            <a:off x="3126960" y="6247440"/>
-            <a:ext cx="2898360" cy="473040"/>
+            <a:off x="457200" y="1604520"/>
+            <a:ext cx="8229240" cy="3977280"/>
           </a:xfrm>
           <a:prstGeom prst="rect">
             <a:avLst/>
@@ -4995,42 +2901,87 @@
         <p:txBody>
           <a:bodyPr wrap="none" lIns="0" rIns="0" tIns="0" bIns="0"/>
           <a:p>
-            <a:pPr algn="ctr"/>
-            <a:r>
-              <a:rPr lang="pl-PL" sz="1400"/>
-              <a:t>&lt;stopka&gt;</a:t>
-            </a:r>
-            <a:endParaRPr/>
-          </a:p>
-        </p:txBody>
-      </p:sp>
-      <p:sp>
-        <p:nvSpPr>
-          <p:cNvPr id="102" name="PlaceHolder 5"/>
-          <p:cNvSpPr>
-            <a:spLocks noGrp="1"/>
-          </p:cNvSpPr>
-          <p:nvPr>
-            <p:ph type="sldNum"/>
-          </p:nvPr>
-        </p:nvSpPr>
-        <p:spPr>
-          <a:xfrm>
-            <a:off x="6555600" y="6247440"/>
-            <a:ext cx="2130120" cy="473040"/>
-          </a:xfrm>
-          <a:prstGeom prst="rect">
-            <a:avLst/>
-          </a:prstGeom>
-        </p:spPr>
-        <p:txBody>
-          <a:bodyPr wrap="none" lIns="0" rIns="0" tIns="0" bIns="0"/>
-          <a:p>
-            <a:pPr algn="r"/>
-            <a:fld id="{6CBE8CF3-48E4-4548-A8C3-A725332ECEEB}" type="slidenum">
-              <a:rPr lang="pl-PL" sz="1400"/>
-              <a:t>&lt;numer&gt;</a:t>
-            </a:fld>
+            <a:pPr>
+              <a:buSzPct val="25000"/>
+              <a:buFont typeface="StarSymbol"/>
+              <a:buChar char=""/>
+            </a:pPr>
+            <a:r>
+              <a:rPr lang="pl-PL"/>
+              <a:t>Kliknij, aby edytować format tekstu konspektu</a:t>
+            </a:r>
+            <a:endParaRPr/>
+          </a:p>
+          <a:p>
+            <a:pPr lvl="1">
+              <a:buSzPct val="25000"/>
+              <a:buFont typeface="StarSymbol"/>
+              <a:buChar char=""/>
+            </a:pPr>
+            <a:r>
+              <a:rPr lang="pl-PL"/>
+              <a:t>Drugi poziom konspektu</a:t>
+            </a:r>
+            <a:endParaRPr/>
+          </a:p>
+          <a:p>
+            <a:pPr lvl="2">
+              <a:buSzPct val="25000"/>
+              <a:buFont typeface="StarSymbol"/>
+              <a:buChar char=""/>
+            </a:pPr>
+            <a:r>
+              <a:rPr lang="pl-PL"/>
+              <a:t>Trzeci poziom konspektu</a:t>
+            </a:r>
+            <a:endParaRPr/>
+          </a:p>
+          <a:p>
+            <a:pPr lvl="3">
+              <a:buSzPct val="25000"/>
+              <a:buFont typeface="StarSymbol"/>
+              <a:buChar char=""/>
+            </a:pPr>
+            <a:r>
+              <a:rPr lang="pl-PL"/>
+              <a:t>Czwarty poziom konspektu</a:t>
+            </a:r>
+            <a:endParaRPr/>
+          </a:p>
+          <a:p>
+            <a:pPr lvl="4">
+              <a:buSzPct val="25000"/>
+              <a:buFont typeface="StarSymbol"/>
+              <a:buChar char=""/>
+            </a:pPr>
+            <a:r>
+              <a:rPr lang="pl-PL"/>
+              <a:t>Piąty poziom konspektu</a:t>
+            </a:r>
+            <a:endParaRPr/>
+          </a:p>
+          <a:p>
+            <a:pPr lvl="5">
+              <a:buSzPct val="25000"/>
+              <a:buFont typeface="StarSymbol"/>
+              <a:buChar char=""/>
+            </a:pPr>
+            <a:r>
+              <a:rPr lang="pl-PL"/>
+              <a:t>Szósty poziom konspektu</a:t>
+            </a:r>
+            <a:endParaRPr/>
+          </a:p>
+          <a:p>
+            <a:pPr lvl="6">
+              <a:buSzPct val="25000"/>
+              <a:buFont typeface="StarSymbol"/>
+              <a:buChar char=""/>
+            </a:pPr>
+            <a:r>
+              <a:rPr lang="pl-PL"/>
+              <a:t>Siódmy poziom konspektu</a:t>
+            </a:r>
             <a:endParaRPr/>
           </a:p>
         </p:txBody>
@@ -5039,18 +2990,18 @@
   </p:cSld>
   <p:clrMap bg1="lt1" bg2="lt2" tx1="dk1" tx2="dk2" accent1="accent1" accent2="accent2" accent3="accent3" accent4="accent4" accent5="accent5" accent6="accent6" hlink="hlink" folHlink="folHlink"/>
   <p:sldLayoutIdLst>
-    <p:sldLayoutId id="2147483675" r:id="rId3"/>
-    <p:sldLayoutId id="2147483676" r:id="rId4"/>
-    <p:sldLayoutId id="2147483677" r:id="rId5"/>
-    <p:sldLayoutId id="2147483678" r:id="rId6"/>
-    <p:sldLayoutId id="2147483679" r:id="rId7"/>
-    <p:sldLayoutId id="2147483680" r:id="rId8"/>
-    <p:sldLayoutId id="2147483681" r:id="rId9"/>
-    <p:sldLayoutId id="2147483682" r:id="rId10"/>
-    <p:sldLayoutId id="2147483683" r:id="rId11"/>
-    <p:sldLayoutId id="2147483684" r:id="rId12"/>
-    <p:sldLayoutId id="2147483685" r:id="rId13"/>
-    <p:sldLayoutId id="2147483686" r:id="rId14"/>
+    <p:sldLayoutId id="2147483662" r:id="rId3"/>
+    <p:sldLayoutId id="2147483663" r:id="rId4"/>
+    <p:sldLayoutId id="2147483664" r:id="rId5"/>
+    <p:sldLayoutId id="2147483665" r:id="rId6"/>
+    <p:sldLayoutId id="2147483666" r:id="rId7"/>
+    <p:sldLayoutId id="2147483667" r:id="rId8"/>
+    <p:sldLayoutId id="2147483668" r:id="rId9"/>
+    <p:sldLayoutId id="2147483669" r:id="rId10"/>
+    <p:sldLayoutId id="2147483670" r:id="rId11"/>
+    <p:sldLayoutId id="2147483671" r:id="rId12"/>
+    <p:sldLayoutId id="2147483672" r:id="rId13"/>
+    <p:sldLayoutId id="2147483673" r:id="rId14"/>
   </p:sldLayoutIdLst>
 </p:sldMaster>
 </file>
@@ -5074,14 +3025,14 @@
       </p:grpSpPr>
       <p:sp>
         <p:nvSpPr>
-          <p:cNvPr id="142" name="CustomShape 1"/>
+          <p:cNvPr id="79" name="CustomShape 1"/>
           <p:cNvSpPr/>
           <p:nvPr/>
         </p:nvSpPr>
         <p:spPr>
           <a:xfrm>
             <a:off x="3705120" y="1574280"/>
-            <a:ext cx="4969800" cy="4068720"/>
+            <a:ext cx="4969440" cy="4068360"/>
           </a:xfrm>
           <a:prstGeom prst="rect">
             <a:avLst/>
@@ -5102,7 +3053,7 @@
             <a:r>
               <a:rPr b="1" lang="pl-PL" sz="3200">
                 <a:solidFill>
-                  <a:srgbClr val="ffffff"/>
+                  <a:srgbClr val="000000"/>
                 </a:solidFill>
                 <a:latin typeface="Arial"/>
               </a:rPr>
@@ -5119,7 +3070,7 @@
             <a:r>
               <a:rPr lang="pl-PL" sz="1400">
                 <a:solidFill>
-                  <a:srgbClr val="ffffff"/>
+                  <a:srgbClr val="000000"/>
                 </a:solidFill>
                 <a:latin typeface="Arial"/>
               </a:rPr>
@@ -5136,7 +3087,7 @@
             <a:r>
               <a:rPr lang="pl-PL" sz="1400">
                 <a:solidFill>
-                  <a:srgbClr val="ffffff"/>
+                  <a:srgbClr val="000000"/>
                 </a:solidFill>
                 <a:latin typeface="Arial"/>
               </a:rPr>
@@ -5153,7 +3104,7 @@
             <a:r>
               <a:rPr lang="pl-PL" sz="1400">
                 <a:solidFill>
-                  <a:srgbClr val="ffffff"/>
+                  <a:srgbClr val="000000"/>
                 </a:solidFill>
                 <a:latin typeface="Arial"/>
               </a:rPr>
@@ -5161,18 +3112,26 @@
             </a:r>
             <a:endParaRPr/>
           </a:p>
-        </p:txBody>
-      </p:sp>
-      <p:sp>
-        <p:nvSpPr>
-          <p:cNvPr id="143" name="CustomShape 2"/>
+          <a:p>
+            <a:pPr>
+              <a:lnSpc>
+                <a:spcPct val="100000"/>
+              </a:lnSpc>
+            </a:pPr>
+            <a:endParaRPr/>
+          </a:p>
+        </p:txBody>
+      </p:sp>
+      <p:sp>
+        <p:nvSpPr>
+          <p:cNvPr id="80" name="CustomShape 2"/>
           <p:cNvSpPr/>
           <p:nvPr/>
         </p:nvSpPr>
         <p:spPr>
           <a:xfrm>
             <a:off x="4267080" y="4771440"/>
-            <a:ext cx="4407840" cy="329400"/>
+            <a:ext cx="4407480" cy="329040"/>
           </a:xfrm>
           <a:prstGeom prst="rect">
             <a:avLst/>
@@ -5205,48 +3164,43 @@
       </p:sp>
       <p:sp>
         <p:nvSpPr>
-          <p:cNvPr id="144" name="TextShape 3"/>
-          <p:cNvSpPr txBox="1"/>
+          <p:cNvPr id="81" name="CustomShape 3"/>
+          <p:cNvSpPr/>
           <p:nvPr/>
         </p:nvSpPr>
         <p:spPr>
           <a:xfrm>
             <a:off x="457200" y="522360"/>
-            <a:ext cx="6531480" cy="653040"/>
-          </a:xfrm>
-          <a:prstGeom prst="rect">
-            <a:avLst/>
-          </a:prstGeom>
-        </p:spPr>
-        <p:txBody>
-          <a:bodyPr wrap="none" lIns="0" rIns="0" tIns="0" bIns="0" anchor="ctr"/>
-          <a:p>
-            <a:endParaRPr/>
-          </a:p>
-        </p:txBody>
-      </p:sp>
-      <p:sp>
-        <p:nvSpPr>
-          <p:cNvPr id="145" name="TextShape 4"/>
-          <p:cNvSpPr txBox="1"/>
+            <a:ext cx="6531120" cy="652680"/>
+          </a:xfrm>
+          <a:prstGeom prst="rect">
+            <a:avLst/>
+          </a:prstGeom>
+          <a:noFill/>
+          <a:ln>
+            <a:noFill/>
+          </a:ln>
+        </p:spPr>
+      </p:sp>
+      <p:sp>
+        <p:nvSpPr>
+          <p:cNvPr id="82" name="CustomShape 4"/>
+          <p:cNvSpPr/>
           <p:nvPr/>
         </p:nvSpPr>
         <p:spPr>
           <a:xfrm>
             <a:off x="457200" y="1632600"/>
-            <a:ext cx="8229600" cy="3977280"/>
-          </a:xfrm>
-          <a:prstGeom prst="rect">
-            <a:avLst/>
-          </a:prstGeom>
-        </p:spPr>
-        <p:txBody>
-          <a:bodyPr wrap="none" lIns="0" rIns="0" tIns="0" bIns="0" anchor="ctr"/>
-          <a:p>
-            <a:pPr algn="ctr"/>
-            <a:endParaRPr/>
-          </a:p>
-        </p:txBody>
+            <a:ext cx="8229240" cy="3976920"/>
+          </a:xfrm>
+          <a:prstGeom prst="rect">
+            <a:avLst/>
+          </a:prstGeom>
+          <a:noFill/>
+          <a:ln>
+            <a:noFill/>
+          </a:ln>
+        </p:spPr>
       </p:sp>
     </p:spTree>
   </p:cSld>
@@ -5299,14 +3253,14 @@
       </p:grpSpPr>
       <p:sp>
         <p:nvSpPr>
-          <p:cNvPr id="186" name="CustomShape 1"/>
+          <p:cNvPr id="123" name="CustomShape 1"/>
           <p:cNvSpPr/>
           <p:nvPr/>
         </p:nvSpPr>
         <p:spPr>
           <a:xfrm>
             <a:off x="285840" y="362880"/>
-            <a:ext cx="6786000" cy="553320"/>
+            <a:ext cx="6785640" cy="552960"/>
           </a:xfrm>
           <a:prstGeom prst="rect">
             <a:avLst/>
@@ -5334,14 +3288,14 @@
       </p:sp>
       <p:sp>
         <p:nvSpPr>
-          <p:cNvPr id="187" name="CustomShape 2"/>
+          <p:cNvPr id="124" name="CustomShape 2"/>
           <p:cNvSpPr/>
           <p:nvPr/>
         </p:nvSpPr>
         <p:spPr>
           <a:xfrm>
             <a:off x="285840" y="1000080"/>
-            <a:ext cx="8857440" cy="4517280"/>
+            <a:ext cx="8857080" cy="4516920"/>
           </a:xfrm>
           <a:prstGeom prst="rect">
             <a:avLst/>
@@ -5421,14 +3375,14 @@
       </p:sp>
       <p:sp>
         <p:nvSpPr>
-          <p:cNvPr id="188" name="CustomShape 3"/>
+          <p:cNvPr id="125" name="CustomShape 3"/>
           <p:cNvSpPr/>
           <p:nvPr/>
         </p:nvSpPr>
         <p:spPr>
           <a:xfrm>
             <a:off x="755640" y="1701000"/>
-            <a:ext cx="7632360" cy="4104000"/>
+            <a:ext cx="7632000" cy="4103640"/>
           </a:xfrm>
           <a:prstGeom prst="rect">
             <a:avLst/>
@@ -5441,14 +3395,14 @@
       </p:sp>
       <p:sp>
         <p:nvSpPr>
-          <p:cNvPr id="189" name="CustomShape 4"/>
+          <p:cNvPr id="126" name="CustomShape 4"/>
           <p:cNvSpPr/>
           <p:nvPr/>
         </p:nvSpPr>
         <p:spPr>
           <a:xfrm>
             <a:off x="756000" y="1341000"/>
-            <a:ext cx="5400000" cy="4680000"/>
+            <a:ext cx="5399640" cy="4679640"/>
           </a:xfrm>
           <a:prstGeom prst="rect">
             <a:avLst/>
@@ -5632,7 +3586,7 @@
       </p:sp>
       <p:pic>
         <p:nvPicPr>
-          <p:cNvPr id="190" name="Picture 1" descr=""/>
+          <p:cNvPr id="127" name="Picture 1" descr=""/>
           <p:cNvPicPr/>
           <p:nvPr/>
         </p:nvPicPr>
@@ -5645,7 +3599,7 @@
         <p:spPr>
           <a:xfrm>
             <a:off x="4428360" y="2053080"/>
-            <a:ext cx="4427280" cy="3031560"/>
+            <a:ext cx="4426920" cy="3031200"/>
           </a:xfrm>
           <a:prstGeom prst="rect">
             <a:avLst/>
@@ -5657,7 +3611,7 @@
       </p:pic>
       <p:pic>
         <p:nvPicPr>
-          <p:cNvPr id="191" name="Picture 1" descr=""/>
+          <p:cNvPr id="128" name="Picture 1" descr=""/>
           <p:cNvPicPr/>
           <p:nvPr/>
         </p:nvPicPr>
@@ -5670,7 +3624,7 @@
         <p:spPr>
           <a:xfrm>
             <a:off x="4428360" y="2053080"/>
-            <a:ext cx="4427280" cy="3031560"/>
+            <a:ext cx="4426920" cy="3031200"/>
           </a:xfrm>
           <a:prstGeom prst="rect">
             <a:avLst/>
@@ -5682,7 +3636,7 @@
       </p:pic>
       <p:pic>
         <p:nvPicPr>
-          <p:cNvPr id="192" name="Picture 1" descr=""/>
+          <p:cNvPr id="129" name="Picture 1" descr=""/>
           <p:cNvPicPr/>
           <p:nvPr/>
         </p:nvPicPr>
@@ -5695,7 +3649,7 @@
         <p:spPr>
           <a:xfrm>
             <a:off x="4428360" y="2053080"/>
-            <a:ext cx="4427280" cy="3031560"/>
+            <a:ext cx="4426920" cy="3031200"/>
           </a:xfrm>
           <a:prstGeom prst="rect">
             <a:avLst/>
@@ -5707,14 +3661,14 @@
       </p:pic>
       <p:sp>
         <p:nvSpPr>
-          <p:cNvPr id="193" name="CustomShape 5"/>
+          <p:cNvPr id="130" name="CustomShape 5"/>
           <p:cNvSpPr/>
           <p:nvPr/>
         </p:nvSpPr>
         <p:spPr>
           <a:xfrm>
             <a:off x="899640" y="5301720"/>
-            <a:ext cx="7272360" cy="719280"/>
+            <a:ext cx="7272000" cy="718920"/>
           </a:xfrm>
           <a:prstGeom prst="rect">
             <a:avLst/>
@@ -5802,14 +3756,14 @@
       </p:grpSpPr>
       <p:sp>
         <p:nvSpPr>
-          <p:cNvPr id="194" name="CustomShape 1"/>
+          <p:cNvPr id="131" name="CustomShape 1"/>
           <p:cNvSpPr/>
           <p:nvPr/>
         </p:nvSpPr>
         <p:spPr>
           <a:xfrm>
             <a:off x="285840" y="362880"/>
-            <a:ext cx="6786000" cy="553320"/>
+            <a:ext cx="6785640" cy="552960"/>
           </a:xfrm>
           <a:prstGeom prst="rect">
             <a:avLst/>
@@ -5837,14 +3791,14 @@
       </p:sp>
       <p:sp>
         <p:nvSpPr>
-          <p:cNvPr id="195" name="CustomShape 2"/>
+          <p:cNvPr id="132" name="CustomShape 2"/>
           <p:cNvSpPr/>
           <p:nvPr/>
         </p:nvSpPr>
         <p:spPr>
           <a:xfrm>
             <a:off x="285840" y="1000080"/>
-            <a:ext cx="8857440" cy="4517280"/>
+            <a:ext cx="8857080" cy="4516920"/>
           </a:xfrm>
           <a:prstGeom prst="rect">
             <a:avLst/>
@@ -5924,14 +3878,14 @@
       </p:sp>
       <p:sp>
         <p:nvSpPr>
-          <p:cNvPr id="196" name="CustomShape 3"/>
+          <p:cNvPr id="133" name="CustomShape 3"/>
           <p:cNvSpPr/>
           <p:nvPr/>
         </p:nvSpPr>
         <p:spPr>
           <a:xfrm>
             <a:off x="755640" y="1701000"/>
-            <a:ext cx="7632360" cy="4104000"/>
+            <a:ext cx="7632000" cy="4103640"/>
           </a:xfrm>
           <a:prstGeom prst="rect">
             <a:avLst/>
@@ -5944,14 +3898,14 @@
       </p:sp>
       <p:sp>
         <p:nvSpPr>
-          <p:cNvPr id="197" name="CustomShape 4"/>
+          <p:cNvPr id="134" name="CustomShape 4"/>
           <p:cNvSpPr/>
           <p:nvPr/>
         </p:nvSpPr>
         <p:spPr>
           <a:xfrm>
             <a:off x="755640" y="1268640"/>
-            <a:ext cx="7632360" cy="3743640"/>
+            <a:ext cx="7632000" cy="3743280"/>
           </a:xfrm>
           <a:prstGeom prst="rect">
             <a:avLst/>
@@ -5964,14 +3918,14 @@
       </p:sp>
       <p:sp>
         <p:nvSpPr>
-          <p:cNvPr id="198" name="CustomShape 5"/>
+          <p:cNvPr id="135" name="CustomShape 5"/>
           <p:cNvSpPr/>
           <p:nvPr/>
         </p:nvSpPr>
         <p:spPr>
           <a:xfrm>
             <a:off x="755640" y="1268640"/>
-            <a:ext cx="7632360" cy="3743640"/>
+            <a:ext cx="7632000" cy="3743280"/>
           </a:xfrm>
           <a:prstGeom prst="rect">
             <a:avLst/>
@@ -5984,14 +3938,14 @@
       </p:sp>
       <p:sp>
         <p:nvSpPr>
-          <p:cNvPr id="199" name="CustomShape 6"/>
+          <p:cNvPr id="136" name="CustomShape 6"/>
           <p:cNvSpPr/>
           <p:nvPr/>
         </p:nvSpPr>
         <p:spPr>
           <a:xfrm>
             <a:off x="899640" y="5301720"/>
-            <a:ext cx="7272360" cy="719280"/>
+            <a:ext cx="7272000" cy="718920"/>
           </a:xfrm>
           <a:prstGeom prst="rect">
             <a:avLst/>
@@ -6030,14 +3984,14 @@
       </p:sp>
       <p:sp>
         <p:nvSpPr>
-          <p:cNvPr id="200" name="CustomShape 7"/>
+          <p:cNvPr id="137" name="CustomShape 7"/>
           <p:cNvSpPr/>
           <p:nvPr/>
         </p:nvSpPr>
         <p:spPr>
           <a:xfrm>
             <a:off x="792000" y="1368000"/>
-            <a:ext cx="7632720" cy="3744000"/>
+            <a:ext cx="7632360" cy="3743640"/>
           </a:xfrm>
           <a:prstGeom prst="rect">
             <a:avLst/>
@@ -6055,7 +4009,7 @@
                 <a:spcPct val="90000"/>
               </a:lnSpc>
               <a:buFont typeface="StarSymbol"/>
-              <a:buChar char=""/>
+              <a:buChar char="l"/>
             </a:pPr>
             <a:r>
               <a:rPr lang="pl-PL" sz="2000">
@@ -6083,7 +4037,7 @@
                 <a:spcPct val="90000"/>
               </a:lnSpc>
               <a:buFont typeface="StarSymbol"/>
-              <a:buChar char=""/>
+              <a:buChar char="l"/>
             </a:pPr>
             <a:r>
               <a:rPr lang="pl-PL" sz="2000">
@@ -6111,7 +4065,7 @@
                 <a:spcPct val="90000"/>
               </a:lnSpc>
               <a:buFont typeface="StarSymbol"/>
-              <a:buChar char=""/>
+              <a:buChar char="l"/>
             </a:pPr>
             <a:r>
               <a:rPr lang="pl-PL" sz="2000">
@@ -6131,7 +4085,7 @@
                 <a:spcPct val="90000"/>
               </a:lnSpc>
               <a:buFont typeface="StarSymbol"/>
-              <a:buChar char=""/>
+              <a:buChar char="l"/>
             </a:pPr>
             <a:r>
               <a:rPr lang="pl-PL" sz="2000">
@@ -6151,7 +4105,7 @@
                 <a:spcPct val="90000"/>
               </a:lnSpc>
               <a:buFont typeface="StarSymbol"/>
-              <a:buChar char=""/>
+              <a:buChar char="l"/>
             </a:pPr>
             <a:r>
               <a:rPr lang="pl-PL" sz="2000">
@@ -6171,7 +4125,7 @@
                 <a:spcPct val="90000"/>
               </a:lnSpc>
               <a:buFont typeface="StarSymbol"/>
-              <a:buChar char=""/>
+              <a:buChar char="l"/>
             </a:pPr>
             <a:r>
               <a:rPr lang="pl-PL" sz="2000">
@@ -6181,7 +4135,7 @@
                 <a:latin typeface="Arial"/>
                 <a:ea typeface="ＭＳ Ｐゴシック"/>
               </a:rPr>
-              <a:t>Changes easy to implement </a:t>
+              <a:t>Changes easy to implement</a:t>
             </a:r>
             <a:endParaRPr/>
           </a:p>
@@ -6199,7 +4153,7 @@
                 <a:spcPct val="90000"/>
               </a:lnSpc>
               <a:buFont typeface="StarSymbol"/>
-              <a:buChar char=""/>
+              <a:buChar char="l"/>
             </a:pPr>
             <a:r>
               <a:rPr b="1" lang="pl-PL" sz="2000">
@@ -6209,7 +4163,7 @@
                 <a:latin typeface="Arial"/>
                 <a:ea typeface="ＭＳ Ｐゴシック"/>
               </a:rPr>
-              <a:t>Analyse and design </a:t>
+              <a:t>Analyse and design</a:t>
             </a:r>
             <a:r>
               <a:rPr lang="pl-PL" sz="2000">
@@ -6316,14 +4270,14 @@
       </p:grpSpPr>
       <p:sp>
         <p:nvSpPr>
-          <p:cNvPr id="201" name="CustomShape 1"/>
+          <p:cNvPr id="138" name="CustomShape 1"/>
           <p:cNvSpPr/>
           <p:nvPr/>
         </p:nvSpPr>
         <p:spPr>
           <a:xfrm>
             <a:off x="285840" y="362880"/>
-            <a:ext cx="6786000" cy="553320"/>
+            <a:ext cx="6785640" cy="552960"/>
           </a:xfrm>
           <a:prstGeom prst="rect">
             <a:avLst/>
@@ -6351,14 +4305,14 @@
       </p:sp>
       <p:sp>
         <p:nvSpPr>
-          <p:cNvPr id="202" name="CustomShape 2"/>
+          <p:cNvPr id="139" name="CustomShape 2"/>
           <p:cNvSpPr/>
           <p:nvPr/>
         </p:nvSpPr>
         <p:spPr>
           <a:xfrm>
             <a:off x="285840" y="1000080"/>
-            <a:ext cx="8857440" cy="4517280"/>
+            <a:ext cx="8857080" cy="4516920"/>
           </a:xfrm>
           <a:prstGeom prst="rect">
             <a:avLst/>
@@ -6438,14 +4392,14 @@
       </p:sp>
       <p:sp>
         <p:nvSpPr>
-          <p:cNvPr id="203" name="CustomShape 3"/>
+          <p:cNvPr id="140" name="CustomShape 3"/>
           <p:cNvSpPr/>
           <p:nvPr/>
         </p:nvSpPr>
         <p:spPr>
           <a:xfrm>
             <a:off x="755640" y="1701000"/>
-            <a:ext cx="7632360" cy="4104000"/>
+            <a:ext cx="7632000" cy="4103640"/>
           </a:xfrm>
           <a:prstGeom prst="rect">
             <a:avLst/>
@@ -6458,14 +4412,14 @@
       </p:sp>
       <p:sp>
         <p:nvSpPr>
-          <p:cNvPr id="204" name="CustomShape 4"/>
+          <p:cNvPr id="141" name="CustomShape 4"/>
           <p:cNvSpPr/>
           <p:nvPr/>
         </p:nvSpPr>
         <p:spPr>
           <a:xfrm>
             <a:off x="2917080" y="2322720"/>
-            <a:ext cx="3340080" cy="3314520"/>
+            <a:ext cx="3339720" cy="3314160"/>
           </a:xfrm>
           <a:prstGeom prst="ellipse">
             <a:avLst/>
@@ -6480,14 +4434,14 @@
       </p:sp>
       <p:sp>
         <p:nvSpPr>
-          <p:cNvPr id="205" name="CustomShape 5"/>
+          <p:cNvPr id="142" name="CustomShape 5"/>
           <p:cNvSpPr/>
           <p:nvPr/>
         </p:nvSpPr>
         <p:spPr>
-          <a:xfrm flipH="1" rot="7200600">
-            <a:off x="2604600" y="3513240"/>
-            <a:ext cx="1726920" cy="2268000"/>
+          <a:xfrm flipH="1" rot="7200000">
+            <a:off x="2602080" y="3512880"/>
+            <a:ext cx="1726560" cy="2266920"/>
           </a:xfrm>
           <a:prstGeom prst="downArrow">
             <a:avLst>
@@ -6508,14 +4462,14 @@
       </p:sp>
       <p:sp>
         <p:nvSpPr>
-          <p:cNvPr id="206" name="CustomShape 6"/>
+          <p:cNvPr id="143" name="CustomShape 6"/>
           <p:cNvSpPr/>
           <p:nvPr/>
         </p:nvSpPr>
         <p:spPr>
           <a:xfrm rot="7200000">
-            <a:off x="4827240" y="3519720"/>
-            <a:ext cx="1726920" cy="2241720"/>
+            <a:off x="4827600" y="3519720"/>
+            <a:ext cx="1726560" cy="2241360"/>
           </a:xfrm>
           <a:prstGeom prst="downArrow">
             <a:avLst>
@@ -6536,14 +4490,14 @@
       </p:sp>
       <p:sp>
         <p:nvSpPr>
-          <p:cNvPr id="207" name="CustomShape 7"/>
+          <p:cNvPr id="144" name="CustomShape 7"/>
           <p:cNvSpPr/>
           <p:nvPr/>
         </p:nvSpPr>
         <p:spPr>
           <a:xfrm>
             <a:off x="3722040" y="1636920"/>
-            <a:ext cx="1726920" cy="2214360"/>
+            <a:ext cx="1726560" cy="2214000"/>
           </a:xfrm>
           <a:prstGeom prst="downArrow">
             <a:avLst>
@@ -6585,14 +4539,14 @@
       </p:sp>
       <p:sp>
         <p:nvSpPr>
-          <p:cNvPr id="208" name="CustomShape 8"/>
+          <p:cNvPr id="145" name="CustomShape 8"/>
           <p:cNvSpPr/>
           <p:nvPr/>
         </p:nvSpPr>
         <p:spPr>
           <a:xfrm>
             <a:off x="2424960" y="4551840"/>
-            <a:ext cx="1800000" cy="309600"/>
+            <a:ext cx="1799640" cy="309240"/>
           </a:xfrm>
           <a:prstGeom prst="rect">
             <a:avLst/>
@@ -6626,14 +4580,14 @@
       </p:sp>
       <p:sp>
         <p:nvSpPr>
-          <p:cNvPr id="209" name="CustomShape 9"/>
+          <p:cNvPr id="146" name="CustomShape 9"/>
           <p:cNvSpPr/>
           <p:nvPr/>
         </p:nvSpPr>
         <p:spPr>
           <a:xfrm>
             <a:off x="4946040" y="4551840"/>
-            <a:ext cx="1800000" cy="309600"/>
+            <a:ext cx="1799640" cy="309240"/>
           </a:xfrm>
           <a:prstGeom prst="rect">
             <a:avLst/>
@@ -6716,14 +4670,14 @@
       </p:grpSpPr>
       <p:sp>
         <p:nvSpPr>
-          <p:cNvPr id="210" name="CustomShape 1"/>
+          <p:cNvPr id="147" name="CustomShape 1"/>
           <p:cNvSpPr/>
           <p:nvPr/>
         </p:nvSpPr>
         <p:spPr>
           <a:xfrm>
             <a:off x="285840" y="362880"/>
-            <a:ext cx="6786000" cy="553320"/>
+            <a:ext cx="6785640" cy="552960"/>
           </a:xfrm>
           <a:prstGeom prst="rect">
             <a:avLst/>
@@ -6760,14 +4714,14 @@
       </p:sp>
       <p:sp>
         <p:nvSpPr>
-          <p:cNvPr id="211" name="CustomShape 2"/>
+          <p:cNvPr id="148" name="CustomShape 2"/>
           <p:cNvSpPr/>
           <p:nvPr/>
         </p:nvSpPr>
         <p:spPr>
           <a:xfrm>
             <a:off x="285840" y="1000080"/>
-            <a:ext cx="8857440" cy="4517280"/>
+            <a:ext cx="8857080" cy="4516920"/>
           </a:xfrm>
           <a:prstGeom prst="rect">
             <a:avLst/>
@@ -6847,14 +4801,14 @@
       </p:sp>
       <p:sp>
         <p:nvSpPr>
-          <p:cNvPr id="212" name="CustomShape 3"/>
+          <p:cNvPr id="149" name="CustomShape 3"/>
           <p:cNvSpPr/>
           <p:nvPr/>
         </p:nvSpPr>
         <p:spPr>
           <a:xfrm>
             <a:off x="755640" y="1701000"/>
-            <a:ext cx="7632360" cy="4104000"/>
+            <a:ext cx="7632000" cy="4103640"/>
           </a:xfrm>
           <a:prstGeom prst="rect">
             <a:avLst/>
@@ -6867,14 +4821,14 @@
       </p:sp>
       <p:sp>
         <p:nvSpPr>
-          <p:cNvPr id="213" name="CustomShape 4"/>
+          <p:cNvPr id="150" name="CustomShape 4"/>
           <p:cNvSpPr/>
           <p:nvPr/>
         </p:nvSpPr>
         <p:spPr>
           <a:xfrm>
             <a:off x="478800" y="2160000"/>
-            <a:ext cx="4273200" cy="2736000"/>
+            <a:ext cx="4272840" cy="2735640"/>
           </a:xfrm>
           <a:prstGeom prst="rect">
             <a:avLst/>
@@ -6892,7 +4846,7 @@
                 <a:spcPct val="90000"/>
               </a:lnSpc>
               <a:buFont typeface="StarSymbol"/>
-              <a:buChar char=""/>
+              <a:buChar char="l"/>
             </a:pPr>
             <a:r>
               <a:rPr lang="pl-PL" sz="2000">
@@ -6902,8 +4856,26 @@
                 <a:latin typeface="Arial"/>
                 <a:ea typeface="ＭＳ Ｐゴシック"/>
               </a:rPr>
-              <a:t>Common mental mode l= effective</a:t>
-            </a:r>
+              <a:t>Common mental mode l= effectivecommunications</a:t>
+            </a:r>
+            <a:endParaRPr/>
+          </a:p>
+          <a:p>
+            <a:pPr>
+              <a:lnSpc>
+                <a:spcPct val="90000"/>
+              </a:lnSpc>
+            </a:pPr>
+            <a:endParaRPr/>
+          </a:p>
+          <a:p>
+            <a:pPr lvl="2">
+              <a:lnSpc>
+                <a:spcPct val="90000"/>
+              </a:lnSpc>
+              <a:buFont typeface="StarSymbol"/>
+              <a:buChar char="l"/>
+            </a:pPr>
             <a:r>
               <a:rPr lang="pl-PL" sz="2000">
                 <a:solidFill>
@@ -6912,18 +4884,7 @@
                 <a:latin typeface="Arial"/>
                 <a:ea typeface="ＭＳ Ｐゴシック"/>
               </a:rPr>
-              <a:t>
-</a:t>
-            </a:r>
-            <a:r>
-              <a:rPr lang="pl-PL" sz="2000">
-                <a:solidFill>
-                  <a:srgbClr val="000000"/>
-                </a:solidFill>
-                <a:latin typeface="Arial"/>
-                <a:ea typeface="ＭＳ Ｐゴシック"/>
-              </a:rPr>
-              <a:t>communications</a:t>
+              <a:t>Worked out and used by everyone in team(domain expert, analyst, developer, tester)</a:t>
             </a:r>
             <a:endParaRPr/>
           </a:p>
@@ -6941,35 +4902,7 @@
                 <a:spcPct val="90000"/>
               </a:lnSpc>
               <a:buFont typeface="StarSymbol"/>
-              <a:buChar char=""/>
-            </a:pPr>
-            <a:r>
-              <a:rPr lang="pl-PL" sz="2000">
-                <a:solidFill>
-                  <a:srgbClr val="000000"/>
-                </a:solidFill>
-                <a:latin typeface="Arial"/>
-                <a:ea typeface="ＭＳ Ｐゴシック"/>
-              </a:rPr>
-              <a:t>Worked out and used by everyone in team(domain expert, analyst, developer, tester)</a:t>
-            </a:r>
-            <a:endParaRPr/>
-          </a:p>
-          <a:p>
-            <a:pPr>
-              <a:lnSpc>
-                <a:spcPct val="90000"/>
-              </a:lnSpc>
-            </a:pPr>
-            <a:endParaRPr/>
-          </a:p>
-          <a:p>
-            <a:pPr lvl="2">
-              <a:lnSpc>
-                <a:spcPct val="90000"/>
-              </a:lnSpc>
-              <a:buFont typeface="StarSymbol"/>
-              <a:buChar char=""/>
+              <a:buChar char="l"/>
             </a:pPr>
             <a:r>
               <a:rPr lang="pl-PL" sz="2000">
@@ -7035,7 +4968,7 @@
       </p:sp>
       <p:pic>
         <p:nvPicPr>
-          <p:cNvPr id="214" name="Picture 9" descr=""/>
+          <p:cNvPr id="151" name="Picture 9" descr=""/>
           <p:cNvPicPr/>
           <p:nvPr/>
         </p:nvPicPr>
@@ -7048,7 +4981,7 @@
         <p:spPr>
           <a:xfrm>
             <a:off x="4824000" y="1827360"/>
-            <a:ext cx="3755160" cy="3788640"/>
+            <a:ext cx="3754800" cy="3788280"/>
           </a:xfrm>
           <a:prstGeom prst="rect">
             <a:avLst/>
@@ -7109,14 +5042,14 @@
       </p:grpSpPr>
       <p:sp>
         <p:nvSpPr>
-          <p:cNvPr id="215" name="CustomShape 1"/>
+          <p:cNvPr id="152" name="CustomShape 1"/>
           <p:cNvSpPr/>
           <p:nvPr/>
         </p:nvSpPr>
         <p:spPr>
           <a:xfrm>
             <a:off x="285840" y="362880"/>
-            <a:ext cx="6786000" cy="553320"/>
+            <a:ext cx="6785640" cy="552960"/>
           </a:xfrm>
           <a:prstGeom prst="rect">
             <a:avLst/>
@@ -7144,14 +5077,14 @@
       </p:sp>
       <p:sp>
         <p:nvSpPr>
-          <p:cNvPr id="216" name="CustomShape 2"/>
+          <p:cNvPr id="153" name="CustomShape 2"/>
           <p:cNvSpPr/>
           <p:nvPr/>
         </p:nvSpPr>
         <p:spPr>
           <a:xfrm>
             <a:off x="285840" y="1000080"/>
-            <a:ext cx="8857440" cy="4517280"/>
+            <a:ext cx="8857080" cy="4516920"/>
           </a:xfrm>
           <a:prstGeom prst="rect">
             <a:avLst/>
@@ -7231,14 +5164,14 @@
       </p:sp>
       <p:sp>
         <p:nvSpPr>
-          <p:cNvPr id="217" name="CustomShape 3"/>
+          <p:cNvPr id="154" name="CustomShape 3"/>
           <p:cNvSpPr/>
           <p:nvPr/>
         </p:nvSpPr>
         <p:spPr>
           <a:xfrm>
             <a:off x="755640" y="1701000"/>
-            <a:ext cx="7632360" cy="4104000"/>
+            <a:ext cx="7632000" cy="4103640"/>
           </a:xfrm>
           <a:prstGeom prst="rect">
             <a:avLst/>
@@ -7251,14 +5184,14 @@
       </p:sp>
       <p:sp>
         <p:nvSpPr>
-          <p:cNvPr id="218" name="CustomShape 4"/>
+          <p:cNvPr id="155" name="CustomShape 4"/>
           <p:cNvSpPr/>
           <p:nvPr/>
         </p:nvSpPr>
         <p:spPr>
           <a:xfrm>
             <a:off x="432000" y="1572120"/>
-            <a:ext cx="2071440" cy="4521240"/>
+            <a:ext cx="2071080" cy="4520880"/>
           </a:xfrm>
           <a:prstGeom prst="rect">
             <a:avLst/>
@@ -7273,14 +5206,14 @@
       </p:sp>
       <p:sp>
         <p:nvSpPr>
-          <p:cNvPr id="219" name="CustomShape 5"/>
+          <p:cNvPr id="156" name="CustomShape 5"/>
           <p:cNvSpPr/>
           <p:nvPr/>
         </p:nvSpPr>
         <p:spPr>
           <a:xfrm>
             <a:off x="758880" y="1701000"/>
-            <a:ext cx="2520720" cy="713880"/>
+            <a:ext cx="2520360" cy="713520"/>
           </a:xfrm>
           <a:prstGeom prst="homePlate">
             <a:avLst>
@@ -7321,14 +5254,14 @@
       </p:sp>
       <p:sp>
         <p:nvSpPr>
-          <p:cNvPr id="220" name="CustomShape 6"/>
+          <p:cNvPr id="157" name="CustomShape 6"/>
           <p:cNvSpPr/>
           <p:nvPr/>
         </p:nvSpPr>
         <p:spPr>
           <a:xfrm>
             <a:off x="720000" y="3528000"/>
-            <a:ext cx="2520720" cy="713880"/>
+            <a:ext cx="2520360" cy="713520"/>
           </a:xfrm>
           <a:prstGeom prst="homePlate">
             <a:avLst>
@@ -7369,14 +5302,14 @@
       </p:sp>
       <p:sp>
         <p:nvSpPr>
-          <p:cNvPr id="221" name="CustomShape 7"/>
+          <p:cNvPr id="158" name="CustomShape 7"/>
           <p:cNvSpPr/>
           <p:nvPr/>
         </p:nvSpPr>
         <p:spPr>
           <a:xfrm>
             <a:off x="758880" y="5091480"/>
-            <a:ext cx="2520720" cy="713880"/>
+            <a:ext cx="2520360" cy="713520"/>
           </a:xfrm>
           <a:prstGeom prst="homePlate">
             <a:avLst>
@@ -7417,14 +5350,14 @@
       </p:sp>
       <p:sp>
         <p:nvSpPr>
-          <p:cNvPr id="222" name="CustomShape 8"/>
+          <p:cNvPr id="159" name="CustomShape 8"/>
           <p:cNvSpPr/>
           <p:nvPr/>
         </p:nvSpPr>
         <p:spPr>
           <a:xfrm>
             <a:off x="3384000" y="1656000"/>
-            <a:ext cx="5214600" cy="1656000"/>
+            <a:ext cx="5214240" cy="1655640"/>
           </a:xfrm>
           <a:prstGeom prst="rect">
             <a:avLst/>
@@ -7442,7 +5375,7 @@
                 <a:spcPct val="90000"/>
               </a:lnSpc>
               <a:buFont typeface="StarSymbol"/>
-              <a:buChar char=""/>
+              <a:buChar char="l"/>
             </a:pPr>
             <a:r>
               <a:rPr lang="pl-PL" sz="1400">
@@ -7452,18 +5385,58 @@
                 <a:latin typeface="Arial"/>
                 <a:ea typeface="ＭＳ Ｐゴシック"/>
               </a:rPr>
-              <a:t>Main reason why we </a:t>
-            </a:r>
-            <a:r>
-              <a:rPr lang="en-US" sz="1400">
+              <a:t>Main reason why wecreatesystem, main businessvalue.</a:t>
+            </a:r>
+            <a:endParaRPr/>
+          </a:p>
+          <a:p>
+            <a:pPr lvl="2">
+              <a:lnSpc>
+                <a:spcPct val="90000"/>
+              </a:lnSpc>
+              <a:buFont typeface="StarSymbol"/>
+              <a:buChar char="l"/>
+            </a:pPr>
+            <a:r>
+              <a:rPr lang="pl-PL" sz="1400">
                 <a:solidFill>
                   <a:srgbClr val="000000"/>
                 </a:solidFill>
                 <a:latin typeface="Arial"/>
                 <a:ea typeface="ＭＳ Ｐゴシック"/>
               </a:rPr>
-              <a:t>create</a:t>
-            </a:r>
+              <a:t>This is what distinguish company from competitors.</a:t>
+            </a:r>
+            <a:endParaRPr/>
+          </a:p>
+          <a:p>
+            <a:pPr lvl="2">
+              <a:lnSpc>
+                <a:spcPct val="90000"/>
+              </a:lnSpc>
+              <a:buFont typeface="StarSymbol"/>
+              <a:buChar char="l"/>
+            </a:pPr>
+            <a:r>
+              <a:rPr b="1" lang="pl-PL" sz="1400">
+                <a:solidFill>
+                  <a:srgbClr val="000000"/>
+                </a:solidFill>
+                <a:latin typeface="Arial"/>
+                <a:ea typeface="ＭＳ Ｐゴシック"/>
+              </a:rPr>
+              <a:t>We makehereDDD:</a:t>
+            </a:r>
+            <a:endParaRPr/>
+          </a:p>
+          <a:p>
+            <a:pPr lvl="3">
+              <a:lnSpc>
+                <a:spcPct val="90000"/>
+              </a:lnSpc>
+              <a:buFont typeface="StarSymbol"/>
+              <a:buChar char="l"/>
+            </a:pPr>
             <a:r>
               <a:rPr lang="pl-PL" sz="1400">
                 <a:solidFill>
@@ -7472,136 +5445,46 @@
                 <a:latin typeface="Arial"/>
                 <a:ea typeface="ＭＳ Ｐゴシック"/>
               </a:rPr>
-              <a:t> system, main business </a:t>
-            </a:r>
-            <a:r>
-              <a:rPr lang="en-US" sz="1400">
+              <a:t>Detailed analyse, business archetypes, design patterns, testability…</a:t>
+            </a:r>
+            <a:endParaRPr/>
+          </a:p>
+          <a:p>
+            <a:pPr lvl="3">
+              <a:lnSpc>
+                <a:spcPct val="90000"/>
+              </a:lnSpc>
+              <a:buFont typeface="StarSymbol"/>
+              <a:buChar char="l"/>
+            </a:pPr>
+            <a:r>
+              <a:rPr lang="pl-PL" sz="1400">
                 <a:solidFill>
                   <a:srgbClr val="000000"/>
                 </a:solidFill>
                 <a:latin typeface="Arial"/>
                 <a:ea typeface="ＭＳ Ｐゴシック"/>
               </a:rPr>
-              <a:t>value.</a:t>
-            </a:r>
-            <a:endParaRPr/>
-          </a:p>
-          <a:p>
-            <a:pPr lvl="2">
+              <a:t>Engaging best people</a:t>
+            </a:r>
+            <a:endParaRPr/>
+          </a:p>
+          <a:p>
+            <a:pPr lvl="3">
               <a:lnSpc>
                 <a:spcPct val="90000"/>
               </a:lnSpc>
               <a:buFont typeface="StarSymbol"/>
-              <a:buChar char=""/>
-            </a:pPr>
-            <a:r>
-              <a:rPr lang="en-US" sz="1400">
+              <a:buChar char="l"/>
+            </a:pPr>
+            <a:r>
+              <a:rPr lang="pl-PL" sz="1400">
                 <a:solidFill>
                   <a:srgbClr val="000000"/>
                 </a:solidFill>
                 <a:latin typeface="Arial"/>
                 <a:ea typeface="ＭＳ Ｐゴシック"/>
               </a:rPr>
-              <a:t>This is what distinguish company from competitors.</a:t>
-            </a:r>
-            <a:endParaRPr/>
-          </a:p>
-          <a:p>
-            <a:pPr lvl="2">
-              <a:lnSpc>
-                <a:spcPct val="90000"/>
-              </a:lnSpc>
-              <a:buFont typeface="StarSymbol"/>
-              <a:buChar char=""/>
-            </a:pPr>
-            <a:r>
-              <a:rPr b="1" lang="pl-PL" sz="1400">
-                <a:solidFill>
-                  <a:srgbClr val="000000"/>
-                </a:solidFill>
-                <a:latin typeface="Arial"/>
-                <a:ea typeface="ＭＳ Ｐゴシック"/>
-              </a:rPr>
-              <a:t>We make </a:t>
-            </a:r>
-            <a:r>
-              <a:rPr b="1" lang="en-US" sz="1400">
-                <a:solidFill>
-                  <a:srgbClr val="000000"/>
-                </a:solidFill>
-                <a:latin typeface="Arial"/>
-                <a:ea typeface="ＭＳ Ｐゴシック"/>
-              </a:rPr>
-              <a:t>here</a:t>
-            </a:r>
-            <a:r>
-              <a:rPr b="1" lang="pl-PL" sz="1400">
-                <a:solidFill>
-                  <a:srgbClr val="000000"/>
-                </a:solidFill>
-                <a:latin typeface="Arial"/>
-                <a:ea typeface="ＭＳ Ｐゴシック"/>
-              </a:rPr>
-              <a:t> DDD:</a:t>
-            </a:r>
-            <a:endParaRPr/>
-          </a:p>
-          <a:p>
-            <a:pPr lvl="3">
-              <a:lnSpc>
-                <a:spcPct val="90000"/>
-              </a:lnSpc>
-              <a:buFont typeface="StarSymbol"/>
-              <a:buChar char=""/>
-            </a:pPr>
-            <a:r>
-              <a:rPr lang="pl-PL" sz="1400">
-                <a:solidFill>
-                  <a:srgbClr val="000000"/>
-                </a:solidFill>
-                <a:latin typeface="Arial"/>
-                <a:ea typeface="ＭＳ Ｐゴシック"/>
-              </a:rPr>
-              <a:t>Detailed analyse, business archetypes, design patterns, testability…</a:t>
-            </a:r>
-            <a:endParaRPr/>
-          </a:p>
-          <a:p>
-            <a:pPr lvl="3">
-              <a:lnSpc>
-                <a:spcPct val="90000"/>
-              </a:lnSpc>
-              <a:buFont typeface="StarSymbol"/>
-              <a:buChar char=""/>
-            </a:pPr>
-            <a:r>
-              <a:rPr lang="en-US" sz="1400">
-                <a:solidFill>
-                  <a:srgbClr val="000000"/>
-                </a:solidFill>
-                <a:latin typeface="Arial"/>
-                <a:ea typeface="ＭＳ Ｐゴシック"/>
-              </a:rPr>
-              <a:t>Engaging best people</a:t>
-            </a:r>
-            <a:endParaRPr/>
-          </a:p>
-          <a:p>
-            <a:pPr lvl="3">
-              <a:lnSpc>
-                <a:spcPct val="90000"/>
-              </a:lnSpc>
-              <a:buFont typeface="StarSymbol"/>
-              <a:buChar char=""/>
-            </a:pPr>
-            <a:r>
-              <a:rPr lang="pl-PL" sz="1400">
-                <a:solidFill>
-                  <a:srgbClr val="000000"/>
-                </a:solidFill>
-                <a:latin typeface="Arial"/>
-                <a:ea typeface="ＭＳ Ｐゴシック"/>
-              </a:rPr>
               <a:t>Should be small</a:t>
             </a:r>
             <a:endParaRPr/>
@@ -7610,14 +5493,14 @@
       </p:sp>
       <p:sp>
         <p:nvSpPr>
-          <p:cNvPr id="223" name="CustomShape 9"/>
+          <p:cNvPr id="160" name="CustomShape 9"/>
           <p:cNvSpPr/>
           <p:nvPr/>
         </p:nvSpPr>
         <p:spPr>
           <a:xfrm>
             <a:off x="3384000" y="3492000"/>
-            <a:ext cx="5214600" cy="935640"/>
+            <a:ext cx="5214240" cy="935280"/>
           </a:xfrm>
           <a:prstGeom prst="rect">
             <a:avLst/>
@@ -7635,10 +5518,10 @@
                 <a:spcPct val="90000"/>
               </a:lnSpc>
               <a:buFont typeface="StarSymbol"/>
-              <a:buChar char=""/>
-            </a:pPr>
-            <a:r>
-              <a:rPr lang="en-US" sz="1400">
+              <a:buChar char="l"/>
+            </a:pPr>
+            <a:r>
+              <a:rPr lang="pl-PL" sz="1400">
                 <a:solidFill>
                   <a:srgbClr val="000000"/>
                 </a:solidFill>
@@ -7655,7 +5538,7 @@
                 <a:spcPct val="90000"/>
               </a:lnSpc>
               <a:buFont typeface="StarSymbol"/>
-              <a:buChar char=""/>
+              <a:buChar char="l"/>
             </a:pPr>
             <a:r>
               <a:rPr lang="pl-PL" sz="1400">
@@ -7665,36 +5548,26 @@
                 <a:latin typeface="Arial"/>
                 <a:ea typeface="ＭＳ Ｐゴシック"/>
               </a:rPr>
-              <a:t>Low quality is </a:t>
-            </a:r>
-            <a:r>
-              <a:rPr lang="en-US" sz="1400">
+              <a:t>Low quality isacceptable</a:t>
+            </a:r>
+            <a:endParaRPr/>
+          </a:p>
+          <a:p>
+            <a:pPr lvl="2">
+              <a:lnSpc>
+                <a:spcPct val="90000"/>
+              </a:lnSpc>
+              <a:buFont typeface="StarSymbol"/>
+              <a:buChar char="l"/>
+            </a:pPr>
+            <a:r>
+              <a:rPr b="1" lang="pl-PL" sz="1400">
                 <a:solidFill>
                   <a:srgbClr val="000000"/>
                 </a:solidFill>
                 <a:latin typeface="Arial"/>
                 <a:ea typeface="ＭＳ Ｐゴシック"/>
               </a:rPr>
-              <a:t>acceptable</a:t>
-            </a:r>
-            <a:endParaRPr/>
-          </a:p>
-          <a:p>
-            <a:pPr lvl="2">
-              <a:lnSpc>
-                <a:spcPct val="90000"/>
-              </a:lnSpc>
-              <a:buFont typeface="StarSymbol"/>
-              <a:buChar char=""/>
-            </a:pPr>
-            <a:r>
-              <a:rPr b="1" lang="pl-PL" sz="1400">
-                <a:solidFill>
-                  <a:srgbClr val="000000"/>
-                </a:solidFill>
-                <a:latin typeface="Arial"/>
-                <a:ea typeface="ＭＳ Ｐゴシック"/>
-              </a:rPr>
               <a:t>Outsourcing</a:t>
             </a:r>
             <a:endParaRPr/>
@@ -7703,14 +5576,14 @@
       </p:sp>
       <p:sp>
         <p:nvSpPr>
-          <p:cNvPr id="224" name="CustomShape 10"/>
+          <p:cNvPr id="161" name="CustomShape 10"/>
           <p:cNvSpPr/>
           <p:nvPr/>
         </p:nvSpPr>
         <p:spPr>
           <a:xfrm>
             <a:off x="3384000" y="5112360"/>
-            <a:ext cx="5214600" cy="719640"/>
+            <a:ext cx="5214240" cy="719280"/>
           </a:xfrm>
           <a:prstGeom prst="rect">
             <a:avLst/>
@@ -7728,7 +5601,7 @@
                 <a:spcPct val="90000"/>
               </a:lnSpc>
               <a:buFont typeface="StarSymbol"/>
-              <a:buChar char=""/>
+              <a:buChar char="l"/>
             </a:pPr>
             <a:r>
               <a:rPr lang="pl-PL" sz="1400">
@@ -7738,27 +5611,27 @@
                 <a:latin typeface="Arial"/>
                 <a:ea typeface="ＭＳ Ｐゴシック"/>
               </a:rPr>
-              <a:t>Specific, common domain (ex: </a:t>
-            </a:r>
-            <a:r>
-              <a:rPr lang="en-US" sz="1400">
+              <a:t>Specific, common domain (ex:accounting)</a:t>
+            </a:r>
+            <a:endParaRPr/>
+          </a:p>
+          <a:p>
+            <a:pPr lvl="2">
+              <a:lnSpc>
+                <a:spcPct val="90000"/>
+              </a:lnSpc>
+              <a:buFont typeface="StarSymbol"/>
+              <a:buChar char="l"/>
+            </a:pPr>
+            <a:r>
+              <a:rPr b="1" lang="pl-PL" sz="1400">
                 <a:solidFill>
                   <a:srgbClr val="000000"/>
                 </a:solidFill>
                 <a:latin typeface="Arial"/>
                 <a:ea typeface="ＭＳ Ｐゴシック"/>
               </a:rPr>
-              <a:t>accounting</a:t>
-            </a:r>
-            <a:r>
-              <a:rPr lang="pl-PL" sz="1400">
-                <a:solidFill>
-                  <a:srgbClr val="000000"/>
-                </a:solidFill>
-                <a:latin typeface="Arial"/>
-                <a:ea typeface="ＭＳ Ｐゴシック"/>
-              </a:rPr>
-              <a:t>)</a:t>
+              <a:t>You can buy it</a:t>
             </a:r>
             <a:endParaRPr/>
           </a:p>
@@ -7768,27 +5641,7 @@
                 <a:spcPct val="90000"/>
               </a:lnSpc>
               <a:buFont typeface="StarSymbol"/>
-              <a:buChar char=""/>
-            </a:pPr>
-            <a:r>
-              <a:rPr b="1" lang="pl-PL" sz="1400">
-                <a:solidFill>
-                  <a:srgbClr val="000000"/>
-                </a:solidFill>
-                <a:latin typeface="Arial"/>
-                <a:ea typeface="ＭＳ Ｐゴシック"/>
-              </a:rPr>
-              <a:t>You can buy it</a:t>
-            </a:r>
-            <a:endParaRPr/>
-          </a:p>
-          <a:p>
-            <a:pPr lvl="2">
-              <a:lnSpc>
-                <a:spcPct val="90000"/>
-              </a:lnSpc>
-              <a:buFont typeface="StarSymbol"/>
-              <a:buChar char=""/>
+              <a:buChar char="l"/>
             </a:pPr>
             <a:r>
               <a:rPr lang="pl-PL" sz="1400">
@@ -7855,14 +5708,14 @@
       </p:grpSpPr>
       <p:sp>
         <p:nvSpPr>
-          <p:cNvPr id="225" name="CustomShape 1"/>
+          <p:cNvPr id="162" name="CustomShape 1"/>
           <p:cNvSpPr/>
           <p:nvPr/>
         </p:nvSpPr>
         <p:spPr>
           <a:xfrm>
             <a:off x="285840" y="362880"/>
-            <a:ext cx="6786000" cy="553320"/>
+            <a:ext cx="6785640" cy="552960"/>
           </a:xfrm>
           <a:prstGeom prst="rect">
             <a:avLst/>
@@ -7890,14 +5743,14 @@
       </p:sp>
       <p:sp>
         <p:nvSpPr>
-          <p:cNvPr id="226" name="CustomShape 2"/>
+          <p:cNvPr id="163" name="CustomShape 2"/>
           <p:cNvSpPr/>
           <p:nvPr/>
         </p:nvSpPr>
         <p:spPr>
           <a:xfrm>
             <a:off x="285840" y="1000080"/>
-            <a:ext cx="8857440" cy="4517280"/>
+            <a:ext cx="8857080" cy="4516920"/>
           </a:xfrm>
           <a:prstGeom prst="rect">
             <a:avLst/>
@@ -7977,14 +5830,14 @@
       </p:sp>
       <p:sp>
         <p:nvSpPr>
-          <p:cNvPr id="227" name="CustomShape 3"/>
+          <p:cNvPr id="164" name="CustomShape 3"/>
           <p:cNvSpPr/>
           <p:nvPr/>
         </p:nvSpPr>
         <p:spPr>
           <a:xfrm>
             <a:off x="755640" y="1701000"/>
-            <a:ext cx="7632360" cy="4104000"/>
+            <a:ext cx="7632000" cy="4103640"/>
           </a:xfrm>
           <a:prstGeom prst="rect">
             <a:avLst/>
@@ -7997,14 +5850,14 @@
       </p:sp>
       <p:sp>
         <p:nvSpPr>
-          <p:cNvPr id="228" name="CustomShape 4"/>
+          <p:cNvPr id="165" name="CustomShape 4"/>
           <p:cNvSpPr/>
           <p:nvPr/>
         </p:nvSpPr>
         <p:spPr>
           <a:xfrm>
             <a:off x="792000" y="2016000"/>
-            <a:ext cx="4320000" cy="2592000"/>
+            <a:ext cx="4319640" cy="2591640"/>
           </a:xfrm>
           <a:prstGeom prst="rect">
             <a:avLst/>
@@ -8022,10 +5875,10 @@
                 <a:spcPct val="90000"/>
               </a:lnSpc>
               <a:buFont typeface="StarSymbol"/>
-              <a:buChar char=""/>
-            </a:pPr>
-            <a:r>
-              <a:rPr lang="en-US" sz="1400">
+              <a:buChar char="l"/>
+            </a:pPr>
+            <a:r>
+              <a:rPr lang="pl-PL" sz="1400">
                 <a:solidFill>
                   <a:srgbClr val="000000"/>
                 </a:solidFill>
@@ -8035,7 +5888,7 @@
               <a:t>„</a:t>
             </a:r>
             <a:r>
-              <a:rPr lang="en-US" sz="1400">
+              <a:rPr lang="pl-PL" sz="1400">
                 <a:solidFill>
                   <a:srgbClr val="000000"/>
                 </a:solidFill>
@@ -8060,7 +5913,7 @@
                 <a:spcPct val="90000"/>
               </a:lnSpc>
               <a:buFont typeface="StarSymbol"/>
-              <a:buChar char=""/>
+              <a:buChar char="l"/>
             </a:pPr>
             <a:r>
               <a:rPr lang="pl-PL" sz="1400">
@@ -8088,18 +5941,36 @@
                 <a:spcPct val="90000"/>
               </a:lnSpc>
               <a:buFont typeface="StarSymbol"/>
-              <a:buChar char=""/>
-            </a:pPr>
-            <a:r>
-              <a:rPr lang="en-US" sz="1400">
+              <a:buChar char="l"/>
+            </a:pPr>
+            <a:r>
+              <a:rPr lang="pl-PL" sz="1400">
                 <a:solidFill>
                   <a:srgbClr val="000000"/>
                 </a:solidFill>
                 <a:latin typeface="Arial"/>
                 <a:ea typeface="ＭＳ Ｐゴシック"/>
               </a:rPr>
-              <a:t>Every</a:t>
-            </a:r>
+              <a:t>Everycontexthasownubiquitouslanguage</a:t>
+            </a:r>
+            <a:endParaRPr/>
+          </a:p>
+          <a:p>
+            <a:pPr>
+              <a:lnSpc>
+                <a:spcPct val="90000"/>
+              </a:lnSpc>
+            </a:pPr>
+            <a:endParaRPr/>
+          </a:p>
+          <a:p>
+            <a:pPr lvl="2">
+              <a:lnSpc>
+                <a:spcPct val="90000"/>
+              </a:lnSpc>
+              <a:buFont typeface="StarSymbol"/>
+              <a:buChar char="l"/>
+            </a:pPr>
             <a:r>
               <a:rPr lang="pl-PL" sz="1400">
                 <a:solidFill>
@@ -8108,135 +5979,26 @@
                 <a:latin typeface="Arial"/>
                 <a:ea typeface="ＭＳ Ｐゴシック"/>
               </a:rPr>
-              <a:t> </a:t>
-            </a:r>
-            <a:r>
-              <a:rPr lang="en-US" sz="1400">
+              <a:t>Contexts communicate eachother by interfaces</a:t>
+            </a:r>
+            <a:endParaRPr/>
+          </a:p>
+          <a:p>
+            <a:pPr lvl="2">
+              <a:lnSpc>
+                <a:spcPct val="90000"/>
+              </a:lnSpc>
+              <a:buFont typeface="StarSymbol"/>
+              <a:buChar char="l"/>
+            </a:pPr>
+            <a:r>
+              <a:rPr lang="pl-PL" sz="1400">
                 <a:solidFill>
                   <a:srgbClr val="000000"/>
                 </a:solidFill>
                 <a:latin typeface="Arial"/>
                 <a:ea typeface="ＭＳ Ｐゴシック"/>
               </a:rPr>
-              <a:t>context</a:t>
-            </a:r>
-            <a:r>
-              <a:rPr lang="pl-PL" sz="1400">
-                <a:solidFill>
-                  <a:srgbClr val="000000"/>
-                </a:solidFill>
-                <a:latin typeface="Arial"/>
-                <a:ea typeface="ＭＳ Ｐゴシック"/>
-              </a:rPr>
-              <a:t> has </a:t>
-            </a:r>
-            <a:r>
-              <a:rPr lang="en-US" sz="1400">
-                <a:solidFill>
-                  <a:srgbClr val="000000"/>
-                </a:solidFill>
-                <a:latin typeface="Arial"/>
-                <a:ea typeface="ＭＳ Ｐゴシック"/>
-              </a:rPr>
-              <a:t>own</a:t>
-            </a:r>
-            <a:r>
-              <a:rPr lang="pl-PL" sz="1400">
-                <a:solidFill>
-                  <a:srgbClr val="000000"/>
-                </a:solidFill>
-                <a:latin typeface="Arial"/>
-                <a:ea typeface="ＭＳ Ｐゴシック"/>
-              </a:rPr>
-              <a:t> </a:t>
-            </a:r>
-            <a:r>
-              <a:rPr lang="en-US" sz="1400">
-                <a:solidFill>
-                  <a:srgbClr val="000000"/>
-                </a:solidFill>
-                <a:latin typeface="Arial"/>
-                <a:ea typeface="ＭＳ Ｐゴシック"/>
-              </a:rPr>
-              <a:t>ubiquitous</a:t>
-            </a:r>
-            <a:r>
-              <a:rPr lang="pl-PL" sz="1400">
-                <a:solidFill>
-                  <a:srgbClr val="000000"/>
-                </a:solidFill>
-                <a:latin typeface="Arial"/>
-                <a:ea typeface="ＭＳ Ｐゴシック"/>
-              </a:rPr>
-              <a:t> </a:t>
-            </a:r>
-            <a:r>
-              <a:rPr lang="en-US" sz="1400">
-                <a:solidFill>
-                  <a:srgbClr val="000000"/>
-                </a:solidFill>
-                <a:latin typeface="Arial"/>
-                <a:ea typeface="ＭＳ Ｐゴシック"/>
-              </a:rPr>
-              <a:t>language</a:t>
-            </a:r>
-            <a:endParaRPr/>
-          </a:p>
-          <a:p>
-            <a:pPr>
-              <a:lnSpc>
-                <a:spcPct val="90000"/>
-              </a:lnSpc>
-            </a:pPr>
-            <a:endParaRPr/>
-          </a:p>
-          <a:p>
-            <a:pPr lvl="2">
-              <a:lnSpc>
-                <a:spcPct val="90000"/>
-              </a:lnSpc>
-              <a:buFont typeface="StarSymbol"/>
-              <a:buChar char=""/>
-            </a:pPr>
-            <a:r>
-              <a:rPr lang="pl-PL" sz="1400">
-                <a:solidFill>
-                  <a:srgbClr val="000000"/>
-                </a:solidFill>
-                <a:latin typeface="Arial"/>
-                <a:ea typeface="ＭＳ Ｐゴシック"/>
-              </a:rPr>
-              <a:t>Contexts communicate eachother by interfaces</a:t>
-            </a:r>
-            <a:r>
-              <a:rPr lang="pl-PL" sz="1400">
-                <a:solidFill>
-                  <a:srgbClr val="000000"/>
-                </a:solidFill>
-                <a:latin typeface="Arial"/>
-                <a:ea typeface="ＭＳ Ｐゴシック"/>
-              </a:rPr>
-              <a:t>
-</a:t>
-            </a:r>
-            <a:endParaRPr/>
-          </a:p>
-          <a:p>
-            <a:pPr lvl="2">
-              <a:lnSpc>
-                <a:spcPct val="90000"/>
-              </a:lnSpc>
-              <a:buFont typeface="StarSymbol"/>
-              <a:buChar char=""/>
-            </a:pPr>
-            <a:r>
-              <a:rPr lang="pl-PL" sz="1400">
-                <a:solidFill>
-                  <a:srgbClr val="000000"/>
-                </a:solidFill>
-                <a:latin typeface="Arial"/>
-                <a:ea typeface="ＭＳ Ｐゴシック"/>
-              </a:rPr>
               <a:t>Dependencies from one context doesnt leak to another</a:t>
             </a:r>
             <a:endParaRPr/>
@@ -8245,18 +6007,22 @@
       </p:sp>
       <p:sp>
         <p:nvSpPr>
-          <p:cNvPr id="229" name="TextShape 5"/>
-          <p:cNvSpPr txBox="1"/>
+          <p:cNvPr id="166" name="CustomShape 5"/>
+          <p:cNvSpPr/>
           <p:nvPr/>
         </p:nvSpPr>
         <p:spPr>
           <a:xfrm>
             <a:off x="287280" y="1437840"/>
-            <a:ext cx="8496720" cy="313920"/>
-          </a:xfrm>
-          <a:prstGeom prst="rect">
-            <a:avLst/>
-          </a:prstGeom>
+            <a:ext cx="8496360" cy="313560"/>
+          </a:xfrm>
+          <a:prstGeom prst="rect">
+            <a:avLst/>
+          </a:prstGeom>
+          <a:noFill/>
+          <a:ln>
+            <a:noFill/>
+          </a:ln>
         </p:spPr>
         <p:txBody>
           <a:bodyPr lIns="0" rIns="0" tIns="0" bIns="0" anchor="ctr"/>
@@ -8267,7 +6033,7 @@
               </a:lnSpc>
             </a:pPr>
             <a:r>
-              <a:rPr b="1" lang="en-US" sz="1600">
+              <a:rPr b="1" lang="pl-PL" sz="1600">
                 <a:solidFill>
                   <a:srgbClr val="e65a0f"/>
                 </a:solidFill>
@@ -8282,7 +6048,7 @@
       </p:sp>
       <p:pic>
         <p:nvPicPr>
-          <p:cNvPr id="230" name="Picture 2" descr=""/>
+          <p:cNvPr id="167" name="Picture 2" descr=""/>
           <p:cNvPicPr/>
           <p:nvPr/>
         </p:nvPicPr>
@@ -8295,7 +6061,7 @@
         <p:spPr>
           <a:xfrm>
             <a:off x="4278240" y="2493000"/>
-            <a:ext cx="4247640" cy="2952000"/>
+            <a:ext cx="4247280" cy="2951640"/>
           </a:xfrm>
           <a:prstGeom prst="rect">
             <a:avLst/>
@@ -8356,14 +6122,14 @@
       </p:grpSpPr>
       <p:sp>
         <p:nvSpPr>
-          <p:cNvPr id="231" name="CustomShape 1"/>
+          <p:cNvPr id="168" name="CustomShape 1"/>
           <p:cNvSpPr/>
           <p:nvPr/>
         </p:nvSpPr>
         <p:spPr>
           <a:xfrm>
             <a:off x="285840" y="362880"/>
-            <a:ext cx="6786000" cy="553320"/>
+            <a:ext cx="6785640" cy="552960"/>
           </a:xfrm>
           <a:prstGeom prst="rect">
             <a:avLst/>
@@ -8391,14 +6157,14 @@
       </p:sp>
       <p:sp>
         <p:nvSpPr>
-          <p:cNvPr id="232" name="CustomShape 2"/>
+          <p:cNvPr id="169" name="CustomShape 2"/>
           <p:cNvSpPr/>
           <p:nvPr/>
         </p:nvSpPr>
         <p:spPr>
           <a:xfrm>
             <a:off x="285840" y="1000080"/>
-            <a:ext cx="8857440" cy="4517280"/>
+            <a:ext cx="8857080" cy="4516920"/>
           </a:xfrm>
           <a:prstGeom prst="rect">
             <a:avLst/>
@@ -8478,14 +6244,14 @@
       </p:sp>
       <p:sp>
         <p:nvSpPr>
-          <p:cNvPr id="233" name="CustomShape 3"/>
+          <p:cNvPr id="170" name="CustomShape 3"/>
           <p:cNvSpPr/>
           <p:nvPr/>
         </p:nvSpPr>
         <p:spPr>
           <a:xfrm>
             <a:off x="755640" y="1701000"/>
-            <a:ext cx="7632360" cy="4104000"/>
+            <a:ext cx="7632000" cy="4103640"/>
           </a:xfrm>
           <a:prstGeom prst="rect">
             <a:avLst/>
@@ -8498,7 +6264,7 @@
       </p:sp>
       <p:pic>
         <p:nvPicPr>
-          <p:cNvPr id="234" name="Picture 2" descr=""/>
+          <p:cNvPr id="171" name="Picture 2" descr=""/>
           <p:cNvPicPr/>
           <p:nvPr/>
         </p:nvPicPr>
@@ -8511,7 +6277,7 @@
         <p:spPr>
           <a:xfrm>
             <a:off x="1224360" y="2101320"/>
-            <a:ext cx="6695640" cy="3847680"/>
+            <a:ext cx="6695280" cy="3847320"/>
           </a:xfrm>
           <a:prstGeom prst="rect">
             <a:avLst/>
@@ -8523,18 +6289,22 @@
       </p:pic>
       <p:sp>
         <p:nvSpPr>
-          <p:cNvPr id="235" name="TextShape 4"/>
-          <p:cNvSpPr txBox="1"/>
+          <p:cNvPr id="172" name="CustomShape 4"/>
+          <p:cNvSpPr/>
           <p:nvPr/>
         </p:nvSpPr>
         <p:spPr>
           <a:xfrm>
             <a:off x="432000" y="1296000"/>
-            <a:ext cx="8460000" cy="313920"/>
-          </a:xfrm>
-          <a:prstGeom prst="rect">
-            <a:avLst/>
-          </a:prstGeom>
+            <a:ext cx="8459640" cy="313560"/>
+          </a:xfrm>
+          <a:prstGeom prst="rect">
+            <a:avLst/>
+          </a:prstGeom>
+          <a:noFill/>
+          <a:ln>
+            <a:noFill/>
+          </a:ln>
         </p:spPr>
         <p:txBody>
           <a:bodyPr lIns="0" rIns="0" tIns="0" bIns="0" anchor="ctr"/>
@@ -8609,14 +6379,14 @@
       </p:grpSpPr>
       <p:sp>
         <p:nvSpPr>
-          <p:cNvPr id="146" name="CustomShape 1"/>
+          <p:cNvPr id="83" name="CustomShape 1"/>
           <p:cNvSpPr/>
           <p:nvPr/>
         </p:nvSpPr>
         <p:spPr>
           <a:xfrm>
             <a:off x="285840" y="363600"/>
-            <a:ext cx="6786000" cy="553320"/>
+            <a:ext cx="6785640" cy="552960"/>
           </a:xfrm>
           <a:prstGeom prst="rect">
             <a:avLst/>
@@ -8649,14 +6419,14 @@
       </p:sp>
       <p:sp>
         <p:nvSpPr>
-          <p:cNvPr id="147" name="CustomShape 2"/>
+          <p:cNvPr id="84" name="CustomShape 2"/>
           <p:cNvSpPr/>
           <p:nvPr/>
         </p:nvSpPr>
         <p:spPr>
           <a:xfrm>
             <a:off x="285840" y="1000080"/>
-            <a:ext cx="8857440" cy="5641200"/>
+            <a:ext cx="8857080" cy="5640840"/>
           </a:xfrm>
           <a:prstGeom prst="rect">
             <a:avLst/>
@@ -8839,14 +6609,14 @@
       </p:grpSpPr>
       <p:sp>
         <p:nvSpPr>
-          <p:cNvPr id="148" name="CustomShape 1"/>
+          <p:cNvPr id="85" name="CustomShape 1"/>
           <p:cNvSpPr/>
           <p:nvPr/>
         </p:nvSpPr>
         <p:spPr>
           <a:xfrm>
             <a:off x="285840" y="362880"/>
-            <a:ext cx="6786000" cy="553320"/>
+            <a:ext cx="6785640" cy="552960"/>
           </a:xfrm>
           <a:prstGeom prst="rect">
             <a:avLst/>
@@ -8880,14 +6650,14 @@
       </p:sp>
       <p:sp>
         <p:nvSpPr>
-          <p:cNvPr id="149" name="CustomShape 2"/>
+          <p:cNvPr id="86" name="CustomShape 2"/>
           <p:cNvSpPr/>
           <p:nvPr/>
         </p:nvSpPr>
         <p:spPr>
           <a:xfrm>
             <a:off x="285840" y="1000080"/>
-            <a:ext cx="8857440" cy="4517280"/>
+            <a:ext cx="8857080" cy="4516920"/>
           </a:xfrm>
           <a:prstGeom prst="rect">
             <a:avLst/>
@@ -8917,9 +6687,9 @@
               <a:buChar char=""/>
             </a:pPr>
             <a:r>
-              <a:rPr lang="pl-PL" sz="2000">
-                <a:solidFill>
-                  <a:srgbClr val="6c6c6c"/>
+              <a:rPr lang="pl-PL">
+                <a:solidFill>
+                  <a:srgbClr val="000000"/>
                 </a:solidFill>
                 <a:latin typeface="Myriad Pro"/>
               </a:rPr>
@@ -8937,9 +6707,9 @@
               <a:buChar char="l"/>
             </a:pPr>
             <a:r>
-              <a:rPr lang="pl-PL" sz="2000">
-                <a:solidFill>
-                  <a:srgbClr val="6c6c6c"/>
+              <a:rPr lang="pl-PL">
+                <a:solidFill>
+                  <a:srgbClr val="000000"/>
                 </a:solidFill>
                 <a:latin typeface="Myriad Pro"/>
               </a:rPr>
@@ -8957,9 +6727,9 @@
               <a:buChar char="l"/>
             </a:pPr>
             <a:r>
-              <a:rPr lang="pl-PL" sz="2000">
-                <a:solidFill>
-                  <a:srgbClr val="6c6c6c"/>
+              <a:rPr lang="pl-PL">
+                <a:solidFill>
+                  <a:srgbClr val="000000"/>
                 </a:solidFill>
                 <a:latin typeface="Myriad Pro"/>
               </a:rPr>
@@ -8977,9 +6747,9 @@
               <a:buChar char="l"/>
             </a:pPr>
             <a:r>
-              <a:rPr lang="pl-PL" sz="2000">
-                <a:solidFill>
-                  <a:srgbClr val="6c6c6c"/>
+              <a:rPr lang="pl-PL">
+                <a:solidFill>
+                  <a:srgbClr val="000000"/>
                 </a:solidFill>
                 <a:latin typeface="Myriad Pro"/>
               </a:rPr>
@@ -8997,9 +6767,9 @@
               <a:buChar char="l"/>
             </a:pPr>
             <a:r>
-              <a:rPr lang="pl-PL" sz="2000">
-                <a:solidFill>
-                  <a:srgbClr val="6c6c6c"/>
+              <a:rPr lang="pl-PL">
+                <a:solidFill>
+                  <a:srgbClr val="000000"/>
                 </a:solidFill>
                 <a:latin typeface="Myriad Pro"/>
               </a:rPr>
@@ -9017,9 +6787,9 @@
               <a:buChar char="l"/>
             </a:pPr>
             <a:r>
-              <a:rPr lang="pl-PL" sz="2000">
-                <a:solidFill>
-                  <a:srgbClr val="6c6c6c"/>
+              <a:rPr lang="pl-PL">
+                <a:solidFill>
+                  <a:srgbClr val="000000"/>
                 </a:solidFill>
                 <a:latin typeface="Myriad Pro"/>
               </a:rPr>
@@ -9037,9 +6807,9 @@
               <a:buChar char="l"/>
             </a:pPr>
             <a:r>
-              <a:rPr lang="pl-PL" sz="2000">
-                <a:solidFill>
-                  <a:srgbClr val="6c6c6c"/>
+              <a:rPr lang="pl-PL">
+                <a:solidFill>
+                  <a:srgbClr val="000000"/>
                 </a:solidFill>
                 <a:latin typeface="Myriad Pro"/>
               </a:rPr>
@@ -9148,14 +6918,14 @@
       </p:grpSpPr>
       <p:sp>
         <p:nvSpPr>
-          <p:cNvPr id="150" name="CustomShape 1"/>
+          <p:cNvPr id="87" name="CustomShape 1"/>
           <p:cNvSpPr/>
           <p:nvPr/>
         </p:nvSpPr>
         <p:spPr>
           <a:xfrm>
             <a:off x="285840" y="362880"/>
-            <a:ext cx="6786000" cy="553320"/>
+            <a:ext cx="6785640" cy="552960"/>
           </a:xfrm>
           <a:prstGeom prst="rect">
             <a:avLst/>
@@ -9187,14 +6957,14 @@
       </p:sp>
       <p:sp>
         <p:nvSpPr>
-          <p:cNvPr id="151" name="CustomShape 2"/>
+          <p:cNvPr id="88" name="CustomShape 2"/>
           <p:cNvSpPr/>
           <p:nvPr/>
         </p:nvSpPr>
         <p:spPr>
           <a:xfrm>
             <a:off x="285840" y="1000080"/>
-            <a:ext cx="8857440" cy="4517280"/>
+            <a:ext cx="8857080" cy="4516920"/>
           </a:xfrm>
           <a:prstGeom prst="rect">
             <a:avLst/>
@@ -9258,14 +7028,14 @@
       </p:sp>
       <p:sp>
         <p:nvSpPr>
-          <p:cNvPr id="152" name="CustomShape 3"/>
+          <p:cNvPr id="89" name="CustomShape 3"/>
           <p:cNvSpPr/>
           <p:nvPr/>
         </p:nvSpPr>
         <p:spPr>
           <a:xfrm>
             <a:off x="429120" y="1166040"/>
-            <a:ext cx="2071080" cy="4161600"/>
+            <a:ext cx="2070720" cy="4161240"/>
           </a:xfrm>
           <a:prstGeom prst="rect">
             <a:avLst/>
@@ -9280,14 +7050,14 @@
       </p:sp>
       <p:sp>
         <p:nvSpPr>
-          <p:cNvPr id="153" name="CustomShape 4"/>
+          <p:cNvPr id="90" name="CustomShape 4"/>
           <p:cNvSpPr/>
           <p:nvPr/>
         </p:nvSpPr>
         <p:spPr>
           <a:xfrm>
             <a:off x="756000" y="1294920"/>
-            <a:ext cx="2520360" cy="713520"/>
+            <a:ext cx="2520000" cy="713160"/>
           </a:xfrm>
           <a:prstGeom prst="homePlate">
             <a:avLst>
@@ -9328,14 +7098,14 @@
       </p:sp>
       <p:sp>
         <p:nvSpPr>
-          <p:cNvPr id="154" name="CustomShape 5"/>
+          <p:cNvPr id="91" name="CustomShape 5"/>
           <p:cNvSpPr/>
           <p:nvPr/>
         </p:nvSpPr>
         <p:spPr>
           <a:xfrm>
             <a:off x="756000" y="2303280"/>
-            <a:ext cx="2520360" cy="713520"/>
+            <a:ext cx="2520000" cy="713160"/>
           </a:xfrm>
           <a:prstGeom prst="homePlate">
             <a:avLst>
@@ -9376,14 +7146,14 @@
       </p:sp>
       <p:sp>
         <p:nvSpPr>
-          <p:cNvPr id="155" name="CustomShape 6"/>
+          <p:cNvPr id="92" name="CustomShape 6"/>
           <p:cNvSpPr/>
           <p:nvPr/>
         </p:nvSpPr>
         <p:spPr>
           <a:xfrm>
             <a:off x="756000" y="3311280"/>
-            <a:ext cx="2520360" cy="713520"/>
+            <a:ext cx="2520000" cy="713160"/>
           </a:xfrm>
           <a:prstGeom prst="homePlate">
             <a:avLst>
@@ -9424,14 +7194,14 @@
       </p:sp>
       <p:sp>
         <p:nvSpPr>
-          <p:cNvPr id="156" name="CustomShape 7"/>
+          <p:cNvPr id="93" name="CustomShape 7"/>
           <p:cNvSpPr/>
           <p:nvPr/>
         </p:nvSpPr>
         <p:spPr>
           <a:xfrm>
             <a:off x="756000" y="4319640"/>
-            <a:ext cx="2520360" cy="713520"/>
+            <a:ext cx="2520000" cy="713160"/>
           </a:xfrm>
           <a:prstGeom prst="homePlate">
             <a:avLst>
@@ -9472,14 +7242,14 @@
       </p:sp>
       <p:sp>
         <p:nvSpPr>
-          <p:cNvPr id="157" name="CustomShape 8"/>
+          <p:cNvPr id="94" name="CustomShape 8"/>
           <p:cNvSpPr/>
           <p:nvPr/>
         </p:nvSpPr>
         <p:spPr>
           <a:xfrm>
             <a:off x="936360" y="5545080"/>
-            <a:ext cx="7055280" cy="574560"/>
+            <a:ext cx="7054920" cy="574200"/>
           </a:xfrm>
           <a:prstGeom prst="rect">
             <a:avLst/>
@@ -9518,14 +7288,14 @@
       </p:sp>
       <p:sp>
         <p:nvSpPr>
-          <p:cNvPr id="158" name="CustomShape 9"/>
+          <p:cNvPr id="95" name="CustomShape 9"/>
           <p:cNvSpPr/>
           <p:nvPr/>
         </p:nvSpPr>
         <p:spPr>
           <a:xfrm>
             <a:off x="3420360" y="1377000"/>
-            <a:ext cx="5214240" cy="719280"/>
+            <a:ext cx="5213880" cy="718920"/>
           </a:xfrm>
           <a:prstGeom prst="rect">
             <a:avLst/>
@@ -9601,14 +7371,14 @@
       </p:sp>
       <p:sp>
         <p:nvSpPr>
-          <p:cNvPr id="159" name="CustomShape 10"/>
+          <p:cNvPr id="96" name="CustomShape 10"/>
           <p:cNvSpPr/>
           <p:nvPr/>
         </p:nvSpPr>
         <p:spPr>
           <a:xfrm>
             <a:off x="3492360" y="2385360"/>
-            <a:ext cx="5214240" cy="719280"/>
+            <a:ext cx="5213880" cy="718920"/>
           </a:xfrm>
           <a:prstGeom prst="rect">
             <a:avLst/>
@@ -9702,14 +7472,14 @@
       </p:sp>
       <p:sp>
         <p:nvSpPr>
-          <p:cNvPr id="160" name="CustomShape 11"/>
+          <p:cNvPr id="97" name="CustomShape 11"/>
           <p:cNvSpPr/>
           <p:nvPr/>
         </p:nvSpPr>
         <p:spPr>
           <a:xfrm>
             <a:off x="3492360" y="3393360"/>
-            <a:ext cx="5214240" cy="719280"/>
+            <a:ext cx="5213880" cy="718920"/>
           </a:xfrm>
           <a:prstGeom prst="rect">
             <a:avLst/>
@@ -9745,14 +7515,14 @@
       </p:sp>
       <p:sp>
         <p:nvSpPr>
-          <p:cNvPr id="161" name="CustomShape 12"/>
+          <p:cNvPr id="98" name="CustomShape 12"/>
           <p:cNvSpPr/>
           <p:nvPr/>
         </p:nvSpPr>
         <p:spPr>
           <a:xfrm>
             <a:off x="3492360" y="4401720"/>
-            <a:ext cx="5214240" cy="719280"/>
+            <a:ext cx="5213880" cy="718920"/>
           </a:xfrm>
           <a:prstGeom prst="rect">
             <a:avLst/>
@@ -9857,14 +7627,14 @@
       </p:grpSpPr>
       <p:sp>
         <p:nvSpPr>
-          <p:cNvPr id="162" name="CustomShape 1"/>
+          <p:cNvPr id="99" name="CustomShape 1"/>
           <p:cNvSpPr/>
           <p:nvPr/>
         </p:nvSpPr>
         <p:spPr>
           <a:xfrm>
             <a:off x="285840" y="362880"/>
-            <a:ext cx="6786000" cy="553320"/>
+            <a:ext cx="6785640" cy="552960"/>
           </a:xfrm>
           <a:prstGeom prst="rect">
             <a:avLst/>
@@ -9898,14 +7668,14 @@
       </p:sp>
       <p:sp>
         <p:nvSpPr>
-          <p:cNvPr id="163" name="CustomShape 2"/>
+          <p:cNvPr id="100" name="CustomShape 2"/>
           <p:cNvSpPr/>
           <p:nvPr/>
         </p:nvSpPr>
         <p:spPr>
           <a:xfrm>
             <a:off x="285840" y="1000080"/>
-            <a:ext cx="8857440" cy="4517280"/>
+            <a:ext cx="8857080" cy="4516920"/>
           </a:xfrm>
           <a:prstGeom prst="rect">
             <a:avLst/>
@@ -9985,14 +7755,14 @@
       </p:sp>
       <p:sp>
         <p:nvSpPr>
-          <p:cNvPr id="164" name="CustomShape 3"/>
+          <p:cNvPr id="101" name="CustomShape 3"/>
           <p:cNvSpPr/>
           <p:nvPr/>
         </p:nvSpPr>
         <p:spPr>
           <a:xfrm>
             <a:off x="1152360" y="3096000"/>
-            <a:ext cx="7055280" cy="790560"/>
+            <a:ext cx="7054920" cy="790200"/>
           </a:xfrm>
           <a:prstGeom prst="rect">
             <a:avLst/>
@@ -10080,14 +7850,14 @@
       </p:grpSpPr>
       <p:sp>
         <p:nvSpPr>
-          <p:cNvPr id="165" name="CustomShape 1"/>
+          <p:cNvPr id="102" name="CustomShape 1"/>
           <p:cNvSpPr/>
           <p:nvPr/>
         </p:nvSpPr>
         <p:spPr>
           <a:xfrm>
             <a:off x="285840" y="362880"/>
-            <a:ext cx="6786000" cy="553320"/>
+            <a:ext cx="6785640" cy="552960"/>
           </a:xfrm>
           <a:prstGeom prst="rect">
             <a:avLst/>
@@ -10115,14 +7885,14 @@
       </p:sp>
       <p:sp>
         <p:nvSpPr>
-          <p:cNvPr id="166" name="CustomShape 2"/>
+          <p:cNvPr id="103" name="CustomShape 2"/>
           <p:cNvSpPr/>
           <p:nvPr/>
         </p:nvSpPr>
         <p:spPr>
           <a:xfrm>
             <a:off x="285840" y="1000080"/>
-            <a:ext cx="8857440" cy="4517280"/>
+            <a:ext cx="8857080" cy="4516920"/>
           </a:xfrm>
           <a:prstGeom prst="rect">
             <a:avLst/>
@@ -10202,14 +7972,14 @@
       </p:sp>
       <p:sp>
         <p:nvSpPr>
-          <p:cNvPr id="167" name="CustomShape 3"/>
+          <p:cNvPr id="104" name="CustomShape 3"/>
           <p:cNvSpPr/>
           <p:nvPr/>
         </p:nvSpPr>
         <p:spPr>
           <a:xfrm>
             <a:off x="720000" y="2232360"/>
-            <a:ext cx="7632360" cy="2879640"/>
+            <a:ext cx="7632000" cy="2879280"/>
           </a:xfrm>
           <a:prstGeom prst="rect">
             <a:avLst/>
@@ -10301,7 +8071,7 @@
       </p:sp>
       <p:pic>
         <p:nvPicPr>
-          <p:cNvPr id="168" name="Picture 4" descr=""/>
+          <p:cNvPr id="105" name="Picture 4" descr=""/>
           <p:cNvPicPr/>
           <p:nvPr/>
         </p:nvPicPr>
@@ -10314,7 +8084,7 @@
         <p:spPr>
           <a:xfrm>
             <a:off x="792000" y="1152000"/>
-            <a:ext cx="7344360" cy="1005480"/>
+            <a:ext cx="7344000" cy="1005120"/>
           </a:xfrm>
           <a:prstGeom prst="rect">
             <a:avLst/>
@@ -10326,7 +8096,7 @@
       </p:pic>
       <p:pic>
         <p:nvPicPr>
-          <p:cNvPr id="169" name="Picture 11" descr=""/>
+          <p:cNvPr id="106" name="Picture 11" descr=""/>
           <p:cNvPicPr/>
           <p:nvPr/>
         </p:nvPicPr>
@@ -10339,7 +8109,7 @@
         <p:spPr>
           <a:xfrm>
             <a:off x="3672360" y="3888360"/>
-            <a:ext cx="4967280" cy="2231280"/>
+            <a:ext cx="4966920" cy="2230920"/>
           </a:xfrm>
           <a:prstGeom prst="rect">
             <a:avLst/>
@@ -10400,14 +8170,14 @@
       </p:grpSpPr>
       <p:sp>
         <p:nvSpPr>
-          <p:cNvPr id="170" name="CustomShape 1"/>
+          <p:cNvPr id="107" name="CustomShape 1"/>
           <p:cNvSpPr/>
           <p:nvPr/>
         </p:nvSpPr>
         <p:spPr>
           <a:xfrm>
             <a:off x="285840" y="362880"/>
-            <a:ext cx="6786000" cy="553320"/>
+            <a:ext cx="6785640" cy="552960"/>
           </a:xfrm>
           <a:prstGeom prst="rect">
             <a:avLst/>
@@ -10435,14 +8205,14 @@
       </p:sp>
       <p:sp>
         <p:nvSpPr>
-          <p:cNvPr id="171" name="CustomShape 2"/>
+          <p:cNvPr id="108" name="CustomShape 2"/>
           <p:cNvSpPr/>
           <p:nvPr/>
         </p:nvSpPr>
         <p:spPr>
           <a:xfrm>
             <a:off x="285840" y="1000080"/>
-            <a:ext cx="8857440" cy="4517280"/>
+            <a:ext cx="8857080" cy="4516920"/>
           </a:xfrm>
           <a:prstGeom prst="rect">
             <a:avLst/>
@@ -10514,14 +8284,14 @@
       </p:sp>
       <p:sp>
         <p:nvSpPr>
-          <p:cNvPr id="172" name="CustomShape 3"/>
+          <p:cNvPr id="109" name="CustomShape 3"/>
           <p:cNvSpPr/>
           <p:nvPr/>
         </p:nvSpPr>
         <p:spPr>
           <a:xfrm>
             <a:off x="3348000" y="1268640"/>
-            <a:ext cx="5358240" cy="1079280"/>
+            <a:ext cx="5357880" cy="1078920"/>
           </a:xfrm>
           <a:prstGeom prst="rect">
             <a:avLst/>
@@ -10593,14 +8363,14 @@
       </p:sp>
       <p:sp>
         <p:nvSpPr>
-          <p:cNvPr id="173" name="CustomShape 4"/>
+          <p:cNvPr id="110" name="CustomShape 4"/>
           <p:cNvSpPr/>
           <p:nvPr/>
         </p:nvSpPr>
         <p:spPr>
           <a:xfrm>
             <a:off x="428760" y="1196640"/>
-            <a:ext cx="2054520" cy="1223280"/>
+            <a:ext cx="2054160" cy="1222920"/>
           </a:xfrm>
           <a:prstGeom prst="rect">
             <a:avLst/>
@@ -10615,14 +8385,14 @@
       </p:sp>
       <p:sp>
         <p:nvSpPr>
-          <p:cNvPr id="174" name="CustomShape 5"/>
+          <p:cNvPr id="111" name="CustomShape 5"/>
           <p:cNvSpPr/>
           <p:nvPr/>
         </p:nvSpPr>
         <p:spPr>
           <a:xfrm>
             <a:off x="683640" y="1412640"/>
-            <a:ext cx="2520360" cy="713520"/>
+            <a:ext cx="2520000" cy="713160"/>
           </a:xfrm>
           <a:prstGeom prst="homePlate">
             <a:avLst>
@@ -10663,7 +8433,7 @@
       </p:sp>
       <p:pic>
         <p:nvPicPr>
-          <p:cNvPr id="175" name="Picture 16" descr=""/>
+          <p:cNvPr id="112" name="Picture 16" descr=""/>
           <p:cNvPicPr/>
           <p:nvPr/>
         </p:nvPicPr>
@@ -10676,7 +8446,7 @@
         <p:spPr>
           <a:xfrm>
             <a:off x="3203640" y="2232000"/>
-            <a:ext cx="5220000" cy="3285360"/>
+            <a:ext cx="5219640" cy="3285000"/>
           </a:xfrm>
           <a:prstGeom prst="rect">
             <a:avLst/>
@@ -10737,14 +8507,14 @@
       </p:grpSpPr>
       <p:sp>
         <p:nvSpPr>
-          <p:cNvPr id="176" name="CustomShape 1"/>
+          <p:cNvPr id="113" name="CustomShape 1"/>
           <p:cNvSpPr/>
           <p:nvPr/>
         </p:nvSpPr>
         <p:spPr>
           <a:xfrm>
             <a:off x="285840" y="362880"/>
-            <a:ext cx="6786000" cy="553320"/>
+            <a:ext cx="6785640" cy="552960"/>
           </a:xfrm>
           <a:prstGeom prst="rect">
             <a:avLst/>
@@ -10772,14 +8542,14 @@
       </p:sp>
       <p:sp>
         <p:nvSpPr>
-          <p:cNvPr id="177" name="CustomShape 2"/>
+          <p:cNvPr id="114" name="CustomShape 2"/>
           <p:cNvSpPr/>
           <p:nvPr/>
         </p:nvSpPr>
         <p:spPr>
           <a:xfrm>
             <a:off x="285840" y="1000080"/>
-            <a:ext cx="8857440" cy="4517280"/>
+            <a:ext cx="8857080" cy="4516920"/>
           </a:xfrm>
           <a:prstGeom prst="rect">
             <a:avLst/>
@@ -10859,14 +8629,14 @@
       </p:sp>
       <p:sp>
         <p:nvSpPr>
-          <p:cNvPr id="178" name="CustomShape 3"/>
+          <p:cNvPr id="115" name="CustomShape 3"/>
           <p:cNvSpPr/>
           <p:nvPr/>
         </p:nvSpPr>
         <p:spPr>
           <a:xfrm>
             <a:off x="755640" y="1701000"/>
-            <a:ext cx="7632360" cy="4104000"/>
+            <a:ext cx="7632000" cy="4103640"/>
           </a:xfrm>
           <a:prstGeom prst="rect">
             <a:avLst/>
@@ -10969,14 +8739,14 @@
       </p:grpSpPr>
       <p:sp>
         <p:nvSpPr>
-          <p:cNvPr id="179" name="CustomShape 1"/>
+          <p:cNvPr id="116" name="CustomShape 1"/>
           <p:cNvSpPr/>
           <p:nvPr/>
         </p:nvSpPr>
         <p:spPr>
           <a:xfrm>
             <a:off x="285840" y="362880"/>
-            <a:ext cx="6786000" cy="553320"/>
+            <a:ext cx="6785640" cy="552960"/>
           </a:xfrm>
           <a:prstGeom prst="rect">
             <a:avLst/>
@@ -11004,14 +8774,14 @@
       </p:sp>
       <p:sp>
         <p:nvSpPr>
-          <p:cNvPr id="180" name="CustomShape 2"/>
+          <p:cNvPr id="117" name="CustomShape 2"/>
           <p:cNvSpPr/>
           <p:nvPr/>
         </p:nvSpPr>
         <p:spPr>
           <a:xfrm>
             <a:off x="285840" y="1000080"/>
-            <a:ext cx="8857440" cy="4517280"/>
+            <a:ext cx="8857080" cy="4516920"/>
           </a:xfrm>
           <a:prstGeom prst="rect">
             <a:avLst/>
@@ -11091,14 +8861,14 @@
       </p:sp>
       <p:sp>
         <p:nvSpPr>
-          <p:cNvPr id="181" name="CustomShape 3"/>
+          <p:cNvPr id="118" name="CustomShape 3"/>
           <p:cNvSpPr/>
           <p:nvPr/>
         </p:nvSpPr>
         <p:spPr>
           <a:xfrm>
             <a:off x="755640" y="1701000"/>
-            <a:ext cx="7632360" cy="4104000"/>
+            <a:ext cx="7632000" cy="4103640"/>
           </a:xfrm>
           <a:prstGeom prst="rect">
             <a:avLst/>
@@ -11111,14 +8881,14 @@
       </p:sp>
       <p:sp>
         <p:nvSpPr>
-          <p:cNvPr id="182" name="CustomShape 4"/>
+          <p:cNvPr id="119" name="CustomShape 4"/>
           <p:cNvSpPr/>
           <p:nvPr/>
         </p:nvSpPr>
         <p:spPr>
           <a:xfrm>
             <a:off x="504000" y="1123920"/>
-            <a:ext cx="8459640" cy="313560"/>
+            <a:ext cx="8459280" cy="313200"/>
           </a:xfrm>
           <a:prstGeom prst="rect">
             <a:avLst/>
@@ -11152,14 +8922,14 @@
       </p:sp>
       <p:sp>
         <p:nvSpPr>
-          <p:cNvPr id="183" name="CustomShape 5"/>
+          <p:cNvPr id="120" name="CustomShape 5"/>
           <p:cNvSpPr/>
           <p:nvPr/>
         </p:nvSpPr>
         <p:spPr>
           <a:xfrm>
             <a:off x="720000" y="1556640"/>
-            <a:ext cx="7596000" cy="2566080"/>
+            <a:ext cx="7595640" cy="2565720"/>
           </a:xfrm>
           <a:prstGeom prst="rect">
             <a:avLst/>
@@ -11369,14 +9139,14 @@
       </p:sp>
       <p:sp>
         <p:nvSpPr>
-          <p:cNvPr id="184" name="CustomShape 6"/>
+          <p:cNvPr id="121" name="CustomShape 6"/>
           <p:cNvSpPr/>
           <p:nvPr/>
         </p:nvSpPr>
         <p:spPr>
           <a:xfrm>
             <a:off x="504000" y="4123080"/>
-            <a:ext cx="8459640" cy="310320"/>
+            <a:ext cx="8459280" cy="309960"/>
           </a:xfrm>
           <a:prstGeom prst="rect">
             <a:avLst/>
@@ -11410,14 +9180,14 @@
       </p:sp>
       <p:sp>
         <p:nvSpPr>
-          <p:cNvPr id="185" name="CustomShape 7"/>
+          <p:cNvPr id="122" name="CustomShape 7"/>
           <p:cNvSpPr/>
           <p:nvPr/>
         </p:nvSpPr>
         <p:spPr>
           <a:xfrm>
             <a:off x="827640" y="4581360"/>
-            <a:ext cx="7632360" cy="1007280"/>
+            <a:ext cx="7632000" cy="1006920"/>
           </a:xfrm>
           <a:prstGeom prst="rect">
             <a:avLst/>
@@ -12166,227 +9936,4 @@
     </a:fmtScheme>
   </a:themeElements>
 </a:theme>
-</file>
-
-<file path=ppt/theme/theme4.xml><?xml version="1.0" encoding="utf-8"?>
-<a:theme xmlns:a="http://schemas.openxmlformats.org/drawingml/2006/main" name="Office Theme">
-  <a:themeElements>
-    <a:clrScheme name="Office">
-      <a:dk1>
-        <a:sysClr val="windowText" lastClr="000000"/>
-      </a:dk1>
-      <a:lt1>
-        <a:sysClr val="window" lastClr="FFFFFF"/>
-      </a:lt1>
-      <a:dk2>
-        <a:srgbClr val="1F497D"/>
-      </a:dk2>
-      <a:lt2>
-        <a:srgbClr val="EEECE1"/>
-      </a:lt2>
-      <a:accent1>
-        <a:srgbClr val="4F81BD"/>
-      </a:accent1>
-      <a:accent2>
-        <a:srgbClr val="C0504D"/>
-      </a:accent2>
-      <a:accent3>
-        <a:srgbClr val="9BBB59"/>
-      </a:accent3>
-      <a:accent4>
-        <a:srgbClr val="8064A2"/>
-      </a:accent4>
-      <a:accent5>
-        <a:srgbClr val="4BACC6"/>
-      </a:accent5>
-      <a:accent6>
-        <a:srgbClr val="F79646"/>
-      </a:accent6>
-      <a:hlink>
-        <a:srgbClr val="0000FF"/>
-      </a:hlink>
-      <a:folHlink>
-        <a:srgbClr val="800080"/>
-      </a:folHlink>
-    </a:clrScheme>
-    <a:fontScheme name="Office">
-      <a:majorFont>
-        <a:latin typeface="Arial"/>
-        <a:ea typeface="DejaVu Sans"/>
-        <a:cs typeface="DejaVu Sans"/>
-      </a:majorFont>
-      <a:minorFont>
-        <a:latin typeface="Arial"/>
-        <a:ea typeface="DejaVu Sans"/>
-        <a:cs typeface="DejaVu Sans"/>
-      </a:minorFont>
-    </a:fontScheme>
-    <a:fmtScheme name="Office">
-      <a:fillStyleLst>
-        <a:solidFill>
-          <a:schemeClr val="phClr"/>
-        </a:solidFill>
-        <a:gradFill rotWithShape="1">
-          <a:gsLst>
-            <a:gs pos="0">
-              <a:schemeClr val="phClr">
-                <a:tint val="50000"/>
-                <a:satMod val="300000"/>
-              </a:schemeClr>
-            </a:gs>
-            <a:gs pos="35000">
-              <a:schemeClr val="phClr">
-                <a:tint val="37000"/>
-                <a:satMod val="300000"/>
-              </a:schemeClr>
-            </a:gs>
-            <a:gs pos="100000">
-              <a:schemeClr val="phClr">
-                <a:tint val="15000"/>
-                <a:satMod val="350000"/>
-              </a:schemeClr>
-            </a:gs>
-          </a:gsLst>
-          <a:lin ang="16200000" scaled="1"/>
-        </a:gradFill>
-        <a:gradFill rotWithShape="1">
-          <a:gsLst>
-            <a:gs pos="0">
-              <a:schemeClr val="phClr">
-                <a:shade val="51000"/>
-                <a:satMod val="130000"/>
-              </a:schemeClr>
-            </a:gs>
-            <a:gs pos="80000">
-              <a:schemeClr val="phClr">
-                <a:shade val="93000"/>
-                <a:satMod val="130000"/>
-              </a:schemeClr>
-            </a:gs>
-            <a:gs pos="100000">
-              <a:schemeClr val="phClr">
-                <a:shade val="94000"/>
-                <a:satMod val="135000"/>
-              </a:schemeClr>
-            </a:gs>
-          </a:gsLst>
-          <a:lin ang="16200000" scaled="0"/>
-        </a:gradFill>
-      </a:fillStyleLst>
-      <a:lnStyleLst>
-        <a:ln w="9525" cap="flat" cmpd="sng" algn="ctr">
-          <a:solidFill>
-            <a:schemeClr val="phClr">
-              <a:shade val="95000"/>
-              <a:satMod val="105000"/>
-            </a:schemeClr>
-          </a:solidFill>
-          <a:prstDash val="solid"/>
-        </a:ln>
-        <a:ln w="25400" cap="flat" cmpd="sng" algn="ctr">
-          <a:solidFill>
-            <a:schemeClr val="phClr"/>
-          </a:solidFill>
-          <a:prstDash val="solid"/>
-        </a:ln>
-        <a:ln w="38100" cap="flat" cmpd="sng" algn="ctr">
-          <a:solidFill>
-            <a:schemeClr val="phClr"/>
-          </a:solidFill>
-          <a:prstDash val="solid"/>
-        </a:ln>
-      </a:lnStyleLst>
-      <a:effectStyleLst>
-        <a:effectStyle>
-          <a:effectLst>
-            <a:outerShdw blurRad="40000" dist="20000" dir="5400000" rotWithShape="0">
-              <a:srgbClr val="000000">
-                <a:alpha val="38000"/>
-              </a:srgbClr>
-            </a:outerShdw>
-          </a:effectLst>
-        </a:effectStyle>
-        <a:effectStyle>
-          <a:effectLst>
-            <a:outerShdw blurRad="40000" dist="23000" dir="5400000" rotWithShape="0">
-              <a:srgbClr val="000000">
-                <a:alpha val="35000"/>
-              </a:srgbClr>
-            </a:outerShdw>
-          </a:effectLst>
-        </a:effectStyle>
-        <a:effectStyle>
-          <a:effectLst>
-            <a:outerShdw blurRad="40000" dist="23000" dir="5400000" rotWithShape="0">
-              <a:srgbClr val="000000">
-                <a:alpha val="35000"/>
-              </a:srgbClr>
-            </a:outerShdw>
-          </a:effectLst>
-          <a:scene3d>
-            <a:camera prst="orthographicFront">
-              <a:rot lat="0" lon="0" rev="0"/>
-            </a:camera>
-            <a:lightRig rig="threePt" dir="t">
-              <a:rot lat="0" lon="0" rev="1200000"/>
-            </a:lightRig>
-          </a:scene3d>
-          <a:sp3d>
-            <a:bevelT w="63500" h="25400"/>
-          </a:sp3d>
-        </a:effectStyle>
-      </a:effectStyleLst>
-      <a:bgFillStyleLst>
-        <a:solidFill>
-          <a:schemeClr val="phClr"/>
-        </a:solidFill>
-        <a:gradFill rotWithShape="1">
-          <a:gsLst>
-            <a:gs pos="0">
-              <a:schemeClr val="phClr">
-                <a:tint val="40000"/>
-                <a:satMod val="350000"/>
-              </a:schemeClr>
-            </a:gs>
-            <a:gs pos="40000">
-              <a:schemeClr val="phClr">
-                <a:tint val="45000"/>
-                <a:shade val="99000"/>
-                <a:satMod val="350000"/>
-              </a:schemeClr>
-            </a:gs>
-            <a:gs pos="100000">
-              <a:schemeClr val="phClr">
-                <a:shade val="20000"/>
-                <a:satMod val="255000"/>
-              </a:schemeClr>
-            </a:gs>
-          </a:gsLst>
-          <a:path path="circle">
-            <a:fillToRect l="50000" t="-80000" r="50000" b="180000"/>
-          </a:path>
-        </a:gradFill>
-        <a:gradFill rotWithShape="1">
-          <a:gsLst>
-            <a:gs pos="0">
-              <a:schemeClr val="phClr">
-                <a:tint val="80000"/>
-                <a:satMod val="300000"/>
-              </a:schemeClr>
-            </a:gs>
-            <a:gs pos="100000">
-              <a:schemeClr val="phClr">
-                <a:shade val="30000"/>
-                <a:satMod val="200000"/>
-              </a:schemeClr>
-            </a:gs>
-          </a:gsLst>
-          <a:path path="circle">
-            <a:fillToRect l="50000" t="50000" r="50000" b="50000"/>
-          </a:path>
-        </a:gradFill>
-      </a:bgFillStyleLst>
-    </a:fmtScheme>
-  </a:themeElements>
-</a:theme>
 </file>